--- a/분산서버 구조 및 송수신데이터.pptx
+++ b/분산서버 구조 및 송수신데이터.pptx
@@ -4991,6 +4991,259 @@
           <a:chExt cx="0" cy="0"/>
         </a:xfrm>
       </p:grpSpPr>
+      <p:sp>
+        <p:nvSpPr>
+          <p:cNvPr id="2" name="직사각형 1"/>
+          <p:cNvSpPr/>
+          <p:nvPr/>
+        </p:nvSpPr>
+        <p:spPr>
+          <a:xfrm>
+            <a:off x="426128" y="363984"/>
+            <a:ext cx="4660777" cy="1473694"/>
+          </a:xfrm>
+          <a:prstGeom prst="rect">
+            <a:avLst/>
+          </a:prstGeom>
+        </p:spPr>
+        <p:style>
+          <a:lnRef idx="2">
+            <a:schemeClr val="accent1">
+              <a:shade val="50000"/>
+            </a:schemeClr>
+          </a:lnRef>
+          <a:fillRef idx="1">
+            <a:schemeClr val="accent1"/>
+          </a:fillRef>
+          <a:effectRef idx="0">
+            <a:schemeClr val="accent1"/>
+          </a:effectRef>
+          <a:fontRef idx="minor">
+            <a:schemeClr val="lt1"/>
+          </a:fontRef>
+        </p:style>
+        <p:txBody>
+          <a:bodyPr rtlCol="0" anchor="ctr"/>
+          <a:lstStyle/>
+          <a:p>
+            <a:pPr algn="ctr"/>
+            <a:endParaRPr lang="ko-KR" altLang="en-US"/>
+          </a:p>
+        </p:txBody>
+      </p:sp>
+      <p:cxnSp>
+        <p:nvCxnSpPr>
+          <p:cNvPr id="6" name="직선 연결선 5"/>
+          <p:cNvCxnSpPr>
+            <a:cxnSpLocks/>
+          </p:cNvCxnSpPr>
+          <p:nvPr/>
+        </p:nvCxnSpPr>
+        <p:spPr>
+          <a:xfrm>
+            <a:off x="1207363" y="363984"/>
+            <a:ext cx="0" cy="1473694"/>
+          </a:xfrm>
+          <a:prstGeom prst="line">
+            <a:avLst/>
+          </a:prstGeom>
+          <a:ln w="38100">
+            <a:solidFill>
+              <a:schemeClr val="tx1"/>
+            </a:solidFill>
+          </a:ln>
+        </p:spPr>
+        <p:style>
+          <a:lnRef idx="1">
+            <a:schemeClr val="accent1"/>
+          </a:lnRef>
+          <a:fillRef idx="0">
+            <a:schemeClr val="accent1"/>
+          </a:fillRef>
+          <a:effectRef idx="0">
+            <a:schemeClr val="accent1"/>
+          </a:effectRef>
+          <a:fontRef idx="minor">
+            <a:schemeClr val="tx1"/>
+          </a:fontRef>
+        </p:style>
+      </p:cxnSp>
+      <p:sp>
+        <p:nvSpPr>
+          <p:cNvPr id="8" name="TextBox 7"/>
+          <p:cNvSpPr txBox="1"/>
+          <p:nvPr/>
+        </p:nvSpPr>
+        <p:spPr>
+          <a:xfrm>
+            <a:off x="514905" y="648070"/>
+            <a:ext cx="692458" cy="646331"/>
+          </a:xfrm>
+          <a:prstGeom prst="rect">
+            <a:avLst/>
+          </a:prstGeom>
+          <a:noFill/>
+        </p:spPr>
+        <p:txBody>
+          <a:bodyPr wrap="square" rtlCol="0">
+            <a:spAutoFit/>
+          </a:bodyPr>
+          <a:lstStyle/>
+          <a:p>
+            <a:r>
+              <a:rPr lang="ko-KR" altLang="en-US"/>
+              <a:t>패킷크기</a:t>
+            </a:r>
+            <a:endParaRPr lang="ko-KR" altLang="en-US" dirty="0"/>
+          </a:p>
+        </p:txBody>
+      </p:sp>
+      <p:sp>
+        <p:nvSpPr>
+          <p:cNvPr id="9" name="TextBox 8"/>
+          <p:cNvSpPr txBox="1"/>
+          <p:nvPr/>
+        </p:nvSpPr>
+        <p:spPr>
+          <a:xfrm>
+            <a:off x="1207363" y="648070"/>
+            <a:ext cx="1136341" cy="646331"/>
+          </a:xfrm>
+          <a:prstGeom prst="rect">
+            <a:avLst/>
+          </a:prstGeom>
+          <a:noFill/>
+        </p:spPr>
+        <p:txBody>
+          <a:bodyPr wrap="square" rtlCol="0">
+            <a:spAutoFit/>
+          </a:bodyPr>
+          <a:lstStyle/>
+          <a:p>
+            <a:r>
+              <a:rPr lang="ko-KR" altLang="en-US" dirty="0"/>
+              <a:t>프로토콜 </a:t>
+            </a:r>
+            <a:endParaRPr lang="en-US" altLang="ko-KR" dirty="0"/>
+          </a:p>
+          <a:p>
+            <a:r>
+              <a:rPr lang="ko-KR" altLang="en-US" dirty="0"/>
+              <a:t>타입</a:t>
+            </a:r>
+          </a:p>
+        </p:txBody>
+      </p:sp>
+      <p:cxnSp>
+        <p:nvCxnSpPr>
+          <p:cNvPr id="10" name="직선 연결선 9"/>
+          <p:cNvCxnSpPr>
+            <a:cxnSpLocks/>
+          </p:cNvCxnSpPr>
+          <p:nvPr/>
+        </p:nvCxnSpPr>
+        <p:spPr>
+          <a:xfrm>
+            <a:off x="2343704" y="363984"/>
+            <a:ext cx="0" cy="1473694"/>
+          </a:xfrm>
+          <a:prstGeom prst="line">
+            <a:avLst/>
+          </a:prstGeom>
+          <a:ln w="38100">
+            <a:solidFill>
+              <a:schemeClr val="tx1"/>
+            </a:solidFill>
+          </a:ln>
+        </p:spPr>
+        <p:style>
+          <a:lnRef idx="1">
+            <a:schemeClr val="accent1"/>
+          </a:lnRef>
+          <a:fillRef idx="0">
+            <a:schemeClr val="accent1"/>
+          </a:fillRef>
+          <a:effectRef idx="0">
+            <a:schemeClr val="accent1"/>
+          </a:effectRef>
+          <a:fontRef idx="minor">
+            <a:schemeClr val="tx1"/>
+          </a:fontRef>
+        </p:style>
+      </p:cxnSp>
+      <p:cxnSp>
+        <p:nvCxnSpPr>
+          <p:cNvPr id="11" name="직선 연결선 10"/>
+          <p:cNvCxnSpPr>
+            <a:cxnSpLocks/>
+          </p:cNvCxnSpPr>
+          <p:nvPr/>
+        </p:nvCxnSpPr>
+        <p:spPr>
+          <a:xfrm>
+            <a:off x="3374993" y="369033"/>
+            <a:ext cx="0" cy="1473694"/>
+          </a:xfrm>
+          <a:prstGeom prst="line">
+            <a:avLst/>
+          </a:prstGeom>
+          <a:ln w="38100">
+            <a:solidFill>
+              <a:schemeClr val="tx1"/>
+            </a:solidFill>
+          </a:ln>
+        </p:spPr>
+        <p:style>
+          <a:lnRef idx="1">
+            <a:schemeClr val="accent1"/>
+          </a:lnRef>
+          <a:fillRef idx="0">
+            <a:schemeClr val="accent1"/>
+          </a:fillRef>
+          <a:effectRef idx="0">
+            <a:schemeClr val="accent1"/>
+          </a:effectRef>
+          <a:fontRef idx="minor">
+            <a:schemeClr val="tx1"/>
+          </a:fontRef>
+        </p:style>
+      </p:cxnSp>
+      <p:sp>
+        <p:nvSpPr>
+          <p:cNvPr id="12" name="TextBox 11"/>
+          <p:cNvSpPr txBox="1"/>
+          <p:nvPr/>
+        </p:nvSpPr>
+        <p:spPr>
+          <a:xfrm>
+            <a:off x="2343703" y="672964"/>
+            <a:ext cx="1136341" cy="646331"/>
+          </a:xfrm>
+          <a:prstGeom prst="rect">
+            <a:avLst/>
+          </a:prstGeom>
+          <a:noFill/>
+        </p:spPr>
+        <p:txBody>
+          <a:bodyPr wrap="square" rtlCol="0">
+            <a:spAutoFit/>
+          </a:bodyPr>
+          <a:lstStyle/>
+          <a:p>
+            <a:r>
+              <a:rPr lang="ko-KR" altLang="en-US" dirty="0"/>
+              <a:t>프로토콜 </a:t>
+            </a:r>
+            <a:endParaRPr lang="en-US" altLang="ko-KR" dirty="0"/>
+          </a:p>
+          <a:p>
+            <a:r>
+              <a:rPr lang="ko-KR" altLang="en-US" dirty="0"/>
+              <a:t>타입</a:t>
+            </a:r>
+          </a:p>
+        </p:txBody>
+      </p:sp>
     </p:spTree>
     <p:extLst>
       <p:ext uri="{BB962C8B-B14F-4D97-AF65-F5344CB8AC3E}">

--- a/분산서버 구조 및 송수신데이터.pptx
+++ b/분산서버 구조 및 송수신데이터.pptx
@@ -9,6 +9,14 @@
     <p:sldId id="257" r:id="rId3"/>
     <p:sldId id="258" r:id="rId4"/>
     <p:sldId id="259" r:id="rId5"/>
+    <p:sldId id="260" r:id="rId6"/>
+    <p:sldId id="261" r:id="rId7"/>
+    <p:sldId id="266" r:id="rId8"/>
+    <p:sldId id="267" r:id="rId9"/>
+    <p:sldId id="262" r:id="rId10"/>
+    <p:sldId id="263" r:id="rId11"/>
+    <p:sldId id="264" r:id="rId12"/>
+    <p:sldId id="265" r:id="rId13"/>
   </p:sldIdLst>
   <p:sldSz cx="12192000" cy="6858000"/>
   <p:notesSz cx="6858000" cy="9144000"/>
@@ -115,6 +123,10 @@
 </p:presentation>
 </file>
 
+<file path=ppt/revisionInfo.xml><?xml version="1.0" encoding="utf-8"?>
+<p1510:revInfo xmlns:a="http://schemas.openxmlformats.org/drawingml/2006/main" xmlns:r="http://schemas.openxmlformats.org/officeDocument/2006/relationships" xmlns:p1510="http://schemas.microsoft.com/office/powerpoint/2015/10/main"/>
+</file>
+
 <file path=ppt/slideLayouts/slideLayout1.xml><?xml version="1.0" encoding="utf-8"?>
 <p:sldLayout xmlns:a="http://schemas.openxmlformats.org/drawingml/2006/main" xmlns:r="http://schemas.openxmlformats.org/officeDocument/2006/relationships" xmlns:p="http://schemas.openxmlformats.org/presentationml/2006/main" type="title" preserve="1">
   <p:cSld name="제목 슬라이드">
@@ -244,7 +256,7 @@
           <a:p>
             <a:fld id="{B9232A80-340B-44ED-9BDE-3E914145B5BC}" type="datetimeFigureOut">
               <a:rPr lang="ko-KR" altLang="en-US" smtClean="0"/>
-              <a:t>2017-04-14</a:t>
+              <a:t>2017-05-03</a:t>
             </a:fld>
             <a:endParaRPr lang="ko-KR" altLang="en-US"/>
           </a:p>
@@ -412,7 +424,7 @@
           <a:p>
             <a:fld id="{B9232A80-340B-44ED-9BDE-3E914145B5BC}" type="datetimeFigureOut">
               <a:rPr lang="ko-KR" altLang="en-US" smtClean="0"/>
-              <a:t>2017-04-14</a:t>
+              <a:t>2017-05-03</a:t>
             </a:fld>
             <a:endParaRPr lang="ko-KR" altLang="en-US"/>
           </a:p>
@@ -590,7 +602,7 @@
           <a:p>
             <a:fld id="{B9232A80-340B-44ED-9BDE-3E914145B5BC}" type="datetimeFigureOut">
               <a:rPr lang="ko-KR" altLang="en-US" smtClean="0"/>
-              <a:t>2017-04-14</a:t>
+              <a:t>2017-05-03</a:t>
             </a:fld>
             <a:endParaRPr lang="ko-KR" altLang="en-US"/>
           </a:p>
@@ -758,7 +770,7 @@
           <a:p>
             <a:fld id="{B9232A80-340B-44ED-9BDE-3E914145B5BC}" type="datetimeFigureOut">
               <a:rPr lang="ko-KR" altLang="en-US" smtClean="0"/>
-              <a:t>2017-04-14</a:t>
+              <a:t>2017-05-03</a:t>
             </a:fld>
             <a:endParaRPr lang="ko-KR" altLang="en-US"/>
           </a:p>
@@ -1003,7 +1015,7 @@
           <a:p>
             <a:fld id="{B9232A80-340B-44ED-9BDE-3E914145B5BC}" type="datetimeFigureOut">
               <a:rPr lang="ko-KR" altLang="en-US" smtClean="0"/>
-              <a:t>2017-04-14</a:t>
+              <a:t>2017-05-03</a:t>
             </a:fld>
             <a:endParaRPr lang="ko-KR" altLang="en-US"/>
           </a:p>
@@ -1232,7 +1244,7 @@
           <a:p>
             <a:fld id="{B9232A80-340B-44ED-9BDE-3E914145B5BC}" type="datetimeFigureOut">
               <a:rPr lang="ko-KR" altLang="en-US" smtClean="0"/>
-              <a:t>2017-04-14</a:t>
+              <a:t>2017-05-03</a:t>
             </a:fld>
             <a:endParaRPr lang="ko-KR" altLang="en-US"/>
           </a:p>
@@ -1596,7 +1608,7 @@
           <a:p>
             <a:fld id="{B9232A80-340B-44ED-9BDE-3E914145B5BC}" type="datetimeFigureOut">
               <a:rPr lang="ko-KR" altLang="en-US" smtClean="0"/>
-              <a:t>2017-04-14</a:t>
+              <a:t>2017-05-03</a:t>
             </a:fld>
             <a:endParaRPr lang="ko-KR" altLang="en-US"/>
           </a:p>
@@ -1713,7 +1725,7 @@
           <a:p>
             <a:fld id="{B9232A80-340B-44ED-9BDE-3E914145B5BC}" type="datetimeFigureOut">
               <a:rPr lang="ko-KR" altLang="en-US" smtClean="0"/>
-              <a:t>2017-04-14</a:t>
+              <a:t>2017-05-03</a:t>
             </a:fld>
             <a:endParaRPr lang="ko-KR" altLang="en-US"/>
           </a:p>
@@ -1808,7 +1820,7 @@
           <a:p>
             <a:fld id="{B9232A80-340B-44ED-9BDE-3E914145B5BC}" type="datetimeFigureOut">
               <a:rPr lang="ko-KR" altLang="en-US" smtClean="0"/>
-              <a:t>2017-04-14</a:t>
+              <a:t>2017-05-03</a:t>
             </a:fld>
             <a:endParaRPr lang="ko-KR" altLang="en-US"/>
           </a:p>
@@ -2083,7 +2095,7 @@
           <a:p>
             <a:fld id="{B9232A80-340B-44ED-9BDE-3E914145B5BC}" type="datetimeFigureOut">
               <a:rPr lang="ko-KR" altLang="en-US" smtClean="0"/>
-              <a:t>2017-04-14</a:t>
+              <a:t>2017-05-03</a:t>
             </a:fld>
             <a:endParaRPr lang="ko-KR" altLang="en-US"/>
           </a:p>
@@ -2335,7 +2347,7 @@
           <a:p>
             <a:fld id="{B9232A80-340B-44ED-9BDE-3E914145B5BC}" type="datetimeFigureOut">
               <a:rPr lang="ko-KR" altLang="en-US" smtClean="0"/>
-              <a:t>2017-04-14</a:t>
+              <a:t>2017-05-03</a:t>
             </a:fld>
             <a:endParaRPr lang="ko-KR" altLang="en-US"/>
           </a:p>
@@ -2546,7 +2558,7 @@
           <a:p>
             <a:fld id="{B9232A80-340B-44ED-9BDE-3E914145B5BC}" type="datetimeFigureOut">
               <a:rPr lang="ko-KR" altLang="en-US" smtClean="0"/>
-              <a:t>2017-04-14</a:t>
+              <a:t>2017-05-03</a:t>
             </a:fld>
             <a:endParaRPr lang="ko-KR" altLang="en-US"/>
           </a:p>
@@ -3961,6 +3973,1716 @@
 </p:sld>
 </file>
 
+<file path=ppt/slides/slide10.xml><?xml version="1.0" encoding="utf-8"?>
+<p:sld xmlns:a="http://schemas.openxmlformats.org/drawingml/2006/main" xmlns:r="http://schemas.openxmlformats.org/officeDocument/2006/relationships" xmlns:p="http://schemas.openxmlformats.org/presentationml/2006/main">
+  <p:cSld>
+    <p:spTree>
+      <p:nvGrpSpPr>
+        <p:cNvPr id="1" name=""/>
+        <p:cNvGrpSpPr/>
+        <p:nvPr/>
+      </p:nvGrpSpPr>
+      <p:grpSpPr>
+        <a:xfrm>
+          <a:off x="0" y="0"/>
+          <a:ext cx="0" cy="0"/>
+          <a:chOff x="0" y="0"/>
+          <a:chExt cx="0" cy="0"/>
+        </a:xfrm>
+      </p:grpSpPr>
+      <p:sp>
+        <p:nvSpPr>
+          <p:cNvPr id="4" name="직사각형 3"/>
+          <p:cNvSpPr/>
+          <p:nvPr/>
+        </p:nvSpPr>
+        <p:spPr>
+          <a:xfrm>
+            <a:off x="452759" y="4146848"/>
+            <a:ext cx="8185211" cy="1473694"/>
+          </a:xfrm>
+          <a:prstGeom prst="rect">
+            <a:avLst/>
+          </a:prstGeom>
+        </p:spPr>
+        <p:style>
+          <a:lnRef idx="2">
+            <a:schemeClr val="accent1">
+              <a:shade val="50000"/>
+            </a:schemeClr>
+          </a:lnRef>
+          <a:fillRef idx="1">
+            <a:schemeClr val="accent1"/>
+          </a:fillRef>
+          <a:effectRef idx="0">
+            <a:schemeClr val="accent1"/>
+          </a:effectRef>
+          <a:fontRef idx="minor">
+            <a:schemeClr val="lt1"/>
+          </a:fontRef>
+        </p:style>
+        <p:txBody>
+          <a:bodyPr rtlCol="0" anchor="ctr"/>
+          <a:lstStyle/>
+          <a:p>
+            <a:pPr algn="ctr"/>
+            <a:endParaRPr lang="ko-KR" altLang="en-US"/>
+          </a:p>
+        </p:txBody>
+      </p:sp>
+      <p:cxnSp>
+        <p:nvCxnSpPr>
+          <p:cNvPr id="5" name="직선 연결선 4"/>
+          <p:cNvCxnSpPr>
+            <a:cxnSpLocks/>
+          </p:cNvCxnSpPr>
+          <p:nvPr/>
+        </p:nvCxnSpPr>
+        <p:spPr>
+          <a:xfrm>
+            <a:off x="1233995" y="4146848"/>
+            <a:ext cx="0" cy="1473694"/>
+          </a:xfrm>
+          <a:prstGeom prst="line">
+            <a:avLst/>
+          </a:prstGeom>
+          <a:ln w="38100">
+            <a:solidFill>
+              <a:schemeClr val="tx1"/>
+            </a:solidFill>
+          </a:ln>
+        </p:spPr>
+        <p:style>
+          <a:lnRef idx="1">
+            <a:schemeClr val="accent1"/>
+          </a:lnRef>
+          <a:fillRef idx="0">
+            <a:schemeClr val="accent1"/>
+          </a:fillRef>
+          <a:effectRef idx="0">
+            <a:schemeClr val="accent1"/>
+          </a:effectRef>
+          <a:fontRef idx="minor">
+            <a:schemeClr val="tx1"/>
+          </a:fontRef>
+        </p:style>
+      </p:cxnSp>
+      <p:sp>
+        <p:nvSpPr>
+          <p:cNvPr id="6" name="TextBox 5"/>
+          <p:cNvSpPr txBox="1"/>
+          <p:nvPr/>
+        </p:nvSpPr>
+        <p:spPr>
+          <a:xfrm>
+            <a:off x="541537" y="4430934"/>
+            <a:ext cx="692458" cy="646331"/>
+          </a:xfrm>
+          <a:prstGeom prst="rect">
+            <a:avLst/>
+          </a:prstGeom>
+          <a:noFill/>
+        </p:spPr>
+        <p:txBody>
+          <a:bodyPr wrap="square" rtlCol="0">
+            <a:spAutoFit/>
+          </a:bodyPr>
+          <a:lstStyle/>
+          <a:p>
+            <a:r>
+              <a:rPr lang="ko-KR" altLang="en-US"/>
+              <a:t>패킷크기</a:t>
+            </a:r>
+            <a:endParaRPr lang="ko-KR" altLang="en-US" dirty="0"/>
+          </a:p>
+        </p:txBody>
+      </p:sp>
+      <p:sp>
+        <p:nvSpPr>
+          <p:cNvPr id="7" name="TextBox 6"/>
+          <p:cNvSpPr txBox="1"/>
+          <p:nvPr/>
+        </p:nvSpPr>
+        <p:spPr>
+          <a:xfrm>
+            <a:off x="1233995" y="4430934"/>
+            <a:ext cx="1136341" cy="646331"/>
+          </a:xfrm>
+          <a:prstGeom prst="rect">
+            <a:avLst/>
+          </a:prstGeom>
+          <a:noFill/>
+        </p:spPr>
+        <p:txBody>
+          <a:bodyPr wrap="square" rtlCol="0">
+            <a:spAutoFit/>
+          </a:bodyPr>
+          <a:lstStyle/>
+          <a:p>
+            <a:r>
+              <a:rPr lang="ko-KR" altLang="en-US" dirty="0"/>
+              <a:t>프로토콜 </a:t>
+            </a:r>
+            <a:endParaRPr lang="en-US" altLang="ko-KR" dirty="0"/>
+          </a:p>
+          <a:p>
+            <a:r>
+              <a:rPr lang="ko-KR" altLang="en-US" dirty="0"/>
+              <a:t>타입</a:t>
+            </a:r>
+          </a:p>
+        </p:txBody>
+      </p:sp>
+      <p:cxnSp>
+        <p:nvCxnSpPr>
+          <p:cNvPr id="8" name="직선 연결선 7"/>
+          <p:cNvCxnSpPr>
+            <a:cxnSpLocks/>
+          </p:cNvCxnSpPr>
+          <p:nvPr/>
+        </p:nvCxnSpPr>
+        <p:spPr>
+          <a:xfrm>
+            <a:off x="2370336" y="4146848"/>
+            <a:ext cx="0" cy="1473694"/>
+          </a:xfrm>
+          <a:prstGeom prst="line">
+            <a:avLst/>
+          </a:prstGeom>
+          <a:ln w="38100">
+            <a:solidFill>
+              <a:schemeClr val="tx1"/>
+            </a:solidFill>
+          </a:ln>
+        </p:spPr>
+        <p:style>
+          <a:lnRef idx="1">
+            <a:schemeClr val="accent1"/>
+          </a:lnRef>
+          <a:fillRef idx="0">
+            <a:schemeClr val="accent1"/>
+          </a:fillRef>
+          <a:effectRef idx="0">
+            <a:schemeClr val="accent1"/>
+          </a:effectRef>
+          <a:fontRef idx="minor">
+            <a:schemeClr val="tx1"/>
+          </a:fontRef>
+        </p:style>
+      </p:cxnSp>
+      <p:cxnSp>
+        <p:nvCxnSpPr>
+          <p:cNvPr id="9" name="직선 연결선 8"/>
+          <p:cNvCxnSpPr>
+            <a:cxnSpLocks/>
+          </p:cNvCxnSpPr>
+          <p:nvPr/>
+        </p:nvCxnSpPr>
+        <p:spPr>
+          <a:xfrm>
+            <a:off x="3401625" y="4151897"/>
+            <a:ext cx="0" cy="1473694"/>
+          </a:xfrm>
+          <a:prstGeom prst="line">
+            <a:avLst/>
+          </a:prstGeom>
+          <a:ln w="38100">
+            <a:solidFill>
+              <a:schemeClr val="tx1"/>
+            </a:solidFill>
+          </a:ln>
+        </p:spPr>
+        <p:style>
+          <a:lnRef idx="1">
+            <a:schemeClr val="accent1"/>
+          </a:lnRef>
+          <a:fillRef idx="0">
+            <a:schemeClr val="accent1"/>
+          </a:fillRef>
+          <a:effectRef idx="0">
+            <a:schemeClr val="accent1"/>
+          </a:effectRef>
+          <a:fontRef idx="minor">
+            <a:schemeClr val="tx1"/>
+          </a:fontRef>
+        </p:style>
+      </p:cxnSp>
+      <p:cxnSp>
+        <p:nvCxnSpPr>
+          <p:cNvPr id="10" name="직선 연결선 9"/>
+          <p:cNvCxnSpPr>
+            <a:cxnSpLocks/>
+          </p:cNvCxnSpPr>
+          <p:nvPr/>
+        </p:nvCxnSpPr>
+        <p:spPr>
+          <a:xfrm>
+            <a:off x="4441792" y="4142760"/>
+            <a:ext cx="0" cy="1473694"/>
+          </a:xfrm>
+          <a:prstGeom prst="line">
+            <a:avLst/>
+          </a:prstGeom>
+          <a:ln w="38100">
+            <a:solidFill>
+              <a:schemeClr val="tx1"/>
+            </a:solidFill>
+          </a:ln>
+        </p:spPr>
+        <p:style>
+          <a:lnRef idx="1">
+            <a:schemeClr val="accent1"/>
+          </a:lnRef>
+          <a:fillRef idx="0">
+            <a:schemeClr val="accent1"/>
+          </a:fillRef>
+          <a:effectRef idx="0">
+            <a:schemeClr val="accent1"/>
+          </a:effectRef>
+          <a:fontRef idx="minor">
+            <a:schemeClr val="tx1"/>
+          </a:fontRef>
+        </p:style>
+      </p:cxnSp>
+      <p:sp>
+        <p:nvSpPr>
+          <p:cNvPr id="11" name="TextBox 10"/>
+          <p:cNvSpPr txBox="1"/>
+          <p:nvPr/>
+        </p:nvSpPr>
+        <p:spPr>
+          <a:xfrm>
+            <a:off x="3600633" y="4582639"/>
+            <a:ext cx="935115" cy="646331"/>
+          </a:xfrm>
+          <a:prstGeom prst="rect">
+            <a:avLst/>
+          </a:prstGeom>
+          <a:noFill/>
+        </p:spPr>
+        <p:txBody>
+          <a:bodyPr wrap="square" rtlCol="0">
+            <a:spAutoFit/>
+          </a:bodyPr>
+          <a:lstStyle/>
+          <a:p>
+            <a:r>
+              <a:rPr lang="ko-KR" altLang="en-US" dirty="0"/>
+              <a:t>문자열길이</a:t>
+            </a:r>
+          </a:p>
+        </p:txBody>
+      </p:sp>
+      <p:sp>
+        <p:nvSpPr>
+          <p:cNvPr id="12" name="TextBox 11"/>
+          <p:cNvSpPr txBox="1"/>
+          <p:nvPr/>
+        </p:nvSpPr>
+        <p:spPr>
+          <a:xfrm>
+            <a:off x="4588274" y="4721138"/>
+            <a:ext cx="1269507" cy="369332"/>
+          </a:xfrm>
+          <a:prstGeom prst="rect">
+            <a:avLst/>
+          </a:prstGeom>
+          <a:noFill/>
+        </p:spPr>
+        <p:txBody>
+          <a:bodyPr wrap="square" rtlCol="0">
+            <a:spAutoFit/>
+          </a:bodyPr>
+          <a:lstStyle/>
+          <a:p>
+            <a:r>
+              <a:rPr lang="ko-KR" altLang="en-US" dirty="0"/>
+              <a:t>아이디</a:t>
+            </a:r>
+          </a:p>
+        </p:txBody>
+      </p:sp>
+      <p:sp>
+        <p:nvSpPr>
+          <p:cNvPr id="13" name="TextBox 12"/>
+          <p:cNvSpPr txBox="1"/>
+          <p:nvPr/>
+        </p:nvSpPr>
+        <p:spPr>
+          <a:xfrm>
+            <a:off x="7933676" y="4650078"/>
+            <a:ext cx="1269507" cy="369332"/>
+          </a:xfrm>
+          <a:prstGeom prst="rect">
+            <a:avLst/>
+          </a:prstGeom>
+          <a:noFill/>
+        </p:spPr>
+        <p:txBody>
+          <a:bodyPr wrap="square" rtlCol="0">
+            <a:spAutoFit/>
+          </a:bodyPr>
+          <a:lstStyle/>
+          <a:p>
+            <a:r>
+              <a:rPr lang="en-US" altLang="ko-KR" dirty="0"/>
+              <a:t>…</a:t>
+            </a:r>
+            <a:endParaRPr lang="ko-KR" altLang="en-US" dirty="0"/>
+          </a:p>
+        </p:txBody>
+      </p:sp>
+      <p:cxnSp>
+        <p:nvCxnSpPr>
+          <p:cNvPr id="14" name="직선 연결선 13"/>
+          <p:cNvCxnSpPr>
+            <a:cxnSpLocks/>
+          </p:cNvCxnSpPr>
+          <p:nvPr/>
+        </p:nvCxnSpPr>
+        <p:spPr>
+          <a:xfrm>
+            <a:off x="5420554" y="4141248"/>
+            <a:ext cx="0" cy="1473694"/>
+          </a:xfrm>
+          <a:prstGeom prst="line">
+            <a:avLst/>
+          </a:prstGeom>
+          <a:ln w="38100">
+            <a:solidFill>
+              <a:schemeClr val="tx1"/>
+            </a:solidFill>
+          </a:ln>
+        </p:spPr>
+        <p:style>
+          <a:lnRef idx="1">
+            <a:schemeClr val="accent1"/>
+          </a:lnRef>
+          <a:fillRef idx="0">
+            <a:schemeClr val="accent1"/>
+          </a:fillRef>
+          <a:effectRef idx="0">
+            <a:schemeClr val="accent1"/>
+          </a:effectRef>
+          <a:fontRef idx="minor">
+            <a:schemeClr val="tx1"/>
+          </a:fontRef>
+        </p:style>
+      </p:cxnSp>
+      <p:cxnSp>
+        <p:nvCxnSpPr>
+          <p:cNvPr id="15" name="직선 연결선 14"/>
+          <p:cNvCxnSpPr>
+            <a:cxnSpLocks/>
+          </p:cNvCxnSpPr>
+          <p:nvPr/>
+        </p:nvCxnSpPr>
+        <p:spPr>
+          <a:xfrm>
+            <a:off x="6460721" y="4132111"/>
+            <a:ext cx="0" cy="1473694"/>
+          </a:xfrm>
+          <a:prstGeom prst="line">
+            <a:avLst/>
+          </a:prstGeom>
+          <a:ln w="38100">
+            <a:solidFill>
+              <a:schemeClr val="tx1"/>
+            </a:solidFill>
+          </a:ln>
+        </p:spPr>
+        <p:style>
+          <a:lnRef idx="1">
+            <a:schemeClr val="accent1"/>
+          </a:lnRef>
+          <a:fillRef idx="0">
+            <a:schemeClr val="accent1"/>
+          </a:fillRef>
+          <a:effectRef idx="0">
+            <a:schemeClr val="accent1"/>
+          </a:effectRef>
+          <a:fontRef idx="minor">
+            <a:schemeClr val="tx1"/>
+          </a:fontRef>
+        </p:style>
+      </p:cxnSp>
+      <p:sp>
+        <p:nvSpPr>
+          <p:cNvPr id="16" name="TextBox 15"/>
+          <p:cNvSpPr txBox="1"/>
+          <p:nvPr/>
+        </p:nvSpPr>
+        <p:spPr>
+          <a:xfrm>
+            <a:off x="5575173" y="4582639"/>
+            <a:ext cx="935115" cy="646331"/>
+          </a:xfrm>
+          <a:prstGeom prst="rect">
+            <a:avLst/>
+          </a:prstGeom>
+          <a:noFill/>
+        </p:spPr>
+        <p:txBody>
+          <a:bodyPr wrap="square" rtlCol="0">
+            <a:spAutoFit/>
+          </a:bodyPr>
+          <a:lstStyle/>
+          <a:p>
+            <a:r>
+              <a:rPr lang="ko-KR" altLang="en-US" dirty="0"/>
+              <a:t>문자열길이</a:t>
+            </a:r>
+          </a:p>
+        </p:txBody>
+      </p:sp>
+      <p:sp>
+        <p:nvSpPr>
+          <p:cNvPr id="17" name="TextBox 16"/>
+          <p:cNvSpPr txBox="1"/>
+          <p:nvPr/>
+        </p:nvSpPr>
+        <p:spPr>
+          <a:xfrm>
+            <a:off x="6572435" y="4694790"/>
+            <a:ext cx="1269507" cy="369332"/>
+          </a:xfrm>
+          <a:prstGeom prst="rect">
+            <a:avLst/>
+          </a:prstGeom>
+          <a:noFill/>
+        </p:spPr>
+        <p:txBody>
+          <a:bodyPr wrap="square" rtlCol="0">
+            <a:spAutoFit/>
+          </a:bodyPr>
+          <a:lstStyle/>
+          <a:p>
+            <a:r>
+              <a:rPr lang="ko-KR" altLang="en-US" dirty="0"/>
+              <a:t>비밀번호</a:t>
+            </a:r>
+          </a:p>
+        </p:txBody>
+      </p:sp>
+      <p:cxnSp>
+        <p:nvCxnSpPr>
+          <p:cNvPr id="18" name="직선 연결선 17"/>
+          <p:cNvCxnSpPr>
+            <a:cxnSpLocks/>
+          </p:cNvCxnSpPr>
+          <p:nvPr/>
+        </p:nvCxnSpPr>
+        <p:spPr>
+          <a:xfrm>
+            <a:off x="7811607" y="4151897"/>
+            <a:ext cx="0" cy="1473694"/>
+          </a:xfrm>
+          <a:prstGeom prst="line">
+            <a:avLst/>
+          </a:prstGeom>
+          <a:ln w="38100">
+            <a:solidFill>
+              <a:schemeClr val="tx1"/>
+            </a:solidFill>
+          </a:ln>
+        </p:spPr>
+        <p:style>
+          <a:lnRef idx="1">
+            <a:schemeClr val="accent1"/>
+          </a:lnRef>
+          <a:fillRef idx="0">
+            <a:schemeClr val="accent1"/>
+          </a:fillRef>
+          <a:effectRef idx="0">
+            <a:schemeClr val="accent1"/>
+          </a:effectRef>
+          <a:fontRef idx="minor">
+            <a:schemeClr val="tx1"/>
+          </a:fontRef>
+        </p:style>
+      </p:cxnSp>
+      <p:sp>
+        <p:nvSpPr>
+          <p:cNvPr id="19" name="TextBox 18"/>
+          <p:cNvSpPr txBox="1"/>
+          <p:nvPr/>
+        </p:nvSpPr>
+        <p:spPr>
+          <a:xfrm>
+            <a:off x="2560467" y="4511578"/>
+            <a:ext cx="736104" cy="646331"/>
+          </a:xfrm>
+          <a:prstGeom prst="rect">
+            <a:avLst/>
+          </a:prstGeom>
+          <a:noFill/>
+        </p:spPr>
+        <p:txBody>
+          <a:bodyPr wrap="square" rtlCol="0">
+            <a:spAutoFit/>
+          </a:bodyPr>
+          <a:lstStyle/>
+          <a:p>
+            <a:r>
+              <a:rPr lang="ko-KR" altLang="en-US" dirty="0"/>
+              <a:t>전송타입</a:t>
+            </a:r>
+          </a:p>
+        </p:txBody>
+      </p:sp>
+    </p:spTree>
+    <p:extLst>
+      <p:ext uri="{BB962C8B-B14F-4D97-AF65-F5344CB8AC3E}">
+        <p14:creationId xmlns:p14="http://schemas.microsoft.com/office/powerpoint/2010/main" val="491847009"/>
+      </p:ext>
+    </p:extLst>
+  </p:cSld>
+  <p:clrMapOvr>
+    <a:masterClrMapping/>
+  </p:clrMapOvr>
+</p:sld>
+</file>
+
+<file path=ppt/slides/slide11.xml><?xml version="1.0" encoding="utf-8"?>
+<p:sld xmlns:a="http://schemas.openxmlformats.org/drawingml/2006/main" xmlns:r="http://schemas.openxmlformats.org/officeDocument/2006/relationships" xmlns:p="http://schemas.openxmlformats.org/presentationml/2006/main">
+  <p:cSld>
+    <p:spTree>
+      <p:nvGrpSpPr>
+        <p:cNvPr id="1" name=""/>
+        <p:cNvGrpSpPr/>
+        <p:nvPr/>
+      </p:nvGrpSpPr>
+      <p:grpSpPr>
+        <a:xfrm>
+          <a:off x="0" y="0"/>
+          <a:ext cx="0" cy="0"/>
+          <a:chOff x="0" y="0"/>
+          <a:chExt cx="0" cy="0"/>
+        </a:xfrm>
+      </p:grpSpPr>
+      <p:sp>
+        <p:nvSpPr>
+          <p:cNvPr id="4" name="직사각형 3"/>
+          <p:cNvSpPr/>
+          <p:nvPr/>
+        </p:nvSpPr>
+        <p:spPr>
+          <a:xfrm>
+            <a:off x="452759" y="4146848"/>
+            <a:ext cx="8185211" cy="1473694"/>
+          </a:xfrm>
+          <a:prstGeom prst="rect">
+            <a:avLst/>
+          </a:prstGeom>
+        </p:spPr>
+        <p:style>
+          <a:lnRef idx="2">
+            <a:schemeClr val="accent1">
+              <a:shade val="50000"/>
+            </a:schemeClr>
+          </a:lnRef>
+          <a:fillRef idx="1">
+            <a:schemeClr val="accent1"/>
+          </a:fillRef>
+          <a:effectRef idx="0">
+            <a:schemeClr val="accent1"/>
+          </a:effectRef>
+          <a:fontRef idx="minor">
+            <a:schemeClr val="lt1"/>
+          </a:fontRef>
+        </p:style>
+        <p:txBody>
+          <a:bodyPr rtlCol="0" anchor="ctr"/>
+          <a:lstStyle/>
+          <a:p>
+            <a:pPr algn="ctr"/>
+            <a:endParaRPr lang="ko-KR" altLang="en-US"/>
+          </a:p>
+        </p:txBody>
+      </p:sp>
+      <p:cxnSp>
+        <p:nvCxnSpPr>
+          <p:cNvPr id="5" name="직선 연결선 4"/>
+          <p:cNvCxnSpPr>
+            <a:cxnSpLocks/>
+          </p:cNvCxnSpPr>
+          <p:nvPr/>
+        </p:nvCxnSpPr>
+        <p:spPr>
+          <a:xfrm>
+            <a:off x="1233995" y="4146848"/>
+            <a:ext cx="0" cy="1473694"/>
+          </a:xfrm>
+          <a:prstGeom prst="line">
+            <a:avLst/>
+          </a:prstGeom>
+          <a:ln w="38100">
+            <a:solidFill>
+              <a:schemeClr val="tx1"/>
+            </a:solidFill>
+          </a:ln>
+        </p:spPr>
+        <p:style>
+          <a:lnRef idx="1">
+            <a:schemeClr val="accent1"/>
+          </a:lnRef>
+          <a:fillRef idx="0">
+            <a:schemeClr val="accent1"/>
+          </a:fillRef>
+          <a:effectRef idx="0">
+            <a:schemeClr val="accent1"/>
+          </a:effectRef>
+          <a:fontRef idx="minor">
+            <a:schemeClr val="tx1"/>
+          </a:fontRef>
+        </p:style>
+      </p:cxnSp>
+      <p:sp>
+        <p:nvSpPr>
+          <p:cNvPr id="6" name="TextBox 5"/>
+          <p:cNvSpPr txBox="1"/>
+          <p:nvPr/>
+        </p:nvSpPr>
+        <p:spPr>
+          <a:xfrm>
+            <a:off x="541537" y="4430934"/>
+            <a:ext cx="692458" cy="646331"/>
+          </a:xfrm>
+          <a:prstGeom prst="rect">
+            <a:avLst/>
+          </a:prstGeom>
+          <a:noFill/>
+        </p:spPr>
+        <p:txBody>
+          <a:bodyPr wrap="square" rtlCol="0">
+            <a:spAutoFit/>
+          </a:bodyPr>
+          <a:lstStyle/>
+          <a:p>
+            <a:r>
+              <a:rPr lang="ko-KR" altLang="en-US"/>
+              <a:t>패킷크기</a:t>
+            </a:r>
+            <a:endParaRPr lang="ko-KR" altLang="en-US" dirty="0"/>
+          </a:p>
+        </p:txBody>
+      </p:sp>
+      <p:sp>
+        <p:nvSpPr>
+          <p:cNvPr id="7" name="TextBox 6"/>
+          <p:cNvSpPr txBox="1"/>
+          <p:nvPr/>
+        </p:nvSpPr>
+        <p:spPr>
+          <a:xfrm>
+            <a:off x="1233995" y="4430934"/>
+            <a:ext cx="1136341" cy="646331"/>
+          </a:xfrm>
+          <a:prstGeom prst="rect">
+            <a:avLst/>
+          </a:prstGeom>
+          <a:noFill/>
+        </p:spPr>
+        <p:txBody>
+          <a:bodyPr wrap="square" rtlCol="0">
+            <a:spAutoFit/>
+          </a:bodyPr>
+          <a:lstStyle/>
+          <a:p>
+            <a:r>
+              <a:rPr lang="ko-KR" altLang="en-US" dirty="0"/>
+              <a:t>프로토콜 </a:t>
+            </a:r>
+            <a:endParaRPr lang="en-US" altLang="ko-KR" dirty="0"/>
+          </a:p>
+          <a:p>
+            <a:r>
+              <a:rPr lang="ko-KR" altLang="en-US" dirty="0"/>
+              <a:t>타입</a:t>
+            </a:r>
+          </a:p>
+        </p:txBody>
+      </p:sp>
+      <p:cxnSp>
+        <p:nvCxnSpPr>
+          <p:cNvPr id="8" name="직선 연결선 7"/>
+          <p:cNvCxnSpPr>
+            <a:cxnSpLocks/>
+          </p:cNvCxnSpPr>
+          <p:nvPr/>
+        </p:nvCxnSpPr>
+        <p:spPr>
+          <a:xfrm>
+            <a:off x="2370336" y="4146848"/>
+            <a:ext cx="0" cy="1473694"/>
+          </a:xfrm>
+          <a:prstGeom prst="line">
+            <a:avLst/>
+          </a:prstGeom>
+          <a:ln w="38100">
+            <a:solidFill>
+              <a:schemeClr val="tx1"/>
+            </a:solidFill>
+          </a:ln>
+        </p:spPr>
+        <p:style>
+          <a:lnRef idx="1">
+            <a:schemeClr val="accent1"/>
+          </a:lnRef>
+          <a:fillRef idx="0">
+            <a:schemeClr val="accent1"/>
+          </a:fillRef>
+          <a:effectRef idx="0">
+            <a:schemeClr val="accent1"/>
+          </a:effectRef>
+          <a:fontRef idx="minor">
+            <a:schemeClr val="tx1"/>
+          </a:fontRef>
+        </p:style>
+      </p:cxnSp>
+      <p:cxnSp>
+        <p:nvCxnSpPr>
+          <p:cNvPr id="9" name="직선 연결선 8"/>
+          <p:cNvCxnSpPr>
+            <a:cxnSpLocks/>
+          </p:cNvCxnSpPr>
+          <p:nvPr/>
+        </p:nvCxnSpPr>
+        <p:spPr>
+          <a:xfrm>
+            <a:off x="3401625" y="4151897"/>
+            <a:ext cx="0" cy="1473694"/>
+          </a:xfrm>
+          <a:prstGeom prst="line">
+            <a:avLst/>
+          </a:prstGeom>
+          <a:ln w="38100">
+            <a:solidFill>
+              <a:schemeClr val="tx1"/>
+            </a:solidFill>
+          </a:ln>
+        </p:spPr>
+        <p:style>
+          <a:lnRef idx="1">
+            <a:schemeClr val="accent1"/>
+          </a:lnRef>
+          <a:fillRef idx="0">
+            <a:schemeClr val="accent1"/>
+          </a:fillRef>
+          <a:effectRef idx="0">
+            <a:schemeClr val="accent1"/>
+          </a:effectRef>
+          <a:fontRef idx="minor">
+            <a:schemeClr val="tx1"/>
+          </a:fontRef>
+        </p:style>
+      </p:cxnSp>
+      <p:cxnSp>
+        <p:nvCxnSpPr>
+          <p:cNvPr id="10" name="직선 연결선 9"/>
+          <p:cNvCxnSpPr>
+            <a:cxnSpLocks/>
+          </p:cNvCxnSpPr>
+          <p:nvPr/>
+        </p:nvCxnSpPr>
+        <p:spPr>
+          <a:xfrm>
+            <a:off x="4441792" y="4142760"/>
+            <a:ext cx="0" cy="1473694"/>
+          </a:xfrm>
+          <a:prstGeom prst="line">
+            <a:avLst/>
+          </a:prstGeom>
+          <a:ln w="38100">
+            <a:solidFill>
+              <a:schemeClr val="tx1"/>
+            </a:solidFill>
+          </a:ln>
+        </p:spPr>
+        <p:style>
+          <a:lnRef idx="1">
+            <a:schemeClr val="accent1"/>
+          </a:lnRef>
+          <a:fillRef idx="0">
+            <a:schemeClr val="accent1"/>
+          </a:fillRef>
+          <a:effectRef idx="0">
+            <a:schemeClr val="accent1"/>
+          </a:effectRef>
+          <a:fontRef idx="minor">
+            <a:schemeClr val="tx1"/>
+          </a:fontRef>
+        </p:style>
+      </p:cxnSp>
+      <p:sp>
+        <p:nvSpPr>
+          <p:cNvPr id="11" name="TextBox 10"/>
+          <p:cNvSpPr txBox="1"/>
+          <p:nvPr/>
+        </p:nvSpPr>
+        <p:spPr>
+          <a:xfrm>
+            <a:off x="3600633" y="4582639"/>
+            <a:ext cx="935115" cy="646331"/>
+          </a:xfrm>
+          <a:prstGeom prst="rect">
+            <a:avLst/>
+          </a:prstGeom>
+          <a:noFill/>
+        </p:spPr>
+        <p:txBody>
+          <a:bodyPr wrap="square" rtlCol="0">
+            <a:spAutoFit/>
+          </a:bodyPr>
+          <a:lstStyle/>
+          <a:p>
+            <a:r>
+              <a:rPr lang="ko-KR" altLang="en-US" dirty="0"/>
+              <a:t>문자열길이</a:t>
+            </a:r>
+          </a:p>
+        </p:txBody>
+      </p:sp>
+      <p:sp>
+        <p:nvSpPr>
+          <p:cNvPr id="12" name="TextBox 11"/>
+          <p:cNvSpPr txBox="1"/>
+          <p:nvPr/>
+        </p:nvSpPr>
+        <p:spPr>
+          <a:xfrm>
+            <a:off x="4588274" y="4721138"/>
+            <a:ext cx="1269507" cy="369332"/>
+          </a:xfrm>
+          <a:prstGeom prst="rect">
+            <a:avLst/>
+          </a:prstGeom>
+          <a:noFill/>
+        </p:spPr>
+        <p:txBody>
+          <a:bodyPr wrap="square" rtlCol="0">
+            <a:spAutoFit/>
+          </a:bodyPr>
+          <a:lstStyle/>
+          <a:p>
+            <a:r>
+              <a:rPr lang="ko-KR" altLang="en-US" dirty="0"/>
+              <a:t>아이디</a:t>
+            </a:r>
+          </a:p>
+        </p:txBody>
+      </p:sp>
+      <p:sp>
+        <p:nvSpPr>
+          <p:cNvPr id="13" name="TextBox 12"/>
+          <p:cNvSpPr txBox="1"/>
+          <p:nvPr/>
+        </p:nvSpPr>
+        <p:spPr>
+          <a:xfrm>
+            <a:off x="7933676" y="4650078"/>
+            <a:ext cx="1269507" cy="369332"/>
+          </a:xfrm>
+          <a:prstGeom prst="rect">
+            <a:avLst/>
+          </a:prstGeom>
+          <a:noFill/>
+        </p:spPr>
+        <p:txBody>
+          <a:bodyPr wrap="square" rtlCol="0">
+            <a:spAutoFit/>
+          </a:bodyPr>
+          <a:lstStyle/>
+          <a:p>
+            <a:r>
+              <a:rPr lang="en-US" altLang="ko-KR" dirty="0"/>
+              <a:t>…</a:t>
+            </a:r>
+            <a:endParaRPr lang="ko-KR" altLang="en-US" dirty="0"/>
+          </a:p>
+        </p:txBody>
+      </p:sp>
+      <p:cxnSp>
+        <p:nvCxnSpPr>
+          <p:cNvPr id="14" name="직선 연결선 13"/>
+          <p:cNvCxnSpPr>
+            <a:cxnSpLocks/>
+          </p:cNvCxnSpPr>
+          <p:nvPr/>
+        </p:nvCxnSpPr>
+        <p:spPr>
+          <a:xfrm>
+            <a:off x="5420554" y="4141248"/>
+            <a:ext cx="0" cy="1473694"/>
+          </a:xfrm>
+          <a:prstGeom prst="line">
+            <a:avLst/>
+          </a:prstGeom>
+          <a:ln w="38100">
+            <a:solidFill>
+              <a:schemeClr val="tx1"/>
+            </a:solidFill>
+          </a:ln>
+        </p:spPr>
+        <p:style>
+          <a:lnRef idx="1">
+            <a:schemeClr val="accent1"/>
+          </a:lnRef>
+          <a:fillRef idx="0">
+            <a:schemeClr val="accent1"/>
+          </a:fillRef>
+          <a:effectRef idx="0">
+            <a:schemeClr val="accent1"/>
+          </a:effectRef>
+          <a:fontRef idx="minor">
+            <a:schemeClr val="tx1"/>
+          </a:fontRef>
+        </p:style>
+      </p:cxnSp>
+      <p:cxnSp>
+        <p:nvCxnSpPr>
+          <p:cNvPr id="15" name="직선 연결선 14"/>
+          <p:cNvCxnSpPr>
+            <a:cxnSpLocks/>
+          </p:cNvCxnSpPr>
+          <p:nvPr/>
+        </p:nvCxnSpPr>
+        <p:spPr>
+          <a:xfrm>
+            <a:off x="6460721" y="4132111"/>
+            <a:ext cx="0" cy="1473694"/>
+          </a:xfrm>
+          <a:prstGeom prst="line">
+            <a:avLst/>
+          </a:prstGeom>
+          <a:ln w="38100">
+            <a:solidFill>
+              <a:schemeClr val="tx1"/>
+            </a:solidFill>
+          </a:ln>
+        </p:spPr>
+        <p:style>
+          <a:lnRef idx="1">
+            <a:schemeClr val="accent1"/>
+          </a:lnRef>
+          <a:fillRef idx="0">
+            <a:schemeClr val="accent1"/>
+          </a:fillRef>
+          <a:effectRef idx="0">
+            <a:schemeClr val="accent1"/>
+          </a:effectRef>
+          <a:fontRef idx="minor">
+            <a:schemeClr val="tx1"/>
+          </a:fontRef>
+        </p:style>
+      </p:cxnSp>
+      <p:sp>
+        <p:nvSpPr>
+          <p:cNvPr id="16" name="TextBox 15"/>
+          <p:cNvSpPr txBox="1"/>
+          <p:nvPr/>
+        </p:nvSpPr>
+        <p:spPr>
+          <a:xfrm>
+            <a:off x="5575173" y="4582639"/>
+            <a:ext cx="935115" cy="646331"/>
+          </a:xfrm>
+          <a:prstGeom prst="rect">
+            <a:avLst/>
+          </a:prstGeom>
+          <a:noFill/>
+        </p:spPr>
+        <p:txBody>
+          <a:bodyPr wrap="square" rtlCol="0">
+            <a:spAutoFit/>
+          </a:bodyPr>
+          <a:lstStyle/>
+          <a:p>
+            <a:r>
+              <a:rPr lang="ko-KR" altLang="en-US" dirty="0"/>
+              <a:t>문자열길이</a:t>
+            </a:r>
+          </a:p>
+        </p:txBody>
+      </p:sp>
+      <p:sp>
+        <p:nvSpPr>
+          <p:cNvPr id="17" name="TextBox 16"/>
+          <p:cNvSpPr txBox="1"/>
+          <p:nvPr/>
+        </p:nvSpPr>
+        <p:spPr>
+          <a:xfrm>
+            <a:off x="6572435" y="4694790"/>
+            <a:ext cx="1269507" cy="369332"/>
+          </a:xfrm>
+          <a:prstGeom prst="rect">
+            <a:avLst/>
+          </a:prstGeom>
+          <a:noFill/>
+        </p:spPr>
+        <p:txBody>
+          <a:bodyPr wrap="square" rtlCol="0">
+            <a:spAutoFit/>
+          </a:bodyPr>
+          <a:lstStyle/>
+          <a:p>
+            <a:r>
+              <a:rPr lang="ko-KR" altLang="en-US" dirty="0"/>
+              <a:t>비밀번호</a:t>
+            </a:r>
+          </a:p>
+        </p:txBody>
+      </p:sp>
+      <p:cxnSp>
+        <p:nvCxnSpPr>
+          <p:cNvPr id="18" name="직선 연결선 17"/>
+          <p:cNvCxnSpPr>
+            <a:cxnSpLocks/>
+          </p:cNvCxnSpPr>
+          <p:nvPr/>
+        </p:nvCxnSpPr>
+        <p:spPr>
+          <a:xfrm>
+            <a:off x="7811607" y="4151897"/>
+            <a:ext cx="0" cy="1473694"/>
+          </a:xfrm>
+          <a:prstGeom prst="line">
+            <a:avLst/>
+          </a:prstGeom>
+          <a:ln w="38100">
+            <a:solidFill>
+              <a:schemeClr val="tx1"/>
+            </a:solidFill>
+          </a:ln>
+        </p:spPr>
+        <p:style>
+          <a:lnRef idx="1">
+            <a:schemeClr val="accent1"/>
+          </a:lnRef>
+          <a:fillRef idx="0">
+            <a:schemeClr val="accent1"/>
+          </a:fillRef>
+          <a:effectRef idx="0">
+            <a:schemeClr val="accent1"/>
+          </a:effectRef>
+          <a:fontRef idx="minor">
+            <a:schemeClr val="tx1"/>
+          </a:fontRef>
+        </p:style>
+      </p:cxnSp>
+      <p:sp>
+        <p:nvSpPr>
+          <p:cNvPr id="19" name="TextBox 18"/>
+          <p:cNvSpPr txBox="1"/>
+          <p:nvPr/>
+        </p:nvSpPr>
+        <p:spPr>
+          <a:xfrm>
+            <a:off x="2560467" y="4511578"/>
+            <a:ext cx="736104" cy="646331"/>
+          </a:xfrm>
+          <a:prstGeom prst="rect">
+            <a:avLst/>
+          </a:prstGeom>
+          <a:noFill/>
+        </p:spPr>
+        <p:txBody>
+          <a:bodyPr wrap="square" rtlCol="0">
+            <a:spAutoFit/>
+          </a:bodyPr>
+          <a:lstStyle/>
+          <a:p>
+            <a:r>
+              <a:rPr lang="ko-KR" altLang="en-US" dirty="0"/>
+              <a:t>전송타입</a:t>
+            </a:r>
+          </a:p>
+        </p:txBody>
+      </p:sp>
+    </p:spTree>
+    <p:extLst>
+      <p:ext uri="{BB962C8B-B14F-4D97-AF65-F5344CB8AC3E}">
+        <p14:creationId xmlns:p14="http://schemas.microsoft.com/office/powerpoint/2010/main" val="2973067640"/>
+      </p:ext>
+    </p:extLst>
+  </p:cSld>
+  <p:clrMapOvr>
+    <a:masterClrMapping/>
+  </p:clrMapOvr>
+</p:sld>
+</file>
+
+<file path=ppt/slides/slide12.xml><?xml version="1.0" encoding="utf-8"?>
+<p:sld xmlns:a="http://schemas.openxmlformats.org/drawingml/2006/main" xmlns:r="http://schemas.openxmlformats.org/officeDocument/2006/relationships" xmlns:p="http://schemas.openxmlformats.org/presentationml/2006/main">
+  <p:cSld>
+    <p:spTree>
+      <p:nvGrpSpPr>
+        <p:cNvPr id="1" name=""/>
+        <p:cNvGrpSpPr/>
+        <p:nvPr/>
+      </p:nvGrpSpPr>
+      <p:grpSpPr>
+        <a:xfrm>
+          <a:off x="0" y="0"/>
+          <a:ext cx="0" cy="0"/>
+          <a:chOff x="0" y="0"/>
+          <a:chExt cx="0" cy="0"/>
+        </a:xfrm>
+      </p:grpSpPr>
+      <p:sp>
+        <p:nvSpPr>
+          <p:cNvPr id="4" name="직사각형 3"/>
+          <p:cNvSpPr/>
+          <p:nvPr/>
+        </p:nvSpPr>
+        <p:spPr>
+          <a:xfrm>
+            <a:off x="452759" y="4146848"/>
+            <a:ext cx="8185211" cy="1473694"/>
+          </a:xfrm>
+          <a:prstGeom prst="rect">
+            <a:avLst/>
+          </a:prstGeom>
+        </p:spPr>
+        <p:style>
+          <a:lnRef idx="2">
+            <a:schemeClr val="accent1">
+              <a:shade val="50000"/>
+            </a:schemeClr>
+          </a:lnRef>
+          <a:fillRef idx="1">
+            <a:schemeClr val="accent1"/>
+          </a:fillRef>
+          <a:effectRef idx="0">
+            <a:schemeClr val="accent1"/>
+          </a:effectRef>
+          <a:fontRef idx="minor">
+            <a:schemeClr val="lt1"/>
+          </a:fontRef>
+        </p:style>
+        <p:txBody>
+          <a:bodyPr rtlCol="0" anchor="ctr"/>
+          <a:lstStyle/>
+          <a:p>
+            <a:pPr algn="ctr"/>
+            <a:endParaRPr lang="ko-KR" altLang="en-US"/>
+          </a:p>
+        </p:txBody>
+      </p:sp>
+      <p:cxnSp>
+        <p:nvCxnSpPr>
+          <p:cNvPr id="5" name="직선 연결선 4"/>
+          <p:cNvCxnSpPr>
+            <a:cxnSpLocks/>
+          </p:cNvCxnSpPr>
+          <p:nvPr/>
+        </p:nvCxnSpPr>
+        <p:spPr>
+          <a:xfrm>
+            <a:off x="1233995" y="4146848"/>
+            <a:ext cx="0" cy="1473694"/>
+          </a:xfrm>
+          <a:prstGeom prst="line">
+            <a:avLst/>
+          </a:prstGeom>
+          <a:ln w="38100">
+            <a:solidFill>
+              <a:schemeClr val="tx1"/>
+            </a:solidFill>
+          </a:ln>
+        </p:spPr>
+        <p:style>
+          <a:lnRef idx="1">
+            <a:schemeClr val="accent1"/>
+          </a:lnRef>
+          <a:fillRef idx="0">
+            <a:schemeClr val="accent1"/>
+          </a:fillRef>
+          <a:effectRef idx="0">
+            <a:schemeClr val="accent1"/>
+          </a:effectRef>
+          <a:fontRef idx="minor">
+            <a:schemeClr val="tx1"/>
+          </a:fontRef>
+        </p:style>
+      </p:cxnSp>
+      <p:sp>
+        <p:nvSpPr>
+          <p:cNvPr id="6" name="TextBox 5"/>
+          <p:cNvSpPr txBox="1"/>
+          <p:nvPr/>
+        </p:nvSpPr>
+        <p:spPr>
+          <a:xfrm>
+            <a:off x="541537" y="4430934"/>
+            <a:ext cx="692458" cy="646331"/>
+          </a:xfrm>
+          <a:prstGeom prst="rect">
+            <a:avLst/>
+          </a:prstGeom>
+          <a:noFill/>
+        </p:spPr>
+        <p:txBody>
+          <a:bodyPr wrap="square" rtlCol="0">
+            <a:spAutoFit/>
+          </a:bodyPr>
+          <a:lstStyle/>
+          <a:p>
+            <a:r>
+              <a:rPr lang="ko-KR" altLang="en-US"/>
+              <a:t>패킷크기</a:t>
+            </a:r>
+            <a:endParaRPr lang="ko-KR" altLang="en-US" dirty="0"/>
+          </a:p>
+        </p:txBody>
+      </p:sp>
+      <p:sp>
+        <p:nvSpPr>
+          <p:cNvPr id="7" name="TextBox 6"/>
+          <p:cNvSpPr txBox="1"/>
+          <p:nvPr/>
+        </p:nvSpPr>
+        <p:spPr>
+          <a:xfrm>
+            <a:off x="1233995" y="4430934"/>
+            <a:ext cx="1136341" cy="646331"/>
+          </a:xfrm>
+          <a:prstGeom prst="rect">
+            <a:avLst/>
+          </a:prstGeom>
+          <a:noFill/>
+        </p:spPr>
+        <p:txBody>
+          <a:bodyPr wrap="square" rtlCol="0">
+            <a:spAutoFit/>
+          </a:bodyPr>
+          <a:lstStyle/>
+          <a:p>
+            <a:r>
+              <a:rPr lang="ko-KR" altLang="en-US" dirty="0"/>
+              <a:t>프로토콜 </a:t>
+            </a:r>
+            <a:endParaRPr lang="en-US" altLang="ko-KR" dirty="0"/>
+          </a:p>
+          <a:p>
+            <a:r>
+              <a:rPr lang="ko-KR" altLang="en-US" dirty="0"/>
+              <a:t>타입</a:t>
+            </a:r>
+          </a:p>
+        </p:txBody>
+      </p:sp>
+      <p:cxnSp>
+        <p:nvCxnSpPr>
+          <p:cNvPr id="8" name="직선 연결선 7"/>
+          <p:cNvCxnSpPr>
+            <a:cxnSpLocks/>
+          </p:cNvCxnSpPr>
+          <p:nvPr/>
+        </p:nvCxnSpPr>
+        <p:spPr>
+          <a:xfrm>
+            <a:off x="2370336" y="4146848"/>
+            <a:ext cx="0" cy="1473694"/>
+          </a:xfrm>
+          <a:prstGeom prst="line">
+            <a:avLst/>
+          </a:prstGeom>
+          <a:ln w="38100">
+            <a:solidFill>
+              <a:schemeClr val="tx1"/>
+            </a:solidFill>
+          </a:ln>
+        </p:spPr>
+        <p:style>
+          <a:lnRef idx="1">
+            <a:schemeClr val="accent1"/>
+          </a:lnRef>
+          <a:fillRef idx="0">
+            <a:schemeClr val="accent1"/>
+          </a:fillRef>
+          <a:effectRef idx="0">
+            <a:schemeClr val="accent1"/>
+          </a:effectRef>
+          <a:fontRef idx="minor">
+            <a:schemeClr val="tx1"/>
+          </a:fontRef>
+        </p:style>
+      </p:cxnSp>
+      <p:cxnSp>
+        <p:nvCxnSpPr>
+          <p:cNvPr id="9" name="직선 연결선 8"/>
+          <p:cNvCxnSpPr>
+            <a:cxnSpLocks/>
+          </p:cNvCxnSpPr>
+          <p:nvPr/>
+        </p:nvCxnSpPr>
+        <p:spPr>
+          <a:xfrm>
+            <a:off x="3401625" y="4151897"/>
+            <a:ext cx="0" cy="1473694"/>
+          </a:xfrm>
+          <a:prstGeom prst="line">
+            <a:avLst/>
+          </a:prstGeom>
+          <a:ln w="38100">
+            <a:solidFill>
+              <a:schemeClr val="tx1"/>
+            </a:solidFill>
+          </a:ln>
+        </p:spPr>
+        <p:style>
+          <a:lnRef idx="1">
+            <a:schemeClr val="accent1"/>
+          </a:lnRef>
+          <a:fillRef idx="0">
+            <a:schemeClr val="accent1"/>
+          </a:fillRef>
+          <a:effectRef idx="0">
+            <a:schemeClr val="accent1"/>
+          </a:effectRef>
+          <a:fontRef idx="minor">
+            <a:schemeClr val="tx1"/>
+          </a:fontRef>
+        </p:style>
+      </p:cxnSp>
+      <p:cxnSp>
+        <p:nvCxnSpPr>
+          <p:cNvPr id="10" name="직선 연결선 9"/>
+          <p:cNvCxnSpPr>
+            <a:cxnSpLocks/>
+          </p:cNvCxnSpPr>
+          <p:nvPr/>
+        </p:nvCxnSpPr>
+        <p:spPr>
+          <a:xfrm>
+            <a:off x="4441792" y="4142760"/>
+            <a:ext cx="0" cy="1473694"/>
+          </a:xfrm>
+          <a:prstGeom prst="line">
+            <a:avLst/>
+          </a:prstGeom>
+          <a:ln w="38100">
+            <a:solidFill>
+              <a:schemeClr val="tx1"/>
+            </a:solidFill>
+          </a:ln>
+        </p:spPr>
+        <p:style>
+          <a:lnRef idx="1">
+            <a:schemeClr val="accent1"/>
+          </a:lnRef>
+          <a:fillRef idx="0">
+            <a:schemeClr val="accent1"/>
+          </a:fillRef>
+          <a:effectRef idx="0">
+            <a:schemeClr val="accent1"/>
+          </a:effectRef>
+          <a:fontRef idx="minor">
+            <a:schemeClr val="tx1"/>
+          </a:fontRef>
+        </p:style>
+      </p:cxnSp>
+      <p:sp>
+        <p:nvSpPr>
+          <p:cNvPr id="11" name="TextBox 10"/>
+          <p:cNvSpPr txBox="1"/>
+          <p:nvPr/>
+        </p:nvSpPr>
+        <p:spPr>
+          <a:xfrm>
+            <a:off x="3600633" y="4582639"/>
+            <a:ext cx="935115" cy="646331"/>
+          </a:xfrm>
+          <a:prstGeom prst="rect">
+            <a:avLst/>
+          </a:prstGeom>
+          <a:noFill/>
+        </p:spPr>
+        <p:txBody>
+          <a:bodyPr wrap="square" rtlCol="0">
+            <a:spAutoFit/>
+          </a:bodyPr>
+          <a:lstStyle/>
+          <a:p>
+            <a:r>
+              <a:rPr lang="ko-KR" altLang="en-US" dirty="0"/>
+              <a:t>문자열길이</a:t>
+            </a:r>
+          </a:p>
+        </p:txBody>
+      </p:sp>
+      <p:sp>
+        <p:nvSpPr>
+          <p:cNvPr id="12" name="TextBox 11"/>
+          <p:cNvSpPr txBox="1"/>
+          <p:nvPr/>
+        </p:nvSpPr>
+        <p:spPr>
+          <a:xfrm>
+            <a:off x="4588274" y="4721138"/>
+            <a:ext cx="1269507" cy="369332"/>
+          </a:xfrm>
+          <a:prstGeom prst="rect">
+            <a:avLst/>
+          </a:prstGeom>
+          <a:noFill/>
+        </p:spPr>
+        <p:txBody>
+          <a:bodyPr wrap="square" rtlCol="0">
+            <a:spAutoFit/>
+          </a:bodyPr>
+          <a:lstStyle/>
+          <a:p>
+            <a:r>
+              <a:rPr lang="ko-KR" altLang="en-US" dirty="0"/>
+              <a:t>아이디</a:t>
+            </a:r>
+          </a:p>
+        </p:txBody>
+      </p:sp>
+      <p:sp>
+        <p:nvSpPr>
+          <p:cNvPr id="13" name="TextBox 12"/>
+          <p:cNvSpPr txBox="1"/>
+          <p:nvPr/>
+        </p:nvSpPr>
+        <p:spPr>
+          <a:xfrm>
+            <a:off x="7933676" y="4650078"/>
+            <a:ext cx="1269507" cy="369332"/>
+          </a:xfrm>
+          <a:prstGeom prst="rect">
+            <a:avLst/>
+          </a:prstGeom>
+          <a:noFill/>
+        </p:spPr>
+        <p:txBody>
+          <a:bodyPr wrap="square" rtlCol="0">
+            <a:spAutoFit/>
+          </a:bodyPr>
+          <a:lstStyle/>
+          <a:p>
+            <a:r>
+              <a:rPr lang="en-US" altLang="ko-KR" dirty="0"/>
+              <a:t>…</a:t>
+            </a:r>
+            <a:endParaRPr lang="ko-KR" altLang="en-US" dirty="0"/>
+          </a:p>
+        </p:txBody>
+      </p:sp>
+      <p:cxnSp>
+        <p:nvCxnSpPr>
+          <p:cNvPr id="14" name="직선 연결선 13"/>
+          <p:cNvCxnSpPr>
+            <a:cxnSpLocks/>
+          </p:cNvCxnSpPr>
+          <p:nvPr/>
+        </p:nvCxnSpPr>
+        <p:spPr>
+          <a:xfrm>
+            <a:off x="5420554" y="4141248"/>
+            <a:ext cx="0" cy="1473694"/>
+          </a:xfrm>
+          <a:prstGeom prst="line">
+            <a:avLst/>
+          </a:prstGeom>
+          <a:ln w="38100">
+            <a:solidFill>
+              <a:schemeClr val="tx1"/>
+            </a:solidFill>
+          </a:ln>
+        </p:spPr>
+        <p:style>
+          <a:lnRef idx="1">
+            <a:schemeClr val="accent1"/>
+          </a:lnRef>
+          <a:fillRef idx="0">
+            <a:schemeClr val="accent1"/>
+          </a:fillRef>
+          <a:effectRef idx="0">
+            <a:schemeClr val="accent1"/>
+          </a:effectRef>
+          <a:fontRef idx="minor">
+            <a:schemeClr val="tx1"/>
+          </a:fontRef>
+        </p:style>
+      </p:cxnSp>
+      <p:cxnSp>
+        <p:nvCxnSpPr>
+          <p:cNvPr id="15" name="직선 연결선 14"/>
+          <p:cNvCxnSpPr>
+            <a:cxnSpLocks/>
+          </p:cNvCxnSpPr>
+          <p:nvPr/>
+        </p:nvCxnSpPr>
+        <p:spPr>
+          <a:xfrm>
+            <a:off x="6460721" y="4132111"/>
+            <a:ext cx="0" cy="1473694"/>
+          </a:xfrm>
+          <a:prstGeom prst="line">
+            <a:avLst/>
+          </a:prstGeom>
+          <a:ln w="38100">
+            <a:solidFill>
+              <a:schemeClr val="tx1"/>
+            </a:solidFill>
+          </a:ln>
+        </p:spPr>
+        <p:style>
+          <a:lnRef idx="1">
+            <a:schemeClr val="accent1"/>
+          </a:lnRef>
+          <a:fillRef idx="0">
+            <a:schemeClr val="accent1"/>
+          </a:fillRef>
+          <a:effectRef idx="0">
+            <a:schemeClr val="accent1"/>
+          </a:effectRef>
+          <a:fontRef idx="minor">
+            <a:schemeClr val="tx1"/>
+          </a:fontRef>
+        </p:style>
+      </p:cxnSp>
+      <p:sp>
+        <p:nvSpPr>
+          <p:cNvPr id="16" name="TextBox 15"/>
+          <p:cNvSpPr txBox="1"/>
+          <p:nvPr/>
+        </p:nvSpPr>
+        <p:spPr>
+          <a:xfrm>
+            <a:off x="5575173" y="4582639"/>
+            <a:ext cx="935115" cy="646331"/>
+          </a:xfrm>
+          <a:prstGeom prst="rect">
+            <a:avLst/>
+          </a:prstGeom>
+          <a:noFill/>
+        </p:spPr>
+        <p:txBody>
+          <a:bodyPr wrap="square" rtlCol="0">
+            <a:spAutoFit/>
+          </a:bodyPr>
+          <a:lstStyle/>
+          <a:p>
+            <a:r>
+              <a:rPr lang="ko-KR" altLang="en-US" dirty="0"/>
+              <a:t>문자열길이</a:t>
+            </a:r>
+          </a:p>
+        </p:txBody>
+      </p:sp>
+      <p:sp>
+        <p:nvSpPr>
+          <p:cNvPr id="17" name="TextBox 16"/>
+          <p:cNvSpPr txBox="1"/>
+          <p:nvPr/>
+        </p:nvSpPr>
+        <p:spPr>
+          <a:xfrm>
+            <a:off x="6572435" y="4694790"/>
+            <a:ext cx="1269507" cy="369332"/>
+          </a:xfrm>
+          <a:prstGeom prst="rect">
+            <a:avLst/>
+          </a:prstGeom>
+          <a:noFill/>
+        </p:spPr>
+        <p:txBody>
+          <a:bodyPr wrap="square" rtlCol="0">
+            <a:spAutoFit/>
+          </a:bodyPr>
+          <a:lstStyle/>
+          <a:p>
+            <a:r>
+              <a:rPr lang="ko-KR" altLang="en-US" dirty="0"/>
+              <a:t>비밀번호</a:t>
+            </a:r>
+          </a:p>
+        </p:txBody>
+      </p:sp>
+      <p:cxnSp>
+        <p:nvCxnSpPr>
+          <p:cNvPr id="18" name="직선 연결선 17"/>
+          <p:cNvCxnSpPr>
+            <a:cxnSpLocks/>
+          </p:cNvCxnSpPr>
+          <p:nvPr/>
+        </p:nvCxnSpPr>
+        <p:spPr>
+          <a:xfrm>
+            <a:off x="7811607" y="4151897"/>
+            <a:ext cx="0" cy="1473694"/>
+          </a:xfrm>
+          <a:prstGeom prst="line">
+            <a:avLst/>
+          </a:prstGeom>
+          <a:ln w="38100">
+            <a:solidFill>
+              <a:schemeClr val="tx1"/>
+            </a:solidFill>
+          </a:ln>
+        </p:spPr>
+        <p:style>
+          <a:lnRef idx="1">
+            <a:schemeClr val="accent1"/>
+          </a:lnRef>
+          <a:fillRef idx="0">
+            <a:schemeClr val="accent1"/>
+          </a:fillRef>
+          <a:effectRef idx="0">
+            <a:schemeClr val="accent1"/>
+          </a:effectRef>
+          <a:fontRef idx="minor">
+            <a:schemeClr val="tx1"/>
+          </a:fontRef>
+        </p:style>
+      </p:cxnSp>
+      <p:sp>
+        <p:nvSpPr>
+          <p:cNvPr id="19" name="TextBox 18"/>
+          <p:cNvSpPr txBox="1"/>
+          <p:nvPr/>
+        </p:nvSpPr>
+        <p:spPr>
+          <a:xfrm>
+            <a:off x="2560467" y="4511578"/>
+            <a:ext cx="736104" cy="646331"/>
+          </a:xfrm>
+          <a:prstGeom prst="rect">
+            <a:avLst/>
+          </a:prstGeom>
+          <a:noFill/>
+        </p:spPr>
+        <p:txBody>
+          <a:bodyPr wrap="square" rtlCol="0">
+            <a:spAutoFit/>
+          </a:bodyPr>
+          <a:lstStyle/>
+          <a:p>
+            <a:r>
+              <a:rPr lang="ko-KR" altLang="en-US" dirty="0"/>
+              <a:t>전송타입</a:t>
+            </a:r>
+          </a:p>
+        </p:txBody>
+      </p:sp>
+    </p:spTree>
+    <p:extLst>
+      <p:ext uri="{BB962C8B-B14F-4D97-AF65-F5344CB8AC3E}">
+        <p14:creationId xmlns:p14="http://schemas.microsoft.com/office/powerpoint/2010/main" val="1174989615"/>
+      </p:ext>
+    </p:extLst>
+  </p:cSld>
+  <p:clrMapOvr>
+    <a:masterClrMapping/>
+  </p:clrMapOvr>
+</p:sld>
+</file>
+
 <file path=ppt/slides/slide2.xml><?xml version="1.0" encoding="utf-8"?>
 <p:sld xmlns:a="http://schemas.openxmlformats.org/drawingml/2006/main" xmlns:r="http://schemas.openxmlformats.org/officeDocument/2006/relationships" xmlns:p="http://schemas.openxmlformats.org/presentationml/2006/main">
   <p:cSld>
@@ -4999,8 +6721,8 @@
         </p:nvSpPr>
         <p:spPr>
           <a:xfrm>
-            <a:off x="426128" y="363984"/>
-            <a:ext cx="4660777" cy="1473694"/>
+            <a:off x="426127" y="363984"/>
+            <a:ext cx="8256233" cy="1473694"/>
           </a:xfrm>
           <a:prstGeom prst="rect">
             <a:avLst/>
@@ -5181,7 +6903,7 @@
         </p:nvCxnSpPr>
         <p:spPr>
           <a:xfrm>
-            <a:off x="3374993" y="369033"/>
+            <a:off x="4458808" y="361890"/>
             <a:ext cx="0" cy="1473694"/>
           </a:xfrm>
           <a:prstGeom prst="line">
@@ -5208,16 +6930,53 @@
           </a:fontRef>
         </p:style>
       </p:cxnSp>
-      <p:sp>
-        <p:nvSpPr>
-          <p:cNvPr id="12" name="TextBox 11"/>
+      <p:cxnSp>
+        <p:nvCxnSpPr>
+          <p:cNvPr id="13" name="직선 연결선 12"/>
+          <p:cNvCxnSpPr>
+            <a:cxnSpLocks/>
+          </p:cNvCxnSpPr>
+          <p:nvPr/>
+        </p:nvCxnSpPr>
+        <p:spPr>
+          <a:xfrm>
+            <a:off x="5498975" y="352753"/>
+            <a:ext cx="0" cy="1473694"/>
+          </a:xfrm>
+          <a:prstGeom prst="line">
+            <a:avLst/>
+          </a:prstGeom>
+          <a:ln w="38100">
+            <a:solidFill>
+              <a:schemeClr val="tx1"/>
+            </a:solidFill>
+          </a:ln>
+        </p:spPr>
+        <p:style>
+          <a:lnRef idx="1">
+            <a:schemeClr val="accent1"/>
+          </a:lnRef>
+          <a:fillRef idx="0">
+            <a:schemeClr val="accent1"/>
+          </a:fillRef>
+          <a:effectRef idx="0">
+            <a:schemeClr val="accent1"/>
+          </a:effectRef>
+          <a:fontRef idx="minor">
+            <a:schemeClr val="tx1"/>
+          </a:fontRef>
+        </p:style>
+      </p:cxnSp>
+      <p:sp>
+        <p:nvSpPr>
+          <p:cNvPr id="5" name="TextBox 4"/>
           <p:cNvSpPr txBox="1"/>
           <p:nvPr/>
         </p:nvSpPr>
         <p:spPr>
           <a:xfrm>
-            <a:off x="2343703" y="672964"/>
-            <a:ext cx="1136341" cy="646331"/>
+            <a:off x="3480044" y="711987"/>
+            <a:ext cx="935115" cy="646331"/>
           </a:xfrm>
           <a:prstGeom prst="rect">
             <a:avLst/>
@@ -5232,6 +6991,171 @@
           <a:p>
             <a:r>
               <a:rPr lang="ko-KR" altLang="en-US" dirty="0"/>
+              <a:t>문자열길이</a:t>
+            </a:r>
+          </a:p>
+        </p:txBody>
+      </p:sp>
+      <p:sp>
+        <p:nvSpPr>
+          <p:cNvPr id="7" name="TextBox 6"/>
+          <p:cNvSpPr txBox="1"/>
+          <p:nvPr/>
+        </p:nvSpPr>
+        <p:spPr>
+          <a:xfrm>
+            <a:off x="4563859" y="850486"/>
+            <a:ext cx="1269507" cy="369332"/>
+          </a:xfrm>
+          <a:prstGeom prst="rect">
+            <a:avLst/>
+          </a:prstGeom>
+          <a:noFill/>
+        </p:spPr>
+        <p:txBody>
+          <a:bodyPr wrap="square" rtlCol="0">
+            <a:spAutoFit/>
+          </a:bodyPr>
+          <a:lstStyle/>
+          <a:p>
+            <a:r>
+              <a:rPr lang="ko-KR" altLang="en-US" dirty="0"/>
+              <a:t>문자열</a:t>
+            </a:r>
+          </a:p>
+        </p:txBody>
+      </p:sp>
+      <p:sp>
+        <p:nvSpPr>
+          <p:cNvPr id="15" name="직사각형 14"/>
+          <p:cNvSpPr/>
+          <p:nvPr/>
+        </p:nvSpPr>
+        <p:spPr>
+          <a:xfrm>
+            <a:off x="405412" y="2197873"/>
+            <a:ext cx="7112492" cy="1473694"/>
+          </a:xfrm>
+          <a:prstGeom prst="rect">
+            <a:avLst/>
+          </a:prstGeom>
+        </p:spPr>
+        <p:style>
+          <a:lnRef idx="2">
+            <a:schemeClr val="accent1">
+              <a:shade val="50000"/>
+            </a:schemeClr>
+          </a:lnRef>
+          <a:fillRef idx="1">
+            <a:schemeClr val="accent1"/>
+          </a:fillRef>
+          <a:effectRef idx="0">
+            <a:schemeClr val="accent1"/>
+          </a:effectRef>
+          <a:fontRef idx="minor">
+            <a:schemeClr val="lt1"/>
+          </a:fontRef>
+        </p:style>
+        <p:txBody>
+          <a:bodyPr rtlCol="0" anchor="ctr"/>
+          <a:lstStyle/>
+          <a:p>
+            <a:pPr algn="ctr"/>
+            <a:endParaRPr lang="ko-KR" altLang="en-US"/>
+          </a:p>
+        </p:txBody>
+      </p:sp>
+      <p:cxnSp>
+        <p:nvCxnSpPr>
+          <p:cNvPr id="16" name="직선 연결선 15"/>
+          <p:cNvCxnSpPr>
+            <a:cxnSpLocks/>
+          </p:cNvCxnSpPr>
+          <p:nvPr/>
+        </p:nvCxnSpPr>
+        <p:spPr>
+          <a:xfrm>
+            <a:off x="1186647" y="2197873"/>
+            <a:ext cx="0" cy="1473694"/>
+          </a:xfrm>
+          <a:prstGeom prst="line">
+            <a:avLst/>
+          </a:prstGeom>
+          <a:ln w="38100">
+            <a:solidFill>
+              <a:schemeClr val="tx1"/>
+            </a:solidFill>
+          </a:ln>
+        </p:spPr>
+        <p:style>
+          <a:lnRef idx="1">
+            <a:schemeClr val="accent1"/>
+          </a:lnRef>
+          <a:fillRef idx="0">
+            <a:schemeClr val="accent1"/>
+          </a:fillRef>
+          <a:effectRef idx="0">
+            <a:schemeClr val="accent1"/>
+          </a:effectRef>
+          <a:fontRef idx="minor">
+            <a:schemeClr val="tx1"/>
+          </a:fontRef>
+        </p:style>
+      </p:cxnSp>
+      <p:sp>
+        <p:nvSpPr>
+          <p:cNvPr id="17" name="TextBox 16"/>
+          <p:cNvSpPr txBox="1"/>
+          <p:nvPr/>
+        </p:nvSpPr>
+        <p:spPr>
+          <a:xfrm>
+            <a:off x="465707" y="2561610"/>
+            <a:ext cx="692458" cy="646331"/>
+          </a:xfrm>
+          <a:prstGeom prst="rect">
+            <a:avLst/>
+          </a:prstGeom>
+          <a:noFill/>
+        </p:spPr>
+        <p:txBody>
+          <a:bodyPr wrap="square" rtlCol="0">
+            <a:spAutoFit/>
+          </a:bodyPr>
+          <a:lstStyle/>
+          <a:p>
+            <a:r>
+              <a:rPr lang="ko-KR" altLang="en-US" dirty="0" err="1"/>
+              <a:t>패킷크기</a:t>
+            </a:r>
+            <a:endParaRPr lang="ko-KR" altLang="en-US" dirty="0"/>
+          </a:p>
+        </p:txBody>
+      </p:sp>
+      <p:sp>
+        <p:nvSpPr>
+          <p:cNvPr id="18" name="TextBox 17"/>
+          <p:cNvSpPr txBox="1"/>
+          <p:nvPr/>
+        </p:nvSpPr>
+        <p:spPr>
+          <a:xfrm>
+            <a:off x="1158165" y="2561610"/>
+            <a:ext cx="1136341" cy="646331"/>
+          </a:xfrm>
+          <a:prstGeom prst="rect">
+            <a:avLst/>
+          </a:prstGeom>
+          <a:noFill/>
+        </p:spPr>
+        <p:txBody>
+          <a:bodyPr wrap="square" rtlCol="0">
+            <a:spAutoFit/>
+          </a:bodyPr>
+          <a:lstStyle/>
+          <a:p>
+            <a:r>
+              <a:rPr lang="ko-KR" altLang="en-US" dirty="0"/>
               <a:t>프로토콜 </a:t>
             </a:r>
             <a:endParaRPr lang="en-US" altLang="ko-KR" dirty="0"/>
@@ -5240,6 +7164,603 @@
             <a:r>
               <a:rPr lang="ko-KR" altLang="en-US" dirty="0"/>
               <a:t>타입</a:t>
+            </a:r>
+          </a:p>
+        </p:txBody>
+      </p:sp>
+      <p:cxnSp>
+        <p:nvCxnSpPr>
+          <p:cNvPr id="19" name="직선 연결선 18"/>
+          <p:cNvCxnSpPr>
+            <a:cxnSpLocks/>
+          </p:cNvCxnSpPr>
+          <p:nvPr/>
+        </p:nvCxnSpPr>
+        <p:spPr>
+          <a:xfrm>
+            <a:off x="3427519" y="2197873"/>
+            <a:ext cx="0" cy="1473694"/>
+          </a:xfrm>
+          <a:prstGeom prst="line">
+            <a:avLst/>
+          </a:prstGeom>
+          <a:ln w="38100">
+            <a:solidFill>
+              <a:schemeClr val="tx1"/>
+            </a:solidFill>
+          </a:ln>
+        </p:spPr>
+        <p:style>
+          <a:lnRef idx="1">
+            <a:schemeClr val="accent1"/>
+          </a:lnRef>
+          <a:fillRef idx="0">
+            <a:schemeClr val="accent1"/>
+          </a:fillRef>
+          <a:effectRef idx="0">
+            <a:schemeClr val="accent1"/>
+          </a:effectRef>
+          <a:fontRef idx="minor">
+            <a:schemeClr val="tx1"/>
+          </a:fontRef>
+        </p:style>
+      </p:cxnSp>
+      <p:cxnSp>
+        <p:nvCxnSpPr>
+          <p:cNvPr id="20" name="직선 연결선 19"/>
+          <p:cNvCxnSpPr>
+            <a:cxnSpLocks/>
+          </p:cNvCxnSpPr>
+          <p:nvPr/>
+        </p:nvCxnSpPr>
+        <p:spPr>
+          <a:xfrm>
+            <a:off x="4458808" y="2202922"/>
+            <a:ext cx="0" cy="1473694"/>
+          </a:xfrm>
+          <a:prstGeom prst="line">
+            <a:avLst/>
+          </a:prstGeom>
+          <a:ln w="38100">
+            <a:solidFill>
+              <a:schemeClr val="tx1"/>
+            </a:solidFill>
+          </a:ln>
+        </p:spPr>
+        <p:style>
+          <a:lnRef idx="1">
+            <a:schemeClr val="accent1"/>
+          </a:lnRef>
+          <a:fillRef idx="0">
+            <a:schemeClr val="accent1"/>
+          </a:fillRef>
+          <a:effectRef idx="0">
+            <a:schemeClr val="accent1"/>
+          </a:effectRef>
+          <a:fontRef idx="minor">
+            <a:schemeClr val="tx1"/>
+          </a:fontRef>
+        </p:style>
+      </p:cxnSp>
+      <p:cxnSp>
+        <p:nvCxnSpPr>
+          <p:cNvPr id="21" name="직선 연결선 20"/>
+          <p:cNvCxnSpPr>
+            <a:cxnSpLocks/>
+          </p:cNvCxnSpPr>
+          <p:nvPr/>
+        </p:nvCxnSpPr>
+        <p:spPr>
+          <a:xfrm>
+            <a:off x="5498975" y="2193785"/>
+            <a:ext cx="0" cy="1473694"/>
+          </a:xfrm>
+          <a:prstGeom prst="line">
+            <a:avLst/>
+          </a:prstGeom>
+          <a:ln w="38100">
+            <a:solidFill>
+              <a:schemeClr val="tx1"/>
+            </a:solidFill>
+          </a:ln>
+        </p:spPr>
+        <p:style>
+          <a:lnRef idx="1">
+            <a:schemeClr val="accent1"/>
+          </a:lnRef>
+          <a:fillRef idx="0">
+            <a:schemeClr val="accent1"/>
+          </a:fillRef>
+          <a:effectRef idx="0">
+            <a:schemeClr val="accent1"/>
+          </a:effectRef>
+          <a:fontRef idx="minor">
+            <a:schemeClr val="tx1"/>
+          </a:fontRef>
+        </p:style>
+      </p:cxnSp>
+      <p:sp>
+        <p:nvSpPr>
+          <p:cNvPr id="22" name="TextBox 21"/>
+          <p:cNvSpPr txBox="1"/>
+          <p:nvPr/>
+        </p:nvSpPr>
+        <p:spPr>
+          <a:xfrm>
+            <a:off x="3480044" y="2553019"/>
+            <a:ext cx="935115" cy="923330"/>
+          </a:xfrm>
+          <a:prstGeom prst="rect">
+            <a:avLst/>
+          </a:prstGeom>
+          <a:noFill/>
+        </p:spPr>
+        <p:txBody>
+          <a:bodyPr wrap="square" rtlCol="0">
+            <a:spAutoFit/>
+          </a:bodyPr>
+          <a:lstStyle/>
+          <a:p>
+            <a:r>
+              <a:rPr lang="ko-KR" altLang="en-US" dirty="0"/>
+              <a:t>정수형 </a:t>
+            </a:r>
+            <a:r>
+              <a:rPr lang="en-US" altLang="ko-KR" dirty="0"/>
+              <a:t>or</a:t>
+            </a:r>
+            <a:r>
+              <a:rPr lang="ko-KR" altLang="en-US" dirty="0"/>
+              <a:t> </a:t>
+            </a:r>
+            <a:endParaRPr lang="en-US" altLang="ko-KR" dirty="0"/>
+          </a:p>
+          <a:p>
+            <a:r>
+              <a:rPr lang="ko-KR" altLang="en-US" dirty="0"/>
+              <a:t>실수형</a:t>
+            </a:r>
+          </a:p>
+        </p:txBody>
+      </p:sp>
+      <p:sp>
+        <p:nvSpPr>
+          <p:cNvPr id="24" name="TextBox 23"/>
+          <p:cNvSpPr txBox="1"/>
+          <p:nvPr/>
+        </p:nvSpPr>
+        <p:spPr>
+          <a:xfrm>
+            <a:off x="7813087" y="779426"/>
+            <a:ext cx="1269507" cy="369332"/>
+          </a:xfrm>
+          <a:prstGeom prst="rect">
+            <a:avLst/>
+          </a:prstGeom>
+          <a:noFill/>
+        </p:spPr>
+        <p:txBody>
+          <a:bodyPr wrap="square" rtlCol="0">
+            <a:spAutoFit/>
+          </a:bodyPr>
+          <a:lstStyle/>
+          <a:p>
+            <a:r>
+              <a:rPr lang="en-US" altLang="ko-KR" dirty="0"/>
+              <a:t>…</a:t>
+            </a:r>
+            <a:endParaRPr lang="ko-KR" altLang="en-US" dirty="0"/>
+          </a:p>
+        </p:txBody>
+      </p:sp>
+      <p:sp>
+        <p:nvSpPr>
+          <p:cNvPr id="25" name="TextBox 24"/>
+          <p:cNvSpPr txBox="1"/>
+          <p:nvPr/>
+        </p:nvSpPr>
+        <p:spPr>
+          <a:xfrm>
+            <a:off x="4551284" y="2553019"/>
+            <a:ext cx="935115" cy="923330"/>
+          </a:xfrm>
+          <a:prstGeom prst="rect">
+            <a:avLst/>
+          </a:prstGeom>
+          <a:noFill/>
+        </p:spPr>
+        <p:txBody>
+          <a:bodyPr wrap="square" rtlCol="0">
+            <a:spAutoFit/>
+          </a:bodyPr>
+          <a:lstStyle/>
+          <a:p>
+            <a:r>
+              <a:rPr lang="ko-KR" altLang="en-US" dirty="0"/>
+              <a:t>정수형 </a:t>
+            </a:r>
+            <a:r>
+              <a:rPr lang="en-US" altLang="ko-KR" dirty="0"/>
+              <a:t>or</a:t>
+            </a:r>
+            <a:r>
+              <a:rPr lang="ko-KR" altLang="en-US" dirty="0"/>
+              <a:t> </a:t>
+            </a:r>
+            <a:endParaRPr lang="en-US" altLang="ko-KR" dirty="0"/>
+          </a:p>
+          <a:p>
+            <a:r>
+              <a:rPr lang="ko-KR" altLang="en-US" dirty="0"/>
+              <a:t>실수형</a:t>
+            </a:r>
+          </a:p>
+        </p:txBody>
+      </p:sp>
+      <p:cxnSp>
+        <p:nvCxnSpPr>
+          <p:cNvPr id="26" name="직선 연결선 25"/>
+          <p:cNvCxnSpPr>
+            <a:cxnSpLocks/>
+          </p:cNvCxnSpPr>
+          <p:nvPr/>
+        </p:nvCxnSpPr>
+        <p:spPr>
+          <a:xfrm>
+            <a:off x="6477737" y="351241"/>
+            <a:ext cx="0" cy="1473694"/>
+          </a:xfrm>
+          <a:prstGeom prst="line">
+            <a:avLst/>
+          </a:prstGeom>
+          <a:ln w="38100">
+            <a:solidFill>
+              <a:schemeClr val="tx1"/>
+            </a:solidFill>
+          </a:ln>
+        </p:spPr>
+        <p:style>
+          <a:lnRef idx="1">
+            <a:schemeClr val="accent1"/>
+          </a:lnRef>
+          <a:fillRef idx="0">
+            <a:schemeClr val="accent1"/>
+          </a:fillRef>
+          <a:effectRef idx="0">
+            <a:schemeClr val="accent1"/>
+          </a:effectRef>
+          <a:fontRef idx="minor">
+            <a:schemeClr val="tx1"/>
+          </a:fontRef>
+        </p:style>
+      </p:cxnSp>
+      <p:cxnSp>
+        <p:nvCxnSpPr>
+          <p:cNvPr id="27" name="직선 연결선 26"/>
+          <p:cNvCxnSpPr>
+            <a:cxnSpLocks/>
+          </p:cNvCxnSpPr>
+          <p:nvPr/>
+        </p:nvCxnSpPr>
+        <p:spPr>
+          <a:xfrm>
+            <a:off x="7517904" y="342104"/>
+            <a:ext cx="0" cy="1473694"/>
+          </a:xfrm>
+          <a:prstGeom prst="line">
+            <a:avLst/>
+          </a:prstGeom>
+          <a:ln w="38100">
+            <a:solidFill>
+              <a:schemeClr val="tx1"/>
+            </a:solidFill>
+          </a:ln>
+        </p:spPr>
+        <p:style>
+          <a:lnRef idx="1">
+            <a:schemeClr val="accent1"/>
+          </a:lnRef>
+          <a:fillRef idx="0">
+            <a:schemeClr val="accent1"/>
+          </a:fillRef>
+          <a:effectRef idx="0">
+            <a:schemeClr val="accent1"/>
+          </a:effectRef>
+          <a:fontRef idx="minor">
+            <a:schemeClr val="tx1"/>
+          </a:fontRef>
+        </p:style>
+      </p:cxnSp>
+      <p:sp>
+        <p:nvSpPr>
+          <p:cNvPr id="28" name="TextBox 27"/>
+          <p:cNvSpPr txBox="1"/>
+          <p:nvPr/>
+        </p:nvSpPr>
+        <p:spPr>
+          <a:xfrm>
+            <a:off x="5498973" y="701338"/>
+            <a:ext cx="935115" cy="646331"/>
+          </a:xfrm>
+          <a:prstGeom prst="rect">
+            <a:avLst/>
+          </a:prstGeom>
+          <a:noFill/>
+        </p:spPr>
+        <p:txBody>
+          <a:bodyPr wrap="square" rtlCol="0">
+            <a:spAutoFit/>
+          </a:bodyPr>
+          <a:lstStyle/>
+          <a:p>
+            <a:r>
+              <a:rPr lang="ko-KR" altLang="en-US" dirty="0"/>
+              <a:t>문자열길이</a:t>
+            </a:r>
+          </a:p>
+        </p:txBody>
+      </p:sp>
+      <p:sp>
+        <p:nvSpPr>
+          <p:cNvPr id="29" name="TextBox 28"/>
+          <p:cNvSpPr txBox="1"/>
+          <p:nvPr/>
+        </p:nvSpPr>
+        <p:spPr>
+          <a:xfrm>
+            <a:off x="6582788" y="839837"/>
+            <a:ext cx="1269507" cy="369332"/>
+          </a:xfrm>
+          <a:prstGeom prst="rect">
+            <a:avLst/>
+          </a:prstGeom>
+          <a:noFill/>
+        </p:spPr>
+        <p:txBody>
+          <a:bodyPr wrap="square" rtlCol="0">
+            <a:spAutoFit/>
+          </a:bodyPr>
+          <a:lstStyle/>
+          <a:p>
+            <a:r>
+              <a:rPr lang="ko-KR" altLang="en-US" dirty="0"/>
+              <a:t>문자열</a:t>
+            </a:r>
+          </a:p>
+        </p:txBody>
+      </p:sp>
+      <p:sp>
+        <p:nvSpPr>
+          <p:cNvPr id="30" name="TextBox 29"/>
+          <p:cNvSpPr txBox="1"/>
+          <p:nvPr/>
+        </p:nvSpPr>
+        <p:spPr>
+          <a:xfrm>
+            <a:off x="6047910" y="2838609"/>
+            <a:ext cx="1269507" cy="369332"/>
+          </a:xfrm>
+          <a:prstGeom prst="rect">
+            <a:avLst/>
+          </a:prstGeom>
+          <a:noFill/>
+        </p:spPr>
+        <p:txBody>
+          <a:bodyPr wrap="square" rtlCol="0">
+            <a:spAutoFit/>
+          </a:bodyPr>
+          <a:lstStyle/>
+          <a:p>
+            <a:r>
+              <a:rPr lang="en-US" altLang="ko-KR" dirty="0"/>
+              <a:t>…</a:t>
+            </a:r>
+            <a:endParaRPr lang="ko-KR" altLang="en-US" dirty="0"/>
+          </a:p>
+        </p:txBody>
+      </p:sp>
+      <p:cxnSp>
+        <p:nvCxnSpPr>
+          <p:cNvPr id="31" name="직선 연결선 30"/>
+          <p:cNvCxnSpPr>
+            <a:cxnSpLocks/>
+          </p:cNvCxnSpPr>
+          <p:nvPr/>
+        </p:nvCxnSpPr>
+        <p:spPr>
+          <a:xfrm>
+            <a:off x="3439353" y="361890"/>
+            <a:ext cx="0" cy="1473694"/>
+          </a:xfrm>
+          <a:prstGeom prst="line">
+            <a:avLst/>
+          </a:prstGeom>
+          <a:ln w="38100">
+            <a:solidFill>
+              <a:schemeClr val="tx1"/>
+            </a:solidFill>
+          </a:ln>
+        </p:spPr>
+        <p:style>
+          <a:lnRef idx="1">
+            <a:schemeClr val="accent1"/>
+          </a:lnRef>
+          <a:fillRef idx="0">
+            <a:schemeClr val="accent1"/>
+          </a:fillRef>
+          <a:effectRef idx="0">
+            <a:schemeClr val="accent1"/>
+          </a:effectRef>
+          <a:fontRef idx="minor">
+            <a:schemeClr val="tx1"/>
+          </a:fontRef>
+        </p:style>
+      </p:cxnSp>
+      <p:sp>
+        <p:nvSpPr>
+          <p:cNvPr id="32" name="TextBox 31"/>
+          <p:cNvSpPr txBox="1"/>
+          <p:nvPr/>
+        </p:nvSpPr>
+        <p:spPr>
+          <a:xfrm>
+            <a:off x="2574524" y="648070"/>
+            <a:ext cx="736104" cy="646331"/>
+          </a:xfrm>
+          <a:prstGeom prst="rect">
+            <a:avLst/>
+          </a:prstGeom>
+          <a:noFill/>
+        </p:spPr>
+        <p:txBody>
+          <a:bodyPr wrap="square" rtlCol="0">
+            <a:spAutoFit/>
+          </a:bodyPr>
+          <a:lstStyle/>
+          <a:p>
+            <a:r>
+              <a:rPr lang="ko-KR" altLang="en-US" dirty="0"/>
+              <a:t>전송타입</a:t>
+            </a:r>
+          </a:p>
+        </p:txBody>
+      </p:sp>
+      <p:cxnSp>
+        <p:nvCxnSpPr>
+          <p:cNvPr id="33" name="직선 연결선 32"/>
+          <p:cNvCxnSpPr>
+            <a:cxnSpLocks/>
+          </p:cNvCxnSpPr>
+          <p:nvPr/>
+        </p:nvCxnSpPr>
+        <p:spPr>
+          <a:xfrm>
+            <a:off x="2354800" y="2202922"/>
+            <a:ext cx="0" cy="1473694"/>
+          </a:xfrm>
+          <a:prstGeom prst="line">
+            <a:avLst/>
+          </a:prstGeom>
+          <a:ln w="38100">
+            <a:solidFill>
+              <a:schemeClr val="tx1"/>
+            </a:solidFill>
+          </a:ln>
+        </p:spPr>
+        <p:style>
+          <a:lnRef idx="1">
+            <a:schemeClr val="accent1"/>
+          </a:lnRef>
+          <a:fillRef idx="0">
+            <a:schemeClr val="accent1"/>
+          </a:fillRef>
+          <a:effectRef idx="0">
+            <a:schemeClr val="accent1"/>
+          </a:effectRef>
+          <a:fontRef idx="minor">
+            <a:schemeClr val="tx1"/>
+          </a:fontRef>
+        </p:style>
+      </p:cxnSp>
+      <p:sp>
+        <p:nvSpPr>
+          <p:cNvPr id="34" name="TextBox 33"/>
+          <p:cNvSpPr txBox="1"/>
+          <p:nvPr/>
+        </p:nvSpPr>
+        <p:spPr>
+          <a:xfrm>
+            <a:off x="2532356" y="2607466"/>
+            <a:ext cx="736104" cy="646331"/>
+          </a:xfrm>
+          <a:prstGeom prst="rect">
+            <a:avLst/>
+          </a:prstGeom>
+          <a:noFill/>
+        </p:spPr>
+        <p:txBody>
+          <a:bodyPr wrap="square" rtlCol="0">
+            <a:spAutoFit/>
+          </a:bodyPr>
+          <a:lstStyle/>
+          <a:p>
+            <a:r>
+              <a:rPr lang="ko-KR" altLang="en-US" dirty="0"/>
+              <a:t>전송타입</a:t>
+            </a:r>
+          </a:p>
+        </p:txBody>
+      </p:sp>
+      <p:sp>
+        <p:nvSpPr>
+          <p:cNvPr id="35" name="TextBox 34"/>
+          <p:cNvSpPr txBox="1"/>
+          <p:nvPr/>
+        </p:nvSpPr>
+        <p:spPr>
+          <a:xfrm>
+            <a:off x="9200962" y="829189"/>
+            <a:ext cx="2565647" cy="369332"/>
+          </a:xfrm>
+          <a:prstGeom prst="rect">
+            <a:avLst/>
+          </a:prstGeom>
+          <a:noFill/>
+        </p:spPr>
+        <p:txBody>
+          <a:bodyPr wrap="square" rtlCol="0">
+            <a:spAutoFit/>
+          </a:bodyPr>
+          <a:lstStyle/>
+          <a:p>
+            <a:r>
+              <a:rPr lang="ko-KR" altLang="en-US" dirty="0"/>
+              <a:t>채팅</a:t>
+            </a:r>
+            <a:r>
+              <a:rPr lang="en-US" altLang="ko-KR" dirty="0"/>
+              <a:t>(</a:t>
+            </a:r>
+            <a:r>
+              <a:rPr lang="ko-KR" altLang="en-US" dirty="0"/>
+              <a:t>문자열</a:t>
+            </a:r>
+            <a:r>
+              <a:rPr lang="en-US" altLang="ko-KR" dirty="0"/>
+              <a:t>)</a:t>
+            </a:r>
+            <a:r>
+              <a:rPr lang="ko-KR" altLang="en-US" dirty="0"/>
+              <a:t> 프로토콜</a:t>
+            </a:r>
+          </a:p>
+        </p:txBody>
+      </p:sp>
+      <p:sp>
+        <p:nvSpPr>
+          <p:cNvPr id="36" name="TextBox 35"/>
+          <p:cNvSpPr txBox="1"/>
+          <p:nvPr/>
+        </p:nvSpPr>
+        <p:spPr>
+          <a:xfrm>
+            <a:off x="9264584" y="2889929"/>
+            <a:ext cx="2565647" cy="369332"/>
+          </a:xfrm>
+          <a:prstGeom prst="rect">
+            <a:avLst/>
+          </a:prstGeom>
+          <a:noFill/>
+        </p:spPr>
+        <p:txBody>
+          <a:bodyPr wrap="square" rtlCol="0">
+            <a:spAutoFit/>
+          </a:bodyPr>
+          <a:lstStyle/>
+          <a:p>
+            <a:r>
+              <a:rPr lang="ko-KR" altLang="en-US" dirty="0"/>
+              <a:t>정수형 프로토콜</a:t>
             </a:r>
           </a:p>
         </p:txBody>
@@ -5248,6 +7769,4978 @@
     <p:extLst>
       <p:ext uri="{BB962C8B-B14F-4D97-AF65-F5344CB8AC3E}">
         <p14:creationId xmlns:p14="http://schemas.microsoft.com/office/powerpoint/2010/main" val="1354897975"/>
+      </p:ext>
+    </p:extLst>
+  </p:cSld>
+  <p:clrMapOvr>
+    <a:masterClrMapping/>
+  </p:clrMapOvr>
+</p:sld>
+</file>
+
+<file path=ppt/slides/slide5.xml><?xml version="1.0" encoding="utf-8"?>
+<p:sld xmlns:a="http://schemas.openxmlformats.org/drawingml/2006/main" xmlns:r="http://schemas.openxmlformats.org/officeDocument/2006/relationships" xmlns:p="http://schemas.openxmlformats.org/presentationml/2006/main">
+  <p:cSld>
+    <p:spTree>
+      <p:nvGrpSpPr>
+        <p:cNvPr id="1" name=""/>
+        <p:cNvGrpSpPr/>
+        <p:nvPr/>
+      </p:nvGrpSpPr>
+      <p:grpSpPr>
+        <a:xfrm>
+          <a:off x="0" y="0"/>
+          <a:ext cx="0" cy="0"/>
+          <a:chOff x="0" y="0"/>
+          <a:chExt cx="0" cy="0"/>
+        </a:xfrm>
+      </p:grpSpPr>
+      <p:sp>
+        <p:nvSpPr>
+          <p:cNvPr id="14" name="직사각형 13"/>
+          <p:cNvSpPr/>
+          <p:nvPr/>
+        </p:nvSpPr>
+        <p:spPr>
+          <a:xfrm>
+            <a:off x="426128" y="363984"/>
+            <a:ext cx="7164280" cy="1473694"/>
+          </a:xfrm>
+          <a:prstGeom prst="rect">
+            <a:avLst/>
+          </a:prstGeom>
+        </p:spPr>
+        <p:style>
+          <a:lnRef idx="2">
+            <a:schemeClr val="accent1">
+              <a:shade val="50000"/>
+            </a:schemeClr>
+          </a:lnRef>
+          <a:fillRef idx="1">
+            <a:schemeClr val="accent1"/>
+          </a:fillRef>
+          <a:effectRef idx="0">
+            <a:schemeClr val="accent1"/>
+          </a:effectRef>
+          <a:fontRef idx="minor">
+            <a:schemeClr val="lt1"/>
+          </a:fontRef>
+        </p:style>
+        <p:txBody>
+          <a:bodyPr rtlCol="0" anchor="ctr"/>
+          <a:lstStyle/>
+          <a:p>
+            <a:pPr algn="ctr"/>
+            <a:endParaRPr lang="ko-KR" altLang="en-US"/>
+          </a:p>
+        </p:txBody>
+      </p:sp>
+      <p:cxnSp>
+        <p:nvCxnSpPr>
+          <p:cNvPr id="15" name="직선 연결선 14"/>
+          <p:cNvCxnSpPr>
+            <a:cxnSpLocks/>
+          </p:cNvCxnSpPr>
+          <p:nvPr/>
+        </p:nvCxnSpPr>
+        <p:spPr>
+          <a:xfrm>
+            <a:off x="1207363" y="363984"/>
+            <a:ext cx="0" cy="1473694"/>
+          </a:xfrm>
+          <a:prstGeom prst="line">
+            <a:avLst/>
+          </a:prstGeom>
+          <a:ln w="38100">
+            <a:solidFill>
+              <a:schemeClr val="tx1"/>
+            </a:solidFill>
+          </a:ln>
+        </p:spPr>
+        <p:style>
+          <a:lnRef idx="1">
+            <a:schemeClr val="accent1"/>
+          </a:lnRef>
+          <a:fillRef idx="0">
+            <a:schemeClr val="accent1"/>
+          </a:fillRef>
+          <a:effectRef idx="0">
+            <a:schemeClr val="accent1"/>
+          </a:effectRef>
+          <a:fontRef idx="minor">
+            <a:schemeClr val="tx1"/>
+          </a:fontRef>
+        </p:style>
+      </p:cxnSp>
+      <p:sp>
+        <p:nvSpPr>
+          <p:cNvPr id="16" name="TextBox 15"/>
+          <p:cNvSpPr txBox="1"/>
+          <p:nvPr/>
+        </p:nvSpPr>
+        <p:spPr>
+          <a:xfrm>
+            <a:off x="514905" y="648070"/>
+            <a:ext cx="692458" cy="646331"/>
+          </a:xfrm>
+          <a:prstGeom prst="rect">
+            <a:avLst/>
+          </a:prstGeom>
+          <a:noFill/>
+        </p:spPr>
+        <p:txBody>
+          <a:bodyPr wrap="square" rtlCol="0">
+            <a:spAutoFit/>
+          </a:bodyPr>
+          <a:lstStyle/>
+          <a:p>
+            <a:r>
+              <a:rPr lang="ko-KR" altLang="en-US"/>
+              <a:t>패킷크기</a:t>
+            </a:r>
+            <a:endParaRPr lang="ko-KR" altLang="en-US" dirty="0"/>
+          </a:p>
+        </p:txBody>
+      </p:sp>
+      <p:sp>
+        <p:nvSpPr>
+          <p:cNvPr id="17" name="TextBox 16"/>
+          <p:cNvSpPr txBox="1"/>
+          <p:nvPr/>
+        </p:nvSpPr>
+        <p:spPr>
+          <a:xfrm>
+            <a:off x="1207363" y="648070"/>
+            <a:ext cx="1136341" cy="646331"/>
+          </a:xfrm>
+          <a:prstGeom prst="rect">
+            <a:avLst/>
+          </a:prstGeom>
+          <a:noFill/>
+        </p:spPr>
+        <p:txBody>
+          <a:bodyPr wrap="square" rtlCol="0">
+            <a:spAutoFit/>
+          </a:bodyPr>
+          <a:lstStyle/>
+          <a:p>
+            <a:r>
+              <a:rPr lang="ko-KR" altLang="en-US" dirty="0"/>
+              <a:t>프로토콜 </a:t>
+            </a:r>
+            <a:endParaRPr lang="en-US" altLang="ko-KR" dirty="0"/>
+          </a:p>
+          <a:p>
+            <a:r>
+              <a:rPr lang="ko-KR" altLang="en-US" dirty="0"/>
+              <a:t>타입</a:t>
+            </a:r>
+          </a:p>
+        </p:txBody>
+      </p:sp>
+      <p:cxnSp>
+        <p:nvCxnSpPr>
+          <p:cNvPr id="18" name="직선 연결선 17"/>
+          <p:cNvCxnSpPr>
+            <a:cxnSpLocks/>
+          </p:cNvCxnSpPr>
+          <p:nvPr/>
+        </p:nvCxnSpPr>
+        <p:spPr>
+          <a:xfrm>
+            <a:off x="2343704" y="363984"/>
+            <a:ext cx="0" cy="1473694"/>
+          </a:xfrm>
+          <a:prstGeom prst="line">
+            <a:avLst/>
+          </a:prstGeom>
+          <a:ln w="38100">
+            <a:solidFill>
+              <a:schemeClr val="tx1"/>
+            </a:solidFill>
+          </a:ln>
+        </p:spPr>
+        <p:style>
+          <a:lnRef idx="1">
+            <a:schemeClr val="accent1"/>
+          </a:lnRef>
+          <a:fillRef idx="0">
+            <a:schemeClr val="accent1"/>
+          </a:fillRef>
+          <a:effectRef idx="0">
+            <a:schemeClr val="accent1"/>
+          </a:effectRef>
+          <a:fontRef idx="minor">
+            <a:schemeClr val="tx1"/>
+          </a:fontRef>
+        </p:style>
+      </p:cxnSp>
+      <p:cxnSp>
+        <p:nvCxnSpPr>
+          <p:cNvPr id="19" name="직선 연결선 18"/>
+          <p:cNvCxnSpPr>
+            <a:cxnSpLocks/>
+          </p:cNvCxnSpPr>
+          <p:nvPr/>
+        </p:nvCxnSpPr>
+        <p:spPr>
+          <a:xfrm>
+            <a:off x="3374993" y="369033"/>
+            <a:ext cx="0" cy="1473694"/>
+          </a:xfrm>
+          <a:prstGeom prst="line">
+            <a:avLst/>
+          </a:prstGeom>
+          <a:ln w="38100">
+            <a:solidFill>
+              <a:schemeClr val="tx1"/>
+            </a:solidFill>
+          </a:ln>
+        </p:spPr>
+        <p:style>
+          <a:lnRef idx="1">
+            <a:schemeClr val="accent1"/>
+          </a:lnRef>
+          <a:fillRef idx="0">
+            <a:schemeClr val="accent1"/>
+          </a:fillRef>
+          <a:effectRef idx="0">
+            <a:schemeClr val="accent1"/>
+          </a:effectRef>
+          <a:fontRef idx="minor">
+            <a:schemeClr val="tx1"/>
+          </a:fontRef>
+        </p:style>
+      </p:cxnSp>
+      <p:cxnSp>
+        <p:nvCxnSpPr>
+          <p:cNvPr id="20" name="직선 연결선 19"/>
+          <p:cNvCxnSpPr>
+            <a:cxnSpLocks/>
+          </p:cNvCxnSpPr>
+          <p:nvPr/>
+        </p:nvCxnSpPr>
+        <p:spPr>
+          <a:xfrm>
+            <a:off x="4415160" y="359896"/>
+            <a:ext cx="0" cy="1473694"/>
+          </a:xfrm>
+          <a:prstGeom prst="line">
+            <a:avLst/>
+          </a:prstGeom>
+          <a:ln w="38100">
+            <a:solidFill>
+              <a:schemeClr val="tx1"/>
+            </a:solidFill>
+          </a:ln>
+        </p:spPr>
+        <p:style>
+          <a:lnRef idx="1">
+            <a:schemeClr val="accent1"/>
+          </a:lnRef>
+          <a:fillRef idx="0">
+            <a:schemeClr val="accent1"/>
+          </a:fillRef>
+          <a:effectRef idx="0">
+            <a:schemeClr val="accent1"/>
+          </a:effectRef>
+          <a:fontRef idx="minor">
+            <a:schemeClr val="tx1"/>
+          </a:fontRef>
+        </p:style>
+      </p:cxnSp>
+      <p:sp>
+        <p:nvSpPr>
+          <p:cNvPr id="21" name="TextBox 20"/>
+          <p:cNvSpPr txBox="1"/>
+          <p:nvPr/>
+        </p:nvSpPr>
+        <p:spPr>
+          <a:xfrm>
+            <a:off x="3461550" y="774824"/>
+            <a:ext cx="935115" cy="646331"/>
+          </a:xfrm>
+          <a:prstGeom prst="rect">
+            <a:avLst/>
+          </a:prstGeom>
+          <a:noFill/>
+        </p:spPr>
+        <p:txBody>
+          <a:bodyPr wrap="square" rtlCol="0">
+            <a:spAutoFit/>
+          </a:bodyPr>
+          <a:lstStyle/>
+          <a:p>
+            <a:r>
+              <a:rPr lang="ko-KR" altLang="en-US" dirty="0"/>
+              <a:t>문자열길이</a:t>
+            </a:r>
+          </a:p>
+        </p:txBody>
+      </p:sp>
+      <p:sp>
+        <p:nvSpPr>
+          <p:cNvPr id="22" name="TextBox 21"/>
+          <p:cNvSpPr txBox="1"/>
+          <p:nvPr/>
+        </p:nvSpPr>
+        <p:spPr>
+          <a:xfrm>
+            <a:off x="4545365" y="913323"/>
+            <a:ext cx="1269507" cy="369332"/>
+          </a:xfrm>
+          <a:prstGeom prst="rect">
+            <a:avLst/>
+          </a:prstGeom>
+          <a:noFill/>
+        </p:spPr>
+        <p:txBody>
+          <a:bodyPr wrap="square" rtlCol="0">
+            <a:spAutoFit/>
+          </a:bodyPr>
+          <a:lstStyle/>
+          <a:p>
+            <a:r>
+              <a:rPr lang="ko-KR" altLang="en-US" dirty="0"/>
+              <a:t>아이디</a:t>
+            </a:r>
+          </a:p>
+        </p:txBody>
+      </p:sp>
+      <p:cxnSp>
+        <p:nvCxnSpPr>
+          <p:cNvPr id="24" name="직선 연결선 23"/>
+          <p:cNvCxnSpPr>
+            <a:cxnSpLocks/>
+          </p:cNvCxnSpPr>
+          <p:nvPr/>
+        </p:nvCxnSpPr>
+        <p:spPr>
+          <a:xfrm>
+            <a:off x="5393922" y="358384"/>
+            <a:ext cx="0" cy="1473694"/>
+          </a:xfrm>
+          <a:prstGeom prst="line">
+            <a:avLst/>
+          </a:prstGeom>
+          <a:ln w="38100">
+            <a:solidFill>
+              <a:schemeClr val="tx1"/>
+            </a:solidFill>
+          </a:ln>
+        </p:spPr>
+        <p:style>
+          <a:lnRef idx="1">
+            <a:schemeClr val="accent1"/>
+          </a:lnRef>
+          <a:fillRef idx="0">
+            <a:schemeClr val="accent1"/>
+          </a:fillRef>
+          <a:effectRef idx="0">
+            <a:schemeClr val="accent1"/>
+          </a:effectRef>
+          <a:fontRef idx="minor">
+            <a:schemeClr val="tx1"/>
+          </a:fontRef>
+        </p:style>
+      </p:cxnSp>
+      <p:cxnSp>
+        <p:nvCxnSpPr>
+          <p:cNvPr id="25" name="직선 연결선 24"/>
+          <p:cNvCxnSpPr>
+            <a:cxnSpLocks/>
+          </p:cNvCxnSpPr>
+          <p:nvPr/>
+        </p:nvCxnSpPr>
+        <p:spPr>
+          <a:xfrm>
+            <a:off x="6434089" y="349247"/>
+            <a:ext cx="0" cy="1473694"/>
+          </a:xfrm>
+          <a:prstGeom prst="line">
+            <a:avLst/>
+          </a:prstGeom>
+          <a:ln w="38100">
+            <a:solidFill>
+              <a:schemeClr val="tx1"/>
+            </a:solidFill>
+          </a:ln>
+        </p:spPr>
+        <p:style>
+          <a:lnRef idx="1">
+            <a:schemeClr val="accent1"/>
+          </a:lnRef>
+          <a:fillRef idx="0">
+            <a:schemeClr val="accent1"/>
+          </a:fillRef>
+          <a:effectRef idx="0">
+            <a:schemeClr val="accent1"/>
+          </a:effectRef>
+          <a:fontRef idx="minor">
+            <a:schemeClr val="tx1"/>
+          </a:fontRef>
+        </p:style>
+      </p:cxnSp>
+      <p:sp>
+        <p:nvSpPr>
+          <p:cNvPr id="26" name="TextBox 25"/>
+          <p:cNvSpPr txBox="1"/>
+          <p:nvPr/>
+        </p:nvSpPr>
+        <p:spPr>
+          <a:xfrm>
+            <a:off x="5480479" y="764175"/>
+            <a:ext cx="935115" cy="646331"/>
+          </a:xfrm>
+          <a:prstGeom prst="rect">
+            <a:avLst/>
+          </a:prstGeom>
+          <a:noFill/>
+        </p:spPr>
+        <p:txBody>
+          <a:bodyPr wrap="square" rtlCol="0">
+            <a:spAutoFit/>
+          </a:bodyPr>
+          <a:lstStyle/>
+          <a:p>
+            <a:r>
+              <a:rPr lang="ko-KR" altLang="en-US" dirty="0"/>
+              <a:t>문자열길이</a:t>
+            </a:r>
+          </a:p>
+        </p:txBody>
+      </p:sp>
+      <p:sp>
+        <p:nvSpPr>
+          <p:cNvPr id="27" name="TextBox 26"/>
+          <p:cNvSpPr txBox="1"/>
+          <p:nvPr/>
+        </p:nvSpPr>
+        <p:spPr>
+          <a:xfrm>
+            <a:off x="6433352" y="886975"/>
+            <a:ext cx="1269507" cy="369332"/>
+          </a:xfrm>
+          <a:prstGeom prst="rect">
+            <a:avLst/>
+          </a:prstGeom>
+          <a:noFill/>
+        </p:spPr>
+        <p:txBody>
+          <a:bodyPr wrap="square" rtlCol="0">
+            <a:spAutoFit/>
+          </a:bodyPr>
+          <a:lstStyle/>
+          <a:p>
+            <a:r>
+              <a:rPr lang="ko-KR" altLang="en-US" dirty="0"/>
+              <a:t>비밀번호</a:t>
+            </a:r>
+          </a:p>
+        </p:txBody>
+      </p:sp>
+      <p:sp>
+        <p:nvSpPr>
+          <p:cNvPr id="28" name="직사각형 27"/>
+          <p:cNvSpPr/>
+          <p:nvPr/>
+        </p:nvSpPr>
+        <p:spPr>
+          <a:xfrm>
+            <a:off x="452758" y="4146848"/>
+            <a:ext cx="7661431" cy="1473694"/>
+          </a:xfrm>
+          <a:prstGeom prst="rect">
+            <a:avLst/>
+          </a:prstGeom>
+        </p:spPr>
+        <p:style>
+          <a:lnRef idx="2">
+            <a:schemeClr val="accent1">
+              <a:shade val="50000"/>
+            </a:schemeClr>
+          </a:lnRef>
+          <a:fillRef idx="1">
+            <a:schemeClr val="accent1"/>
+          </a:fillRef>
+          <a:effectRef idx="0">
+            <a:schemeClr val="accent1"/>
+          </a:effectRef>
+          <a:fontRef idx="minor">
+            <a:schemeClr val="lt1"/>
+          </a:fontRef>
+        </p:style>
+        <p:txBody>
+          <a:bodyPr rtlCol="0" anchor="ctr"/>
+          <a:lstStyle/>
+          <a:p>
+            <a:pPr algn="ctr"/>
+            <a:endParaRPr lang="ko-KR" altLang="en-US"/>
+          </a:p>
+        </p:txBody>
+      </p:sp>
+      <p:cxnSp>
+        <p:nvCxnSpPr>
+          <p:cNvPr id="29" name="직선 연결선 28"/>
+          <p:cNvCxnSpPr>
+            <a:cxnSpLocks/>
+          </p:cNvCxnSpPr>
+          <p:nvPr/>
+        </p:nvCxnSpPr>
+        <p:spPr>
+          <a:xfrm>
+            <a:off x="1233995" y="4146848"/>
+            <a:ext cx="0" cy="1473694"/>
+          </a:xfrm>
+          <a:prstGeom prst="line">
+            <a:avLst/>
+          </a:prstGeom>
+          <a:ln w="38100">
+            <a:solidFill>
+              <a:schemeClr val="tx1"/>
+            </a:solidFill>
+          </a:ln>
+        </p:spPr>
+        <p:style>
+          <a:lnRef idx="1">
+            <a:schemeClr val="accent1"/>
+          </a:lnRef>
+          <a:fillRef idx="0">
+            <a:schemeClr val="accent1"/>
+          </a:fillRef>
+          <a:effectRef idx="0">
+            <a:schemeClr val="accent1"/>
+          </a:effectRef>
+          <a:fontRef idx="minor">
+            <a:schemeClr val="tx1"/>
+          </a:fontRef>
+        </p:style>
+      </p:cxnSp>
+      <p:sp>
+        <p:nvSpPr>
+          <p:cNvPr id="30" name="TextBox 29"/>
+          <p:cNvSpPr txBox="1"/>
+          <p:nvPr/>
+        </p:nvSpPr>
+        <p:spPr>
+          <a:xfrm>
+            <a:off x="541537" y="4430934"/>
+            <a:ext cx="692458" cy="646331"/>
+          </a:xfrm>
+          <a:prstGeom prst="rect">
+            <a:avLst/>
+          </a:prstGeom>
+          <a:noFill/>
+        </p:spPr>
+        <p:txBody>
+          <a:bodyPr wrap="square" rtlCol="0">
+            <a:spAutoFit/>
+          </a:bodyPr>
+          <a:lstStyle/>
+          <a:p>
+            <a:r>
+              <a:rPr lang="ko-KR" altLang="en-US"/>
+              <a:t>패킷크기</a:t>
+            </a:r>
+            <a:endParaRPr lang="ko-KR" altLang="en-US" dirty="0"/>
+          </a:p>
+        </p:txBody>
+      </p:sp>
+      <p:sp>
+        <p:nvSpPr>
+          <p:cNvPr id="31" name="TextBox 30"/>
+          <p:cNvSpPr txBox="1"/>
+          <p:nvPr/>
+        </p:nvSpPr>
+        <p:spPr>
+          <a:xfrm>
+            <a:off x="1233995" y="4430934"/>
+            <a:ext cx="1136341" cy="646331"/>
+          </a:xfrm>
+          <a:prstGeom prst="rect">
+            <a:avLst/>
+          </a:prstGeom>
+          <a:noFill/>
+        </p:spPr>
+        <p:txBody>
+          <a:bodyPr wrap="square" rtlCol="0">
+            <a:spAutoFit/>
+          </a:bodyPr>
+          <a:lstStyle/>
+          <a:p>
+            <a:r>
+              <a:rPr lang="ko-KR" altLang="en-US" dirty="0"/>
+              <a:t>프로토콜 </a:t>
+            </a:r>
+            <a:endParaRPr lang="en-US" altLang="ko-KR" dirty="0"/>
+          </a:p>
+          <a:p>
+            <a:r>
+              <a:rPr lang="ko-KR" altLang="en-US" dirty="0"/>
+              <a:t>타입</a:t>
+            </a:r>
+          </a:p>
+        </p:txBody>
+      </p:sp>
+      <p:cxnSp>
+        <p:nvCxnSpPr>
+          <p:cNvPr id="32" name="직선 연결선 31"/>
+          <p:cNvCxnSpPr>
+            <a:cxnSpLocks/>
+          </p:cNvCxnSpPr>
+          <p:nvPr/>
+        </p:nvCxnSpPr>
+        <p:spPr>
+          <a:xfrm>
+            <a:off x="2370336" y="4146848"/>
+            <a:ext cx="0" cy="1473694"/>
+          </a:xfrm>
+          <a:prstGeom prst="line">
+            <a:avLst/>
+          </a:prstGeom>
+          <a:ln w="38100">
+            <a:solidFill>
+              <a:schemeClr val="tx1"/>
+            </a:solidFill>
+          </a:ln>
+        </p:spPr>
+        <p:style>
+          <a:lnRef idx="1">
+            <a:schemeClr val="accent1"/>
+          </a:lnRef>
+          <a:fillRef idx="0">
+            <a:schemeClr val="accent1"/>
+          </a:fillRef>
+          <a:effectRef idx="0">
+            <a:schemeClr val="accent1"/>
+          </a:effectRef>
+          <a:fontRef idx="minor">
+            <a:schemeClr val="tx1"/>
+          </a:fontRef>
+        </p:style>
+      </p:cxnSp>
+      <p:cxnSp>
+        <p:nvCxnSpPr>
+          <p:cNvPr id="33" name="직선 연결선 32"/>
+          <p:cNvCxnSpPr>
+            <a:cxnSpLocks/>
+          </p:cNvCxnSpPr>
+          <p:nvPr/>
+        </p:nvCxnSpPr>
+        <p:spPr>
+          <a:xfrm>
+            <a:off x="3401625" y="4151897"/>
+            <a:ext cx="0" cy="1473694"/>
+          </a:xfrm>
+          <a:prstGeom prst="line">
+            <a:avLst/>
+          </a:prstGeom>
+          <a:ln w="38100">
+            <a:solidFill>
+              <a:schemeClr val="tx1"/>
+            </a:solidFill>
+          </a:ln>
+        </p:spPr>
+        <p:style>
+          <a:lnRef idx="1">
+            <a:schemeClr val="accent1"/>
+          </a:lnRef>
+          <a:fillRef idx="0">
+            <a:schemeClr val="accent1"/>
+          </a:fillRef>
+          <a:effectRef idx="0">
+            <a:schemeClr val="accent1"/>
+          </a:effectRef>
+          <a:fontRef idx="minor">
+            <a:schemeClr val="tx1"/>
+          </a:fontRef>
+        </p:style>
+      </p:cxnSp>
+      <p:cxnSp>
+        <p:nvCxnSpPr>
+          <p:cNvPr id="34" name="직선 연결선 33"/>
+          <p:cNvCxnSpPr>
+            <a:cxnSpLocks/>
+          </p:cNvCxnSpPr>
+          <p:nvPr/>
+        </p:nvCxnSpPr>
+        <p:spPr>
+          <a:xfrm>
+            <a:off x="4658918" y="4151897"/>
+            <a:ext cx="0" cy="1473694"/>
+          </a:xfrm>
+          <a:prstGeom prst="line">
+            <a:avLst/>
+          </a:prstGeom>
+          <a:ln w="38100">
+            <a:solidFill>
+              <a:schemeClr val="tx1"/>
+            </a:solidFill>
+          </a:ln>
+        </p:spPr>
+        <p:style>
+          <a:lnRef idx="1">
+            <a:schemeClr val="accent1"/>
+          </a:lnRef>
+          <a:fillRef idx="0">
+            <a:schemeClr val="accent1"/>
+          </a:fillRef>
+          <a:effectRef idx="0">
+            <a:schemeClr val="accent1"/>
+          </a:effectRef>
+          <a:fontRef idx="minor">
+            <a:schemeClr val="tx1"/>
+          </a:fontRef>
+        </p:style>
+      </p:cxnSp>
+      <p:sp>
+        <p:nvSpPr>
+          <p:cNvPr id="35" name="TextBox 34"/>
+          <p:cNvSpPr txBox="1"/>
+          <p:nvPr/>
+        </p:nvSpPr>
+        <p:spPr>
+          <a:xfrm>
+            <a:off x="5791376" y="4721138"/>
+            <a:ext cx="1225856" cy="369332"/>
+          </a:xfrm>
+          <a:prstGeom prst="rect">
+            <a:avLst/>
+          </a:prstGeom>
+          <a:noFill/>
+        </p:spPr>
+        <p:txBody>
+          <a:bodyPr wrap="square" rtlCol="0">
+            <a:spAutoFit/>
+          </a:bodyPr>
+          <a:lstStyle/>
+          <a:p>
+            <a:r>
+              <a:rPr lang="en-US" altLang="ko-KR" dirty="0" err="1"/>
+              <a:t>Position.y</a:t>
+            </a:r>
+            <a:endParaRPr lang="ko-KR" altLang="en-US" dirty="0"/>
+          </a:p>
+        </p:txBody>
+      </p:sp>
+      <p:cxnSp>
+        <p:nvCxnSpPr>
+          <p:cNvPr id="38" name="직선 연결선 37"/>
+          <p:cNvCxnSpPr>
+            <a:cxnSpLocks/>
+          </p:cNvCxnSpPr>
+          <p:nvPr/>
+        </p:nvCxnSpPr>
+        <p:spPr>
+          <a:xfrm>
+            <a:off x="5785081" y="4145917"/>
+            <a:ext cx="0" cy="1473694"/>
+          </a:xfrm>
+          <a:prstGeom prst="line">
+            <a:avLst/>
+          </a:prstGeom>
+          <a:ln w="38100">
+            <a:solidFill>
+              <a:schemeClr val="tx1"/>
+            </a:solidFill>
+          </a:ln>
+        </p:spPr>
+        <p:style>
+          <a:lnRef idx="1">
+            <a:schemeClr val="accent1"/>
+          </a:lnRef>
+          <a:fillRef idx="0">
+            <a:schemeClr val="accent1"/>
+          </a:fillRef>
+          <a:effectRef idx="0">
+            <a:schemeClr val="accent1"/>
+          </a:effectRef>
+          <a:fontRef idx="minor">
+            <a:schemeClr val="tx1"/>
+          </a:fontRef>
+        </p:style>
+      </p:cxnSp>
+      <p:sp>
+        <p:nvSpPr>
+          <p:cNvPr id="42" name="직사각형 41"/>
+          <p:cNvSpPr/>
+          <p:nvPr/>
+        </p:nvSpPr>
+        <p:spPr>
+          <a:xfrm>
+            <a:off x="452762" y="2127383"/>
+            <a:ext cx="7137646" cy="1473694"/>
+          </a:xfrm>
+          <a:prstGeom prst="rect">
+            <a:avLst/>
+          </a:prstGeom>
+        </p:spPr>
+        <p:style>
+          <a:lnRef idx="2">
+            <a:schemeClr val="accent1">
+              <a:shade val="50000"/>
+            </a:schemeClr>
+          </a:lnRef>
+          <a:fillRef idx="1">
+            <a:schemeClr val="accent1"/>
+          </a:fillRef>
+          <a:effectRef idx="0">
+            <a:schemeClr val="accent1"/>
+          </a:effectRef>
+          <a:fontRef idx="minor">
+            <a:schemeClr val="lt1"/>
+          </a:fontRef>
+        </p:style>
+        <p:txBody>
+          <a:bodyPr rtlCol="0" anchor="ctr"/>
+          <a:lstStyle/>
+          <a:p>
+            <a:pPr algn="ctr"/>
+            <a:endParaRPr lang="ko-KR" altLang="en-US"/>
+          </a:p>
+        </p:txBody>
+      </p:sp>
+      <p:cxnSp>
+        <p:nvCxnSpPr>
+          <p:cNvPr id="43" name="직선 연결선 42"/>
+          <p:cNvCxnSpPr>
+            <a:cxnSpLocks/>
+          </p:cNvCxnSpPr>
+          <p:nvPr/>
+        </p:nvCxnSpPr>
+        <p:spPr>
+          <a:xfrm>
+            <a:off x="1207363" y="2122334"/>
+            <a:ext cx="0" cy="1473694"/>
+          </a:xfrm>
+          <a:prstGeom prst="line">
+            <a:avLst/>
+          </a:prstGeom>
+          <a:ln w="38100">
+            <a:solidFill>
+              <a:schemeClr val="tx1"/>
+            </a:solidFill>
+          </a:ln>
+        </p:spPr>
+        <p:style>
+          <a:lnRef idx="1">
+            <a:schemeClr val="accent1"/>
+          </a:lnRef>
+          <a:fillRef idx="0">
+            <a:schemeClr val="accent1"/>
+          </a:fillRef>
+          <a:effectRef idx="0">
+            <a:schemeClr val="accent1"/>
+          </a:effectRef>
+          <a:fontRef idx="minor">
+            <a:schemeClr val="tx1"/>
+          </a:fontRef>
+        </p:style>
+      </p:cxnSp>
+      <p:sp>
+        <p:nvSpPr>
+          <p:cNvPr id="44" name="TextBox 43"/>
+          <p:cNvSpPr txBox="1"/>
+          <p:nvPr/>
+        </p:nvSpPr>
+        <p:spPr>
+          <a:xfrm>
+            <a:off x="514905" y="2406420"/>
+            <a:ext cx="692458" cy="646331"/>
+          </a:xfrm>
+          <a:prstGeom prst="rect">
+            <a:avLst/>
+          </a:prstGeom>
+          <a:noFill/>
+        </p:spPr>
+        <p:txBody>
+          <a:bodyPr wrap="square" rtlCol="0">
+            <a:spAutoFit/>
+          </a:bodyPr>
+          <a:lstStyle/>
+          <a:p>
+            <a:r>
+              <a:rPr lang="ko-KR" altLang="en-US"/>
+              <a:t>패킷크기</a:t>
+            </a:r>
+            <a:endParaRPr lang="ko-KR" altLang="en-US" dirty="0"/>
+          </a:p>
+        </p:txBody>
+      </p:sp>
+      <p:sp>
+        <p:nvSpPr>
+          <p:cNvPr id="45" name="TextBox 44"/>
+          <p:cNvSpPr txBox="1"/>
+          <p:nvPr/>
+        </p:nvSpPr>
+        <p:spPr>
+          <a:xfrm>
+            <a:off x="1207363" y="2406420"/>
+            <a:ext cx="1136341" cy="646331"/>
+          </a:xfrm>
+          <a:prstGeom prst="rect">
+            <a:avLst/>
+          </a:prstGeom>
+          <a:noFill/>
+        </p:spPr>
+        <p:txBody>
+          <a:bodyPr wrap="square" rtlCol="0">
+            <a:spAutoFit/>
+          </a:bodyPr>
+          <a:lstStyle/>
+          <a:p>
+            <a:r>
+              <a:rPr lang="ko-KR" altLang="en-US" dirty="0"/>
+              <a:t>프로토콜 </a:t>
+            </a:r>
+            <a:endParaRPr lang="en-US" altLang="ko-KR" dirty="0"/>
+          </a:p>
+          <a:p>
+            <a:r>
+              <a:rPr lang="ko-KR" altLang="en-US" dirty="0"/>
+              <a:t>타입</a:t>
+            </a:r>
+          </a:p>
+        </p:txBody>
+      </p:sp>
+      <p:cxnSp>
+        <p:nvCxnSpPr>
+          <p:cNvPr id="46" name="직선 연결선 45"/>
+          <p:cNvCxnSpPr>
+            <a:cxnSpLocks/>
+          </p:cNvCxnSpPr>
+          <p:nvPr/>
+        </p:nvCxnSpPr>
+        <p:spPr>
+          <a:xfrm>
+            <a:off x="2343704" y="2122334"/>
+            <a:ext cx="0" cy="1473694"/>
+          </a:xfrm>
+          <a:prstGeom prst="line">
+            <a:avLst/>
+          </a:prstGeom>
+          <a:ln w="38100">
+            <a:solidFill>
+              <a:schemeClr val="tx1"/>
+            </a:solidFill>
+          </a:ln>
+        </p:spPr>
+        <p:style>
+          <a:lnRef idx="1">
+            <a:schemeClr val="accent1"/>
+          </a:lnRef>
+          <a:fillRef idx="0">
+            <a:schemeClr val="accent1"/>
+          </a:fillRef>
+          <a:effectRef idx="0">
+            <a:schemeClr val="accent1"/>
+          </a:effectRef>
+          <a:fontRef idx="minor">
+            <a:schemeClr val="tx1"/>
+          </a:fontRef>
+        </p:style>
+      </p:cxnSp>
+      <p:cxnSp>
+        <p:nvCxnSpPr>
+          <p:cNvPr id="47" name="직선 연결선 46"/>
+          <p:cNvCxnSpPr>
+            <a:cxnSpLocks/>
+          </p:cNvCxnSpPr>
+          <p:nvPr/>
+        </p:nvCxnSpPr>
+        <p:spPr>
+          <a:xfrm>
+            <a:off x="3374993" y="2127383"/>
+            <a:ext cx="0" cy="1473694"/>
+          </a:xfrm>
+          <a:prstGeom prst="line">
+            <a:avLst/>
+          </a:prstGeom>
+          <a:ln w="38100">
+            <a:solidFill>
+              <a:schemeClr val="tx1"/>
+            </a:solidFill>
+          </a:ln>
+        </p:spPr>
+        <p:style>
+          <a:lnRef idx="1">
+            <a:schemeClr val="accent1"/>
+          </a:lnRef>
+          <a:fillRef idx="0">
+            <a:schemeClr val="accent1"/>
+          </a:fillRef>
+          <a:effectRef idx="0">
+            <a:schemeClr val="accent1"/>
+          </a:effectRef>
+          <a:fontRef idx="minor">
+            <a:schemeClr val="tx1"/>
+          </a:fontRef>
+        </p:style>
+      </p:cxnSp>
+      <p:cxnSp>
+        <p:nvCxnSpPr>
+          <p:cNvPr id="48" name="직선 연결선 47"/>
+          <p:cNvCxnSpPr>
+            <a:cxnSpLocks/>
+          </p:cNvCxnSpPr>
+          <p:nvPr/>
+        </p:nvCxnSpPr>
+        <p:spPr>
+          <a:xfrm>
+            <a:off x="4415160" y="2118246"/>
+            <a:ext cx="0" cy="1473694"/>
+          </a:xfrm>
+          <a:prstGeom prst="line">
+            <a:avLst/>
+          </a:prstGeom>
+          <a:ln w="38100">
+            <a:solidFill>
+              <a:schemeClr val="tx1"/>
+            </a:solidFill>
+          </a:ln>
+        </p:spPr>
+        <p:style>
+          <a:lnRef idx="1">
+            <a:schemeClr val="accent1"/>
+          </a:lnRef>
+          <a:fillRef idx="0">
+            <a:schemeClr val="accent1"/>
+          </a:fillRef>
+          <a:effectRef idx="0">
+            <a:schemeClr val="accent1"/>
+          </a:effectRef>
+          <a:fontRef idx="minor">
+            <a:schemeClr val="tx1"/>
+          </a:fontRef>
+        </p:style>
+      </p:cxnSp>
+      <p:sp>
+        <p:nvSpPr>
+          <p:cNvPr id="49" name="TextBox 48"/>
+          <p:cNvSpPr txBox="1"/>
+          <p:nvPr/>
+        </p:nvSpPr>
+        <p:spPr>
+          <a:xfrm>
+            <a:off x="3480044" y="2534655"/>
+            <a:ext cx="935115" cy="646331"/>
+          </a:xfrm>
+          <a:prstGeom prst="rect">
+            <a:avLst/>
+          </a:prstGeom>
+          <a:noFill/>
+        </p:spPr>
+        <p:txBody>
+          <a:bodyPr wrap="square" rtlCol="0">
+            <a:spAutoFit/>
+          </a:bodyPr>
+          <a:lstStyle/>
+          <a:p>
+            <a:r>
+              <a:rPr lang="ko-KR" altLang="en-US" dirty="0"/>
+              <a:t>문자열길이</a:t>
+            </a:r>
+          </a:p>
+        </p:txBody>
+      </p:sp>
+      <p:sp>
+        <p:nvSpPr>
+          <p:cNvPr id="50" name="TextBox 49"/>
+          <p:cNvSpPr txBox="1"/>
+          <p:nvPr/>
+        </p:nvSpPr>
+        <p:spPr>
+          <a:xfrm>
+            <a:off x="4563859" y="2673154"/>
+            <a:ext cx="1269507" cy="369332"/>
+          </a:xfrm>
+          <a:prstGeom prst="rect">
+            <a:avLst/>
+          </a:prstGeom>
+          <a:noFill/>
+        </p:spPr>
+        <p:txBody>
+          <a:bodyPr wrap="square" rtlCol="0">
+            <a:spAutoFit/>
+          </a:bodyPr>
+          <a:lstStyle/>
+          <a:p>
+            <a:r>
+              <a:rPr lang="ko-KR" altLang="en-US" dirty="0"/>
+              <a:t>아이디</a:t>
+            </a:r>
+          </a:p>
+        </p:txBody>
+      </p:sp>
+      <p:cxnSp>
+        <p:nvCxnSpPr>
+          <p:cNvPr id="51" name="직선 연결선 50"/>
+          <p:cNvCxnSpPr>
+            <a:cxnSpLocks/>
+          </p:cNvCxnSpPr>
+          <p:nvPr/>
+        </p:nvCxnSpPr>
+        <p:spPr>
+          <a:xfrm>
+            <a:off x="5393922" y="2116734"/>
+            <a:ext cx="0" cy="1473694"/>
+          </a:xfrm>
+          <a:prstGeom prst="line">
+            <a:avLst/>
+          </a:prstGeom>
+          <a:ln w="38100">
+            <a:solidFill>
+              <a:schemeClr val="tx1"/>
+            </a:solidFill>
+          </a:ln>
+        </p:spPr>
+        <p:style>
+          <a:lnRef idx="1">
+            <a:schemeClr val="accent1"/>
+          </a:lnRef>
+          <a:fillRef idx="0">
+            <a:schemeClr val="accent1"/>
+          </a:fillRef>
+          <a:effectRef idx="0">
+            <a:schemeClr val="accent1"/>
+          </a:effectRef>
+          <a:fontRef idx="minor">
+            <a:schemeClr val="tx1"/>
+          </a:fontRef>
+        </p:style>
+      </p:cxnSp>
+      <p:cxnSp>
+        <p:nvCxnSpPr>
+          <p:cNvPr id="52" name="직선 연결선 51"/>
+          <p:cNvCxnSpPr>
+            <a:cxnSpLocks/>
+          </p:cNvCxnSpPr>
+          <p:nvPr/>
+        </p:nvCxnSpPr>
+        <p:spPr>
+          <a:xfrm>
+            <a:off x="6434089" y="2107597"/>
+            <a:ext cx="0" cy="1473694"/>
+          </a:xfrm>
+          <a:prstGeom prst="line">
+            <a:avLst/>
+          </a:prstGeom>
+          <a:ln w="38100">
+            <a:solidFill>
+              <a:schemeClr val="tx1"/>
+            </a:solidFill>
+          </a:ln>
+        </p:spPr>
+        <p:style>
+          <a:lnRef idx="1">
+            <a:schemeClr val="accent1"/>
+          </a:lnRef>
+          <a:fillRef idx="0">
+            <a:schemeClr val="accent1"/>
+          </a:fillRef>
+          <a:effectRef idx="0">
+            <a:schemeClr val="accent1"/>
+          </a:effectRef>
+          <a:fontRef idx="minor">
+            <a:schemeClr val="tx1"/>
+          </a:fontRef>
+        </p:style>
+      </p:cxnSp>
+      <p:sp>
+        <p:nvSpPr>
+          <p:cNvPr id="53" name="TextBox 52"/>
+          <p:cNvSpPr txBox="1"/>
+          <p:nvPr/>
+        </p:nvSpPr>
+        <p:spPr>
+          <a:xfrm>
+            <a:off x="5498973" y="2524006"/>
+            <a:ext cx="935115" cy="646331"/>
+          </a:xfrm>
+          <a:prstGeom prst="rect">
+            <a:avLst/>
+          </a:prstGeom>
+          <a:noFill/>
+        </p:spPr>
+        <p:txBody>
+          <a:bodyPr wrap="square" rtlCol="0">
+            <a:spAutoFit/>
+          </a:bodyPr>
+          <a:lstStyle/>
+          <a:p>
+            <a:r>
+              <a:rPr lang="ko-KR" altLang="en-US" dirty="0"/>
+              <a:t>문자열길이</a:t>
+            </a:r>
+          </a:p>
+        </p:txBody>
+      </p:sp>
+      <p:sp>
+        <p:nvSpPr>
+          <p:cNvPr id="54" name="TextBox 53"/>
+          <p:cNvSpPr txBox="1"/>
+          <p:nvPr/>
+        </p:nvSpPr>
+        <p:spPr>
+          <a:xfrm>
+            <a:off x="6451846" y="2646806"/>
+            <a:ext cx="1269507" cy="369332"/>
+          </a:xfrm>
+          <a:prstGeom prst="rect">
+            <a:avLst/>
+          </a:prstGeom>
+          <a:noFill/>
+        </p:spPr>
+        <p:txBody>
+          <a:bodyPr wrap="square" rtlCol="0">
+            <a:spAutoFit/>
+          </a:bodyPr>
+          <a:lstStyle/>
+          <a:p>
+            <a:r>
+              <a:rPr lang="ko-KR" altLang="en-US" dirty="0"/>
+              <a:t>비밀번호</a:t>
+            </a:r>
+          </a:p>
+        </p:txBody>
+      </p:sp>
+      <p:sp>
+        <p:nvSpPr>
+          <p:cNvPr id="58" name="TextBox 57"/>
+          <p:cNvSpPr txBox="1"/>
+          <p:nvPr/>
+        </p:nvSpPr>
+        <p:spPr>
+          <a:xfrm>
+            <a:off x="8656466" y="925069"/>
+            <a:ext cx="2565647" cy="369332"/>
+          </a:xfrm>
+          <a:prstGeom prst="rect">
+            <a:avLst/>
+          </a:prstGeom>
+          <a:noFill/>
+        </p:spPr>
+        <p:txBody>
+          <a:bodyPr wrap="square" rtlCol="0">
+            <a:spAutoFit/>
+          </a:bodyPr>
+          <a:lstStyle/>
+          <a:p>
+            <a:r>
+              <a:rPr lang="ko-KR" altLang="en-US"/>
+              <a:t>로그인 프로토콜</a:t>
+            </a:r>
+          </a:p>
+        </p:txBody>
+      </p:sp>
+      <p:sp>
+        <p:nvSpPr>
+          <p:cNvPr id="59" name="TextBox 58"/>
+          <p:cNvSpPr txBox="1"/>
+          <p:nvPr/>
+        </p:nvSpPr>
+        <p:spPr>
+          <a:xfrm>
+            <a:off x="8717874" y="2488488"/>
+            <a:ext cx="2565647" cy="369332"/>
+          </a:xfrm>
+          <a:prstGeom prst="rect">
+            <a:avLst/>
+          </a:prstGeom>
+          <a:noFill/>
+        </p:spPr>
+        <p:txBody>
+          <a:bodyPr wrap="square" rtlCol="0">
+            <a:spAutoFit/>
+          </a:bodyPr>
+          <a:lstStyle/>
+          <a:p>
+            <a:r>
+              <a:rPr lang="ko-KR" altLang="en-US"/>
+              <a:t>회원가입 프로토콜</a:t>
+            </a:r>
+            <a:endParaRPr lang="ko-KR" altLang="en-US" dirty="0"/>
+          </a:p>
+        </p:txBody>
+      </p:sp>
+      <p:sp>
+        <p:nvSpPr>
+          <p:cNvPr id="60" name="TextBox 59"/>
+          <p:cNvSpPr txBox="1"/>
+          <p:nvPr/>
+        </p:nvSpPr>
+        <p:spPr>
+          <a:xfrm>
+            <a:off x="2574524" y="648070"/>
+            <a:ext cx="736104" cy="646331"/>
+          </a:xfrm>
+          <a:prstGeom prst="rect">
+            <a:avLst/>
+          </a:prstGeom>
+          <a:noFill/>
+        </p:spPr>
+        <p:txBody>
+          <a:bodyPr wrap="square" rtlCol="0">
+            <a:spAutoFit/>
+          </a:bodyPr>
+          <a:lstStyle/>
+          <a:p>
+            <a:r>
+              <a:rPr lang="ko-KR" altLang="en-US" dirty="0"/>
+              <a:t>전송타입</a:t>
+            </a:r>
+          </a:p>
+        </p:txBody>
+      </p:sp>
+      <p:sp>
+        <p:nvSpPr>
+          <p:cNvPr id="61" name="TextBox 60"/>
+          <p:cNvSpPr txBox="1"/>
+          <p:nvPr/>
+        </p:nvSpPr>
+        <p:spPr>
+          <a:xfrm>
+            <a:off x="2540122" y="2396155"/>
+            <a:ext cx="736104" cy="646331"/>
+          </a:xfrm>
+          <a:prstGeom prst="rect">
+            <a:avLst/>
+          </a:prstGeom>
+          <a:noFill/>
+        </p:spPr>
+        <p:txBody>
+          <a:bodyPr wrap="square" rtlCol="0">
+            <a:spAutoFit/>
+          </a:bodyPr>
+          <a:lstStyle/>
+          <a:p>
+            <a:r>
+              <a:rPr lang="ko-KR" altLang="en-US" dirty="0"/>
+              <a:t>전송타입</a:t>
+            </a:r>
+          </a:p>
+        </p:txBody>
+      </p:sp>
+      <p:sp>
+        <p:nvSpPr>
+          <p:cNvPr id="64" name="TextBox 63"/>
+          <p:cNvSpPr txBox="1"/>
+          <p:nvPr/>
+        </p:nvSpPr>
+        <p:spPr>
+          <a:xfrm>
+            <a:off x="2560467" y="4511578"/>
+            <a:ext cx="736104" cy="646331"/>
+          </a:xfrm>
+          <a:prstGeom prst="rect">
+            <a:avLst/>
+          </a:prstGeom>
+          <a:noFill/>
+        </p:spPr>
+        <p:txBody>
+          <a:bodyPr wrap="square" rtlCol="0">
+            <a:spAutoFit/>
+          </a:bodyPr>
+          <a:lstStyle/>
+          <a:p>
+            <a:r>
+              <a:rPr lang="ko-KR" altLang="en-US" dirty="0"/>
+              <a:t>전송타입</a:t>
+            </a:r>
+          </a:p>
+        </p:txBody>
+      </p:sp>
+      <p:sp>
+        <p:nvSpPr>
+          <p:cNvPr id="65" name="TextBox 64"/>
+          <p:cNvSpPr txBox="1"/>
+          <p:nvPr/>
+        </p:nvSpPr>
+        <p:spPr>
+          <a:xfrm>
+            <a:off x="8687169" y="4766503"/>
+            <a:ext cx="2627055" cy="369332"/>
+          </a:xfrm>
+          <a:prstGeom prst="rect">
+            <a:avLst/>
+          </a:prstGeom>
+          <a:noFill/>
+        </p:spPr>
+        <p:txBody>
+          <a:bodyPr wrap="square" rtlCol="0">
+            <a:spAutoFit/>
+          </a:bodyPr>
+          <a:lstStyle/>
+          <a:p>
+            <a:r>
+              <a:rPr lang="ko-KR" altLang="en-US"/>
+              <a:t>위치 동기화 프로토콜</a:t>
+            </a:r>
+          </a:p>
+        </p:txBody>
+      </p:sp>
+      <p:sp>
+        <p:nvSpPr>
+          <p:cNvPr id="66" name="TextBox 65"/>
+          <p:cNvSpPr txBox="1"/>
+          <p:nvPr/>
+        </p:nvSpPr>
+        <p:spPr>
+          <a:xfrm>
+            <a:off x="4642092" y="4708798"/>
+            <a:ext cx="1225856" cy="369332"/>
+          </a:xfrm>
+          <a:prstGeom prst="rect">
+            <a:avLst/>
+          </a:prstGeom>
+          <a:noFill/>
+        </p:spPr>
+        <p:txBody>
+          <a:bodyPr wrap="square" rtlCol="0">
+            <a:spAutoFit/>
+          </a:bodyPr>
+          <a:lstStyle/>
+          <a:p>
+            <a:r>
+              <a:rPr lang="en-US" altLang="ko-KR" dirty="0" err="1"/>
+              <a:t>Position.x</a:t>
+            </a:r>
+            <a:endParaRPr lang="ko-KR" altLang="en-US" dirty="0"/>
+          </a:p>
+        </p:txBody>
+      </p:sp>
+      <p:sp>
+        <p:nvSpPr>
+          <p:cNvPr id="67" name="TextBox 66"/>
+          <p:cNvSpPr txBox="1"/>
+          <p:nvPr/>
+        </p:nvSpPr>
+        <p:spPr>
+          <a:xfrm>
+            <a:off x="6952142" y="4698098"/>
+            <a:ext cx="1225856" cy="369332"/>
+          </a:xfrm>
+          <a:prstGeom prst="rect">
+            <a:avLst/>
+          </a:prstGeom>
+          <a:noFill/>
+        </p:spPr>
+        <p:txBody>
+          <a:bodyPr wrap="square" rtlCol="0">
+            <a:spAutoFit/>
+          </a:bodyPr>
+          <a:lstStyle/>
+          <a:p>
+            <a:r>
+              <a:rPr lang="en-US" altLang="ko-KR" dirty="0" err="1"/>
+              <a:t>Position.z</a:t>
+            </a:r>
+            <a:endParaRPr lang="ko-KR" altLang="en-US" dirty="0"/>
+          </a:p>
+        </p:txBody>
+      </p:sp>
+      <p:cxnSp>
+        <p:nvCxnSpPr>
+          <p:cNvPr id="68" name="직선 연결선 67"/>
+          <p:cNvCxnSpPr>
+            <a:cxnSpLocks/>
+          </p:cNvCxnSpPr>
+          <p:nvPr/>
+        </p:nvCxnSpPr>
+        <p:spPr>
+          <a:xfrm>
+            <a:off x="6952142" y="4156617"/>
+            <a:ext cx="0" cy="1473694"/>
+          </a:xfrm>
+          <a:prstGeom prst="line">
+            <a:avLst/>
+          </a:prstGeom>
+          <a:ln w="38100">
+            <a:solidFill>
+              <a:schemeClr val="tx1"/>
+            </a:solidFill>
+          </a:ln>
+        </p:spPr>
+        <p:style>
+          <a:lnRef idx="1">
+            <a:schemeClr val="accent1"/>
+          </a:lnRef>
+          <a:fillRef idx="0">
+            <a:schemeClr val="accent1"/>
+          </a:fillRef>
+          <a:effectRef idx="0">
+            <a:schemeClr val="accent1"/>
+          </a:effectRef>
+          <a:fontRef idx="minor">
+            <a:schemeClr val="tx1"/>
+          </a:fontRef>
+        </p:style>
+      </p:cxnSp>
+      <p:sp>
+        <p:nvSpPr>
+          <p:cNvPr id="70" name="TextBox 69"/>
+          <p:cNvSpPr txBox="1"/>
+          <p:nvPr/>
+        </p:nvSpPr>
+        <p:spPr>
+          <a:xfrm>
+            <a:off x="3369249" y="4582638"/>
+            <a:ext cx="1367164" cy="646331"/>
+          </a:xfrm>
+          <a:prstGeom prst="rect">
+            <a:avLst/>
+          </a:prstGeom>
+          <a:noFill/>
+        </p:spPr>
+        <p:txBody>
+          <a:bodyPr wrap="square" rtlCol="0">
+            <a:spAutoFit/>
+          </a:bodyPr>
+          <a:lstStyle/>
+          <a:p>
+            <a:r>
+              <a:rPr lang="ko-KR" altLang="en-US" dirty="0"/>
+              <a:t>동기화대상 </a:t>
+            </a:r>
+            <a:endParaRPr lang="en-US" altLang="ko-KR" dirty="0"/>
+          </a:p>
+          <a:p>
+            <a:r>
+              <a:rPr lang="en-US" altLang="ko-KR" dirty="0" err="1"/>
+              <a:t>networkID</a:t>
+            </a:r>
+            <a:endParaRPr lang="ko-KR" altLang="en-US" dirty="0"/>
+          </a:p>
+        </p:txBody>
+      </p:sp>
+    </p:spTree>
+    <p:extLst>
+      <p:ext uri="{BB962C8B-B14F-4D97-AF65-F5344CB8AC3E}">
+        <p14:creationId xmlns:p14="http://schemas.microsoft.com/office/powerpoint/2010/main" val="513742975"/>
+      </p:ext>
+    </p:extLst>
+  </p:cSld>
+  <p:clrMapOvr>
+    <a:masterClrMapping/>
+  </p:clrMapOvr>
+</p:sld>
+</file>
+
+<file path=ppt/slides/slide6.xml><?xml version="1.0" encoding="utf-8"?>
+<p:sld xmlns:a="http://schemas.openxmlformats.org/drawingml/2006/main" xmlns:r="http://schemas.openxmlformats.org/officeDocument/2006/relationships" xmlns:p="http://schemas.openxmlformats.org/presentationml/2006/main">
+  <p:cSld>
+    <p:spTree>
+      <p:nvGrpSpPr>
+        <p:cNvPr id="1" name=""/>
+        <p:cNvGrpSpPr/>
+        <p:nvPr/>
+      </p:nvGrpSpPr>
+      <p:grpSpPr>
+        <a:xfrm>
+          <a:off x="0" y="0"/>
+          <a:ext cx="0" cy="0"/>
+          <a:chOff x="0" y="0"/>
+          <a:chExt cx="0" cy="0"/>
+        </a:xfrm>
+      </p:grpSpPr>
+      <p:sp>
+        <p:nvSpPr>
+          <p:cNvPr id="4" name="직사각형 3"/>
+          <p:cNvSpPr/>
+          <p:nvPr/>
+        </p:nvSpPr>
+        <p:spPr>
+          <a:xfrm>
+            <a:off x="754601" y="80875"/>
+            <a:ext cx="2948866" cy="1473694"/>
+          </a:xfrm>
+          <a:prstGeom prst="rect">
+            <a:avLst/>
+          </a:prstGeom>
+        </p:spPr>
+        <p:style>
+          <a:lnRef idx="2">
+            <a:schemeClr val="accent1">
+              <a:shade val="50000"/>
+            </a:schemeClr>
+          </a:lnRef>
+          <a:fillRef idx="1">
+            <a:schemeClr val="accent1"/>
+          </a:fillRef>
+          <a:effectRef idx="0">
+            <a:schemeClr val="accent1"/>
+          </a:effectRef>
+          <a:fontRef idx="minor">
+            <a:schemeClr val="lt1"/>
+          </a:fontRef>
+        </p:style>
+        <p:txBody>
+          <a:bodyPr rtlCol="0" anchor="ctr"/>
+          <a:lstStyle/>
+          <a:p>
+            <a:pPr algn="ctr"/>
+            <a:endParaRPr lang="ko-KR" altLang="en-US"/>
+          </a:p>
+        </p:txBody>
+      </p:sp>
+      <p:cxnSp>
+        <p:nvCxnSpPr>
+          <p:cNvPr id="5" name="직선 연결선 4"/>
+          <p:cNvCxnSpPr>
+            <a:cxnSpLocks/>
+          </p:cNvCxnSpPr>
+          <p:nvPr/>
+        </p:nvCxnSpPr>
+        <p:spPr>
+          <a:xfrm>
+            <a:off x="1535836" y="80875"/>
+            <a:ext cx="0" cy="1473694"/>
+          </a:xfrm>
+          <a:prstGeom prst="line">
+            <a:avLst/>
+          </a:prstGeom>
+          <a:ln w="38100">
+            <a:solidFill>
+              <a:schemeClr val="tx1"/>
+            </a:solidFill>
+          </a:ln>
+        </p:spPr>
+        <p:style>
+          <a:lnRef idx="1">
+            <a:schemeClr val="accent1"/>
+          </a:lnRef>
+          <a:fillRef idx="0">
+            <a:schemeClr val="accent1"/>
+          </a:fillRef>
+          <a:effectRef idx="0">
+            <a:schemeClr val="accent1"/>
+          </a:effectRef>
+          <a:fontRef idx="minor">
+            <a:schemeClr val="tx1"/>
+          </a:fontRef>
+        </p:style>
+      </p:cxnSp>
+      <p:sp>
+        <p:nvSpPr>
+          <p:cNvPr id="6" name="TextBox 5"/>
+          <p:cNvSpPr txBox="1"/>
+          <p:nvPr/>
+        </p:nvSpPr>
+        <p:spPr>
+          <a:xfrm>
+            <a:off x="843378" y="364961"/>
+            <a:ext cx="692458" cy="646331"/>
+          </a:xfrm>
+          <a:prstGeom prst="rect">
+            <a:avLst/>
+          </a:prstGeom>
+          <a:noFill/>
+        </p:spPr>
+        <p:txBody>
+          <a:bodyPr wrap="square" rtlCol="0">
+            <a:spAutoFit/>
+          </a:bodyPr>
+          <a:lstStyle/>
+          <a:p>
+            <a:r>
+              <a:rPr lang="ko-KR" altLang="en-US"/>
+              <a:t>패킷크기</a:t>
+            </a:r>
+            <a:endParaRPr lang="ko-KR" altLang="en-US" dirty="0"/>
+          </a:p>
+        </p:txBody>
+      </p:sp>
+      <p:sp>
+        <p:nvSpPr>
+          <p:cNvPr id="7" name="TextBox 6"/>
+          <p:cNvSpPr txBox="1"/>
+          <p:nvPr/>
+        </p:nvSpPr>
+        <p:spPr>
+          <a:xfrm>
+            <a:off x="1535836" y="364961"/>
+            <a:ext cx="1136341" cy="646331"/>
+          </a:xfrm>
+          <a:prstGeom prst="rect">
+            <a:avLst/>
+          </a:prstGeom>
+          <a:noFill/>
+        </p:spPr>
+        <p:txBody>
+          <a:bodyPr wrap="square" rtlCol="0">
+            <a:spAutoFit/>
+          </a:bodyPr>
+          <a:lstStyle/>
+          <a:p>
+            <a:r>
+              <a:rPr lang="ko-KR" altLang="en-US" dirty="0"/>
+              <a:t>프로토콜 </a:t>
+            </a:r>
+            <a:endParaRPr lang="en-US" altLang="ko-KR" dirty="0"/>
+          </a:p>
+          <a:p>
+            <a:r>
+              <a:rPr lang="ko-KR" altLang="en-US" dirty="0"/>
+              <a:t>타입</a:t>
+            </a:r>
+          </a:p>
+        </p:txBody>
+      </p:sp>
+      <p:cxnSp>
+        <p:nvCxnSpPr>
+          <p:cNvPr id="8" name="직선 연결선 7"/>
+          <p:cNvCxnSpPr>
+            <a:cxnSpLocks/>
+          </p:cNvCxnSpPr>
+          <p:nvPr/>
+        </p:nvCxnSpPr>
+        <p:spPr>
+          <a:xfrm>
+            <a:off x="2672177" y="80875"/>
+            <a:ext cx="0" cy="1473694"/>
+          </a:xfrm>
+          <a:prstGeom prst="line">
+            <a:avLst/>
+          </a:prstGeom>
+          <a:ln w="38100">
+            <a:solidFill>
+              <a:schemeClr val="tx1"/>
+            </a:solidFill>
+          </a:ln>
+        </p:spPr>
+        <p:style>
+          <a:lnRef idx="1">
+            <a:schemeClr val="accent1"/>
+          </a:lnRef>
+          <a:fillRef idx="0">
+            <a:schemeClr val="accent1"/>
+          </a:fillRef>
+          <a:effectRef idx="0">
+            <a:schemeClr val="accent1"/>
+          </a:effectRef>
+          <a:fontRef idx="minor">
+            <a:schemeClr val="tx1"/>
+          </a:fontRef>
+        </p:style>
+      </p:cxnSp>
+      <p:cxnSp>
+        <p:nvCxnSpPr>
+          <p:cNvPr id="9" name="직선 연결선 8"/>
+          <p:cNvCxnSpPr>
+            <a:cxnSpLocks/>
+          </p:cNvCxnSpPr>
+          <p:nvPr/>
+        </p:nvCxnSpPr>
+        <p:spPr>
+          <a:xfrm>
+            <a:off x="3703466" y="85924"/>
+            <a:ext cx="0" cy="1473694"/>
+          </a:xfrm>
+          <a:prstGeom prst="line">
+            <a:avLst/>
+          </a:prstGeom>
+          <a:ln w="38100">
+            <a:solidFill>
+              <a:schemeClr val="tx1"/>
+            </a:solidFill>
+          </a:ln>
+        </p:spPr>
+        <p:style>
+          <a:lnRef idx="1">
+            <a:schemeClr val="accent1"/>
+          </a:lnRef>
+          <a:fillRef idx="0">
+            <a:schemeClr val="accent1"/>
+          </a:fillRef>
+          <a:effectRef idx="0">
+            <a:schemeClr val="accent1"/>
+          </a:effectRef>
+          <a:fontRef idx="minor">
+            <a:schemeClr val="tx1"/>
+          </a:fontRef>
+        </p:style>
+      </p:cxnSp>
+      <p:sp>
+        <p:nvSpPr>
+          <p:cNvPr id="19" name="TextBox 18"/>
+          <p:cNvSpPr txBox="1"/>
+          <p:nvPr/>
+        </p:nvSpPr>
+        <p:spPr>
+          <a:xfrm>
+            <a:off x="2862308" y="445605"/>
+            <a:ext cx="736104" cy="646331"/>
+          </a:xfrm>
+          <a:prstGeom prst="rect">
+            <a:avLst/>
+          </a:prstGeom>
+          <a:noFill/>
+        </p:spPr>
+        <p:txBody>
+          <a:bodyPr wrap="square" rtlCol="0">
+            <a:spAutoFit/>
+          </a:bodyPr>
+          <a:lstStyle/>
+          <a:p>
+            <a:r>
+              <a:rPr lang="ko-KR" altLang="en-US" dirty="0"/>
+              <a:t>전송타입</a:t>
+            </a:r>
+          </a:p>
+        </p:txBody>
+      </p:sp>
+      <p:sp>
+        <p:nvSpPr>
+          <p:cNvPr id="20" name="TextBox 19"/>
+          <p:cNvSpPr txBox="1"/>
+          <p:nvPr/>
+        </p:nvSpPr>
+        <p:spPr>
+          <a:xfrm>
+            <a:off x="9203181" y="638105"/>
+            <a:ext cx="2574524" cy="369332"/>
+          </a:xfrm>
+          <a:prstGeom prst="rect">
+            <a:avLst/>
+          </a:prstGeom>
+          <a:noFill/>
+        </p:spPr>
+        <p:txBody>
+          <a:bodyPr wrap="square" rtlCol="0">
+            <a:spAutoFit/>
+          </a:bodyPr>
+          <a:lstStyle/>
+          <a:p>
+            <a:r>
+              <a:rPr lang="ko-KR" altLang="en-US" dirty="0"/>
+              <a:t>네트워크</a:t>
+            </a:r>
+            <a:r>
+              <a:rPr lang="en-US" altLang="ko-KR" dirty="0"/>
+              <a:t>ID </a:t>
+            </a:r>
+            <a:r>
+              <a:rPr lang="ko-KR" altLang="en-US" dirty="0"/>
+              <a:t>할당 요청</a:t>
+            </a:r>
+            <a:endParaRPr lang="en-US" altLang="ko-KR" dirty="0"/>
+          </a:p>
+        </p:txBody>
+      </p:sp>
+      <p:sp>
+        <p:nvSpPr>
+          <p:cNvPr id="21" name="직사각형 20"/>
+          <p:cNvSpPr/>
+          <p:nvPr/>
+        </p:nvSpPr>
+        <p:spPr>
+          <a:xfrm>
+            <a:off x="754600" y="3711556"/>
+            <a:ext cx="7389183" cy="1473694"/>
+          </a:xfrm>
+          <a:prstGeom prst="rect">
+            <a:avLst/>
+          </a:prstGeom>
+        </p:spPr>
+        <p:style>
+          <a:lnRef idx="2">
+            <a:schemeClr val="accent1">
+              <a:shade val="50000"/>
+            </a:schemeClr>
+          </a:lnRef>
+          <a:fillRef idx="1">
+            <a:schemeClr val="accent1"/>
+          </a:fillRef>
+          <a:effectRef idx="0">
+            <a:schemeClr val="accent1"/>
+          </a:effectRef>
+          <a:fontRef idx="minor">
+            <a:schemeClr val="lt1"/>
+          </a:fontRef>
+        </p:style>
+        <p:txBody>
+          <a:bodyPr rtlCol="0" anchor="ctr"/>
+          <a:lstStyle/>
+          <a:p>
+            <a:pPr algn="ctr"/>
+            <a:endParaRPr lang="ko-KR" altLang="en-US"/>
+          </a:p>
+        </p:txBody>
+      </p:sp>
+      <p:cxnSp>
+        <p:nvCxnSpPr>
+          <p:cNvPr id="22" name="직선 연결선 21"/>
+          <p:cNvCxnSpPr>
+            <a:cxnSpLocks/>
+          </p:cNvCxnSpPr>
+          <p:nvPr/>
+        </p:nvCxnSpPr>
+        <p:spPr>
+          <a:xfrm>
+            <a:off x="1535836" y="3711556"/>
+            <a:ext cx="0" cy="1473694"/>
+          </a:xfrm>
+          <a:prstGeom prst="line">
+            <a:avLst/>
+          </a:prstGeom>
+          <a:ln w="38100">
+            <a:solidFill>
+              <a:schemeClr val="tx1"/>
+            </a:solidFill>
+          </a:ln>
+        </p:spPr>
+        <p:style>
+          <a:lnRef idx="1">
+            <a:schemeClr val="accent1"/>
+          </a:lnRef>
+          <a:fillRef idx="0">
+            <a:schemeClr val="accent1"/>
+          </a:fillRef>
+          <a:effectRef idx="0">
+            <a:schemeClr val="accent1"/>
+          </a:effectRef>
+          <a:fontRef idx="minor">
+            <a:schemeClr val="tx1"/>
+          </a:fontRef>
+        </p:style>
+      </p:cxnSp>
+      <p:sp>
+        <p:nvSpPr>
+          <p:cNvPr id="23" name="TextBox 22"/>
+          <p:cNvSpPr txBox="1"/>
+          <p:nvPr/>
+        </p:nvSpPr>
+        <p:spPr>
+          <a:xfrm>
+            <a:off x="843378" y="3995642"/>
+            <a:ext cx="692458" cy="646331"/>
+          </a:xfrm>
+          <a:prstGeom prst="rect">
+            <a:avLst/>
+          </a:prstGeom>
+          <a:noFill/>
+        </p:spPr>
+        <p:txBody>
+          <a:bodyPr wrap="square" rtlCol="0">
+            <a:spAutoFit/>
+          </a:bodyPr>
+          <a:lstStyle/>
+          <a:p>
+            <a:r>
+              <a:rPr lang="ko-KR" altLang="en-US"/>
+              <a:t>패킷크기</a:t>
+            </a:r>
+            <a:endParaRPr lang="ko-KR" altLang="en-US" dirty="0"/>
+          </a:p>
+        </p:txBody>
+      </p:sp>
+      <p:sp>
+        <p:nvSpPr>
+          <p:cNvPr id="24" name="TextBox 23"/>
+          <p:cNvSpPr txBox="1"/>
+          <p:nvPr/>
+        </p:nvSpPr>
+        <p:spPr>
+          <a:xfrm>
+            <a:off x="1535836" y="3995642"/>
+            <a:ext cx="1136341" cy="646331"/>
+          </a:xfrm>
+          <a:prstGeom prst="rect">
+            <a:avLst/>
+          </a:prstGeom>
+          <a:noFill/>
+        </p:spPr>
+        <p:txBody>
+          <a:bodyPr wrap="square" rtlCol="0">
+            <a:spAutoFit/>
+          </a:bodyPr>
+          <a:lstStyle/>
+          <a:p>
+            <a:r>
+              <a:rPr lang="ko-KR" altLang="en-US" dirty="0"/>
+              <a:t>프로토콜 </a:t>
+            </a:r>
+            <a:endParaRPr lang="en-US" altLang="ko-KR" dirty="0"/>
+          </a:p>
+          <a:p>
+            <a:r>
+              <a:rPr lang="ko-KR" altLang="en-US" dirty="0"/>
+              <a:t>타입</a:t>
+            </a:r>
+          </a:p>
+        </p:txBody>
+      </p:sp>
+      <p:cxnSp>
+        <p:nvCxnSpPr>
+          <p:cNvPr id="25" name="직선 연결선 24"/>
+          <p:cNvCxnSpPr>
+            <a:cxnSpLocks/>
+          </p:cNvCxnSpPr>
+          <p:nvPr/>
+        </p:nvCxnSpPr>
+        <p:spPr>
+          <a:xfrm>
+            <a:off x="2672177" y="3711556"/>
+            <a:ext cx="0" cy="1473694"/>
+          </a:xfrm>
+          <a:prstGeom prst="line">
+            <a:avLst/>
+          </a:prstGeom>
+          <a:ln w="38100">
+            <a:solidFill>
+              <a:schemeClr val="tx1"/>
+            </a:solidFill>
+          </a:ln>
+        </p:spPr>
+        <p:style>
+          <a:lnRef idx="1">
+            <a:schemeClr val="accent1"/>
+          </a:lnRef>
+          <a:fillRef idx="0">
+            <a:schemeClr val="accent1"/>
+          </a:fillRef>
+          <a:effectRef idx="0">
+            <a:schemeClr val="accent1"/>
+          </a:effectRef>
+          <a:fontRef idx="minor">
+            <a:schemeClr val="tx1"/>
+          </a:fontRef>
+        </p:style>
+      </p:cxnSp>
+      <p:cxnSp>
+        <p:nvCxnSpPr>
+          <p:cNvPr id="26" name="직선 연결선 25"/>
+          <p:cNvCxnSpPr>
+            <a:cxnSpLocks/>
+          </p:cNvCxnSpPr>
+          <p:nvPr/>
+        </p:nvCxnSpPr>
+        <p:spPr>
+          <a:xfrm>
+            <a:off x="3703466" y="3716605"/>
+            <a:ext cx="0" cy="1473694"/>
+          </a:xfrm>
+          <a:prstGeom prst="line">
+            <a:avLst/>
+          </a:prstGeom>
+          <a:ln w="38100">
+            <a:solidFill>
+              <a:schemeClr val="tx1"/>
+            </a:solidFill>
+          </a:ln>
+        </p:spPr>
+        <p:style>
+          <a:lnRef idx="1">
+            <a:schemeClr val="accent1"/>
+          </a:lnRef>
+          <a:fillRef idx="0">
+            <a:schemeClr val="accent1"/>
+          </a:fillRef>
+          <a:effectRef idx="0">
+            <a:schemeClr val="accent1"/>
+          </a:effectRef>
+          <a:fontRef idx="minor">
+            <a:schemeClr val="tx1"/>
+          </a:fontRef>
+        </p:style>
+      </p:cxnSp>
+      <p:cxnSp>
+        <p:nvCxnSpPr>
+          <p:cNvPr id="27" name="직선 연결선 26"/>
+          <p:cNvCxnSpPr>
+            <a:cxnSpLocks/>
+          </p:cNvCxnSpPr>
+          <p:nvPr/>
+        </p:nvCxnSpPr>
+        <p:spPr>
+          <a:xfrm>
+            <a:off x="4743633" y="3707468"/>
+            <a:ext cx="0" cy="1473694"/>
+          </a:xfrm>
+          <a:prstGeom prst="line">
+            <a:avLst/>
+          </a:prstGeom>
+          <a:ln w="38100">
+            <a:solidFill>
+              <a:schemeClr val="tx1"/>
+            </a:solidFill>
+          </a:ln>
+        </p:spPr>
+        <p:style>
+          <a:lnRef idx="1">
+            <a:schemeClr val="accent1"/>
+          </a:lnRef>
+          <a:fillRef idx="0">
+            <a:schemeClr val="accent1"/>
+          </a:fillRef>
+          <a:effectRef idx="0">
+            <a:schemeClr val="accent1"/>
+          </a:effectRef>
+          <a:fontRef idx="minor">
+            <a:schemeClr val="tx1"/>
+          </a:fontRef>
+        </p:style>
+      </p:cxnSp>
+      <p:sp>
+        <p:nvSpPr>
+          <p:cNvPr id="28" name="TextBox 27"/>
+          <p:cNvSpPr txBox="1"/>
+          <p:nvPr/>
+        </p:nvSpPr>
+        <p:spPr>
+          <a:xfrm>
+            <a:off x="3902474" y="4147347"/>
+            <a:ext cx="935115" cy="646331"/>
+          </a:xfrm>
+          <a:prstGeom prst="rect">
+            <a:avLst/>
+          </a:prstGeom>
+          <a:noFill/>
+        </p:spPr>
+        <p:txBody>
+          <a:bodyPr wrap="square" rtlCol="0">
+            <a:spAutoFit/>
+          </a:bodyPr>
+          <a:lstStyle/>
+          <a:p>
+            <a:r>
+              <a:rPr lang="ko-KR" altLang="en-US" dirty="0"/>
+              <a:t>문자열길이</a:t>
+            </a:r>
+          </a:p>
+        </p:txBody>
+      </p:sp>
+      <p:sp>
+        <p:nvSpPr>
+          <p:cNvPr id="29" name="TextBox 28"/>
+          <p:cNvSpPr txBox="1"/>
+          <p:nvPr/>
+        </p:nvSpPr>
+        <p:spPr>
+          <a:xfrm>
+            <a:off x="4691105" y="4141747"/>
+            <a:ext cx="1269507" cy="646331"/>
+          </a:xfrm>
+          <a:prstGeom prst="rect">
+            <a:avLst/>
+          </a:prstGeom>
+          <a:noFill/>
+        </p:spPr>
+        <p:txBody>
+          <a:bodyPr wrap="square" rtlCol="0">
+            <a:spAutoFit/>
+          </a:bodyPr>
+          <a:lstStyle/>
+          <a:p>
+            <a:r>
+              <a:rPr lang="ko-KR" altLang="en-US" dirty="0"/>
+              <a:t>네트워크</a:t>
+            </a:r>
+            <a:endParaRPr lang="en-US" altLang="ko-KR" dirty="0"/>
+          </a:p>
+          <a:p>
+            <a:r>
+              <a:rPr lang="en-US" altLang="ko-KR" dirty="0"/>
+              <a:t>ID</a:t>
+            </a:r>
+            <a:endParaRPr lang="ko-KR" altLang="en-US" dirty="0"/>
+          </a:p>
+        </p:txBody>
+      </p:sp>
+      <p:cxnSp>
+        <p:nvCxnSpPr>
+          <p:cNvPr id="31" name="직선 연결선 30"/>
+          <p:cNvCxnSpPr>
+            <a:cxnSpLocks/>
+          </p:cNvCxnSpPr>
+          <p:nvPr/>
+        </p:nvCxnSpPr>
+        <p:spPr>
+          <a:xfrm>
+            <a:off x="5722395" y="3705956"/>
+            <a:ext cx="0" cy="1473694"/>
+          </a:xfrm>
+          <a:prstGeom prst="line">
+            <a:avLst/>
+          </a:prstGeom>
+          <a:ln w="38100">
+            <a:solidFill>
+              <a:schemeClr val="tx1"/>
+            </a:solidFill>
+          </a:ln>
+        </p:spPr>
+        <p:style>
+          <a:lnRef idx="1">
+            <a:schemeClr val="accent1"/>
+          </a:lnRef>
+          <a:fillRef idx="0">
+            <a:schemeClr val="accent1"/>
+          </a:fillRef>
+          <a:effectRef idx="0">
+            <a:schemeClr val="accent1"/>
+          </a:effectRef>
+          <a:fontRef idx="minor">
+            <a:schemeClr val="tx1"/>
+          </a:fontRef>
+        </p:style>
+      </p:cxnSp>
+      <p:cxnSp>
+        <p:nvCxnSpPr>
+          <p:cNvPr id="32" name="직선 연결선 31"/>
+          <p:cNvCxnSpPr>
+            <a:cxnSpLocks/>
+          </p:cNvCxnSpPr>
+          <p:nvPr/>
+        </p:nvCxnSpPr>
+        <p:spPr>
+          <a:xfrm>
+            <a:off x="6762562" y="3696819"/>
+            <a:ext cx="0" cy="1473694"/>
+          </a:xfrm>
+          <a:prstGeom prst="line">
+            <a:avLst/>
+          </a:prstGeom>
+          <a:ln w="38100">
+            <a:solidFill>
+              <a:schemeClr val="tx1"/>
+            </a:solidFill>
+          </a:ln>
+        </p:spPr>
+        <p:style>
+          <a:lnRef idx="1">
+            <a:schemeClr val="accent1"/>
+          </a:lnRef>
+          <a:fillRef idx="0">
+            <a:schemeClr val="accent1"/>
+          </a:fillRef>
+          <a:effectRef idx="0">
+            <a:schemeClr val="accent1"/>
+          </a:effectRef>
+          <a:fontRef idx="minor">
+            <a:schemeClr val="tx1"/>
+          </a:fontRef>
+        </p:style>
+      </p:cxnSp>
+      <p:sp>
+        <p:nvSpPr>
+          <p:cNvPr id="33" name="TextBox 32"/>
+          <p:cNvSpPr txBox="1"/>
+          <p:nvPr/>
+        </p:nvSpPr>
+        <p:spPr>
+          <a:xfrm>
+            <a:off x="5877014" y="4147347"/>
+            <a:ext cx="935115" cy="646331"/>
+          </a:xfrm>
+          <a:prstGeom prst="rect">
+            <a:avLst/>
+          </a:prstGeom>
+          <a:noFill/>
+        </p:spPr>
+        <p:txBody>
+          <a:bodyPr wrap="square" rtlCol="0">
+            <a:spAutoFit/>
+          </a:bodyPr>
+          <a:lstStyle/>
+          <a:p>
+            <a:r>
+              <a:rPr lang="ko-KR" altLang="en-US" dirty="0"/>
+              <a:t>문자열길이</a:t>
+            </a:r>
+          </a:p>
+        </p:txBody>
+      </p:sp>
+      <p:sp>
+        <p:nvSpPr>
+          <p:cNvPr id="34" name="TextBox 33"/>
+          <p:cNvSpPr txBox="1"/>
+          <p:nvPr/>
+        </p:nvSpPr>
+        <p:spPr>
+          <a:xfrm>
+            <a:off x="6874276" y="4259498"/>
+            <a:ext cx="1269507" cy="369332"/>
+          </a:xfrm>
+          <a:prstGeom prst="rect">
+            <a:avLst/>
+          </a:prstGeom>
+          <a:noFill/>
+        </p:spPr>
+        <p:txBody>
+          <a:bodyPr wrap="square" rtlCol="0">
+            <a:spAutoFit/>
+          </a:bodyPr>
+          <a:lstStyle/>
+          <a:p>
+            <a:r>
+              <a:rPr lang="ko-KR" altLang="en-US" dirty="0"/>
+              <a:t>객체 </a:t>
+            </a:r>
+            <a:r>
+              <a:rPr lang="en-US" altLang="ko-KR" dirty="0"/>
+              <a:t>tag</a:t>
+            </a:r>
+            <a:endParaRPr lang="ko-KR" altLang="en-US" dirty="0"/>
+          </a:p>
+        </p:txBody>
+      </p:sp>
+      <p:cxnSp>
+        <p:nvCxnSpPr>
+          <p:cNvPr id="35" name="직선 연결선 34"/>
+          <p:cNvCxnSpPr>
+            <a:cxnSpLocks/>
+          </p:cNvCxnSpPr>
+          <p:nvPr/>
+        </p:nvCxnSpPr>
+        <p:spPr>
+          <a:xfrm>
+            <a:off x="8113448" y="3716605"/>
+            <a:ext cx="0" cy="1473694"/>
+          </a:xfrm>
+          <a:prstGeom prst="line">
+            <a:avLst/>
+          </a:prstGeom>
+          <a:ln w="38100">
+            <a:solidFill>
+              <a:schemeClr val="tx1"/>
+            </a:solidFill>
+          </a:ln>
+        </p:spPr>
+        <p:style>
+          <a:lnRef idx="1">
+            <a:schemeClr val="accent1"/>
+          </a:lnRef>
+          <a:fillRef idx="0">
+            <a:schemeClr val="accent1"/>
+          </a:fillRef>
+          <a:effectRef idx="0">
+            <a:schemeClr val="accent1"/>
+          </a:effectRef>
+          <a:fontRef idx="minor">
+            <a:schemeClr val="tx1"/>
+          </a:fontRef>
+        </p:style>
+      </p:cxnSp>
+      <p:sp>
+        <p:nvSpPr>
+          <p:cNvPr id="36" name="TextBox 35"/>
+          <p:cNvSpPr txBox="1"/>
+          <p:nvPr/>
+        </p:nvSpPr>
+        <p:spPr>
+          <a:xfrm>
+            <a:off x="2862308" y="4076286"/>
+            <a:ext cx="736104" cy="646331"/>
+          </a:xfrm>
+          <a:prstGeom prst="rect">
+            <a:avLst/>
+          </a:prstGeom>
+          <a:noFill/>
+        </p:spPr>
+        <p:txBody>
+          <a:bodyPr wrap="square" rtlCol="0">
+            <a:spAutoFit/>
+          </a:bodyPr>
+          <a:lstStyle/>
+          <a:p>
+            <a:r>
+              <a:rPr lang="ko-KR" altLang="en-US" dirty="0"/>
+              <a:t>전송타입</a:t>
+            </a:r>
+          </a:p>
+        </p:txBody>
+      </p:sp>
+      <p:sp>
+        <p:nvSpPr>
+          <p:cNvPr id="37" name="TextBox 36"/>
+          <p:cNvSpPr txBox="1"/>
+          <p:nvPr/>
+        </p:nvSpPr>
+        <p:spPr>
+          <a:xfrm>
+            <a:off x="9314891" y="4268786"/>
+            <a:ext cx="2574524" cy="369332"/>
+          </a:xfrm>
+          <a:prstGeom prst="rect">
+            <a:avLst/>
+          </a:prstGeom>
+          <a:noFill/>
+        </p:spPr>
+        <p:txBody>
+          <a:bodyPr wrap="square" rtlCol="0">
+            <a:spAutoFit/>
+          </a:bodyPr>
+          <a:lstStyle/>
+          <a:p>
+            <a:r>
+              <a:rPr lang="ko-KR" altLang="en-US" dirty="0"/>
+              <a:t>객체생성</a:t>
+            </a:r>
+            <a:r>
+              <a:rPr lang="en-US" altLang="ko-KR" dirty="0"/>
+              <a:t> </a:t>
+            </a:r>
+            <a:r>
+              <a:rPr lang="ko-KR" altLang="en-US" dirty="0"/>
+              <a:t>요청</a:t>
+            </a:r>
+            <a:endParaRPr lang="en-US" altLang="ko-KR" dirty="0"/>
+          </a:p>
+        </p:txBody>
+      </p:sp>
+      <p:sp>
+        <p:nvSpPr>
+          <p:cNvPr id="38" name="직사각형 37"/>
+          <p:cNvSpPr/>
+          <p:nvPr/>
+        </p:nvSpPr>
+        <p:spPr>
+          <a:xfrm>
+            <a:off x="754600" y="1919299"/>
+            <a:ext cx="4967795" cy="1473694"/>
+          </a:xfrm>
+          <a:prstGeom prst="rect">
+            <a:avLst/>
+          </a:prstGeom>
+        </p:spPr>
+        <p:style>
+          <a:lnRef idx="2">
+            <a:schemeClr val="accent1">
+              <a:shade val="50000"/>
+            </a:schemeClr>
+          </a:lnRef>
+          <a:fillRef idx="1">
+            <a:schemeClr val="accent1"/>
+          </a:fillRef>
+          <a:effectRef idx="0">
+            <a:schemeClr val="accent1"/>
+          </a:effectRef>
+          <a:fontRef idx="minor">
+            <a:schemeClr val="lt1"/>
+          </a:fontRef>
+        </p:style>
+        <p:txBody>
+          <a:bodyPr rtlCol="0" anchor="ctr"/>
+          <a:lstStyle/>
+          <a:p>
+            <a:pPr algn="ctr"/>
+            <a:endParaRPr lang="ko-KR" altLang="en-US"/>
+          </a:p>
+        </p:txBody>
+      </p:sp>
+      <p:cxnSp>
+        <p:nvCxnSpPr>
+          <p:cNvPr id="39" name="직선 연결선 38"/>
+          <p:cNvCxnSpPr>
+            <a:cxnSpLocks/>
+          </p:cNvCxnSpPr>
+          <p:nvPr/>
+        </p:nvCxnSpPr>
+        <p:spPr>
+          <a:xfrm>
+            <a:off x="1535836" y="1919299"/>
+            <a:ext cx="0" cy="1473694"/>
+          </a:xfrm>
+          <a:prstGeom prst="line">
+            <a:avLst/>
+          </a:prstGeom>
+          <a:ln w="38100">
+            <a:solidFill>
+              <a:schemeClr val="tx1"/>
+            </a:solidFill>
+          </a:ln>
+        </p:spPr>
+        <p:style>
+          <a:lnRef idx="1">
+            <a:schemeClr val="accent1"/>
+          </a:lnRef>
+          <a:fillRef idx="0">
+            <a:schemeClr val="accent1"/>
+          </a:fillRef>
+          <a:effectRef idx="0">
+            <a:schemeClr val="accent1"/>
+          </a:effectRef>
+          <a:fontRef idx="minor">
+            <a:schemeClr val="tx1"/>
+          </a:fontRef>
+        </p:style>
+      </p:cxnSp>
+      <p:sp>
+        <p:nvSpPr>
+          <p:cNvPr id="40" name="TextBox 39"/>
+          <p:cNvSpPr txBox="1"/>
+          <p:nvPr/>
+        </p:nvSpPr>
+        <p:spPr>
+          <a:xfrm>
+            <a:off x="843378" y="2203385"/>
+            <a:ext cx="692458" cy="646331"/>
+          </a:xfrm>
+          <a:prstGeom prst="rect">
+            <a:avLst/>
+          </a:prstGeom>
+          <a:noFill/>
+        </p:spPr>
+        <p:txBody>
+          <a:bodyPr wrap="square" rtlCol="0">
+            <a:spAutoFit/>
+          </a:bodyPr>
+          <a:lstStyle/>
+          <a:p>
+            <a:r>
+              <a:rPr lang="ko-KR" altLang="en-US"/>
+              <a:t>패킷크기</a:t>
+            </a:r>
+            <a:endParaRPr lang="ko-KR" altLang="en-US" dirty="0"/>
+          </a:p>
+        </p:txBody>
+      </p:sp>
+      <p:sp>
+        <p:nvSpPr>
+          <p:cNvPr id="41" name="TextBox 40"/>
+          <p:cNvSpPr txBox="1"/>
+          <p:nvPr/>
+        </p:nvSpPr>
+        <p:spPr>
+          <a:xfrm>
+            <a:off x="1535836" y="2203385"/>
+            <a:ext cx="1136341" cy="646331"/>
+          </a:xfrm>
+          <a:prstGeom prst="rect">
+            <a:avLst/>
+          </a:prstGeom>
+          <a:noFill/>
+        </p:spPr>
+        <p:txBody>
+          <a:bodyPr wrap="square" rtlCol="0">
+            <a:spAutoFit/>
+          </a:bodyPr>
+          <a:lstStyle/>
+          <a:p>
+            <a:r>
+              <a:rPr lang="ko-KR" altLang="en-US" dirty="0"/>
+              <a:t>프로토콜 </a:t>
+            </a:r>
+            <a:endParaRPr lang="en-US" altLang="ko-KR" dirty="0"/>
+          </a:p>
+          <a:p>
+            <a:r>
+              <a:rPr lang="ko-KR" altLang="en-US" dirty="0"/>
+              <a:t>타입</a:t>
+            </a:r>
+          </a:p>
+        </p:txBody>
+      </p:sp>
+      <p:cxnSp>
+        <p:nvCxnSpPr>
+          <p:cNvPr id="42" name="직선 연결선 41"/>
+          <p:cNvCxnSpPr>
+            <a:cxnSpLocks/>
+          </p:cNvCxnSpPr>
+          <p:nvPr/>
+        </p:nvCxnSpPr>
+        <p:spPr>
+          <a:xfrm>
+            <a:off x="2672177" y="1919299"/>
+            <a:ext cx="0" cy="1473694"/>
+          </a:xfrm>
+          <a:prstGeom prst="line">
+            <a:avLst/>
+          </a:prstGeom>
+          <a:ln w="38100">
+            <a:solidFill>
+              <a:schemeClr val="tx1"/>
+            </a:solidFill>
+          </a:ln>
+        </p:spPr>
+        <p:style>
+          <a:lnRef idx="1">
+            <a:schemeClr val="accent1"/>
+          </a:lnRef>
+          <a:fillRef idx="0">
+            <a:schemeClr val="accent1"/>
+          </a:fillRef>
+          <a:effectRef idx="0">
+            <a:schemeClr val="accent1"/>
+          </a:effectRef>
+          <a:fontRef idx="minor">
+            <a:schemeClr val="tx1"/>
+          </a:fontRef>
+        </p:style>
+      </p:cxnSp>
+      <p:cxnSp>
+        <p:nvCxnSpPr>
+          <p:cNvPr id="43" name="직선 연결선 42"/>
+          <p:cNvCxnSpPr>
+            <a:cxnSpLocks/>
+          </p:cNvCxnSpPr>
+          <p:nvPr/>
+        </p:nvCxnSpPr>
+        <p:spPr>
+          <a:xfrm>
+            <a:off x="3703466" y="1924348"/>
+            <a:ext cx="0" cy="1473694"/>
+          </a:xfrm>
+          <a:prstGeom prst="line">
+            <a:avLst/>
+          </a:prstGeom>
+          <a:ln w="38100">
+            <a:solidFill>
+              <a:schemeClr val="tx1"/>
+            </a:solidFill>
+          </a:ln>
+        </p:spPr>
+        <p:style>
+          <a:lnRef idx="1">
+            <a:schemeClr val="accent1"/>
+          </a:lnRef>
+          <a:fillRef idx="0">
+            <a:schemeClr val="accent1"/>
+          </a:fillRef>
+          <a:effectRef idx="0">
+            <a:schemeClr val="accent1"/>
+          </a:effectRef>
+          <a:fontRef idx="minor">
+            <a:schemeClr val="tx1"/>
+          </a:fontRef>
+        </p:style>
+      </p:cxnSp>
+      <p:cxnSp>
+        <p:nvCxnSpPr>
+          <p:cNvPr id="44" name="직선 연결선 43"/>
+          <p:cNvCxnSpPr>
+            <a:cxnSpLocks/>
+          </p:cNvCxnSpPr>
+          <p:nvPr/>
+        </p:nvCxnSpPr>
+        <p:spPr>
+          <a:xfrm>
+            <a:off x="4743633" y="1915211"/>
+            <a:ext cx="0" cy="1473694"/>
+          </a:xfrm>
+          <a:prstGeom prst="line">
+            <a:avLst/>
+          </a:prstGeom>
+          <a:ln w="38100">
+            <a:solidFill>
+              <a:schemeClr val="tx1"/>
+            </a:solidFill>
+          </a:ln>
+        </p:spPr>
+        <p:style>
+          <a:lnRef idx="1">
+            <a:schemeClr val="accent1"/>
+          </a:lnRef>
+          <a:fillRef idx="0">
+            <a:schemeClr val="accent1"/>
+          </a:fillRef>
+          <a:effectRef idx="0">
+            <a:schemeClr val="accent1"/>
+          </a:effectRef>
+          <a:fontRef idx="minor">
+            <a:schemeClr val="tx1"/>
+          </a:fontRef>
+        </p:style>
+      </p:cxnSp>
+      <p:sp>
+        <p:nvSpPr>
+          <p:cNvPr id="45" name="TextBox 44"/>
+          <p:cNvSpPr txBox="1"/>
+          <p:nvPr/>
+        </p:nvSpPr>
+        <p:spPr>
+          <a:xfrm>
+            <a:off x="3808884" y="2355090"/>
+            <a:ext cx="935115" cy="646331"/>
+          </a:xfrm>
+          <a:prstGeom prst="rect">
+            <a:avLst/>
+          </a:prstGeom>
+          <a:noFill/>
+        </p:spPr>
+        <p:txBody>
+          <a:bodyPr wrap="square" rtlCol="0">
+            <a:spAutoFit/>
+          </a:bodyPr>
+          <a:lstStyle/>
+          <a:p>
+            <a:r>
+              <a:rPr lang="ko-KR" altLang="en-US" dirty="0"/>
+              <a:t>문자열길이</a:t>
+            </a:r>
+          </a:p>
+        </p:txBody>
+      </p:sp>
+      <p:sp>
+        <p:nvSpPr>
+          <p:cNvPr id="46" name="TextBox 45"/>
+          <p:cNvSpPr txBox="1"/>
+          <p:nvPr/>
+        </p:nvSpPr>
+        <p:spPr>
+          <a:xfrm>
+            <a:off x="4697027" y="2327380"/>
+            <a:ext cx="1269507" cy="646331"/>
+          </a:xfrm>
+          <a:prstGeom prst="rect">
+            <a:avLst/>
+          </a:prstGeom>
+          <a:noFill/>
+        </p:spPr>
+        <p:txBody>
+          <a:bodyPr wrap="square" rtlCol="0">
+            <a:spAutoFit/>
+          </a:bodyPr>
+          <a:lstStyle/>
+          <a:p>
+            <a:r>
+              <a:rPr lang="ko-KR" altLang="en-US" dirty="0"/>
+              <a:t>네트워크</a:t>
+            </a:r>
+            <a:endParaRPr lang="en-US" altLang="ko-KR" dirty="0"/>
+          </a:p>
+          <a:p>
+            <a:r>
+              <a:rPr lang="en-US" altLang="ko-KR" dirty="0"/>
+              <a:t>ID</a:t>
+            </a:r>
+            <a:endParaRPr lang="ko-KR" altLang="en-US" dirty="0"/>
+          </a:p>
+        </p:txBody>
+      </p:sp>
+      <p:cxnSp>
+        <p:nvCxnSpPr>
+          <p:cNvPr id="48" name="직선 연결선 47"/>
+          <p:cNvCxnSpPr>
+            <a:cxnSpLocks/>
+          </p:cNvCxnSpPr>
+          <p:nvPr/>
+        </p:nvCxnSpPr>
+        <p:spPr>
+          <a:xfrm>
+            <a:off x="5722395" y="1913699"/>
+            <a:ext cx="0" cy="1473694"/>
+          </a:xfrm>
+          <a:prstGeom prst="line">
+            <a:avLst/>
+          </a:prstGeom>
+          <a:ln w="38100">
+            <a:solidFill>
+              <a:schemeClr val="tx1"/>
+            </a:solidFill>
+          </a:ln>
+        </p:spPr>
+        <p:style>
+          <a:lnRef idx="1">
+            <a:schemeClr val="accent1"/>
+          </a:lnRef>
+          <a:fillRef idx="0">
+            <a:schemeClr val="accent1"/>
+          </a:fillRef>
+          <a:effectRef idx="0">
+            <a:schemeClr val="accent1"/>
+          </a:effectRef>
+          <a:fontRef idx="minor">
+            <a:schemeClr val="tx1"/>
+          </a:fontRef>
+        </p:style>
+      </p:cxnSp>
+      <p:sp>
+        <p:nvSpPr>
+          <p:cNvPr id="53" name="TextBox 52"/>
+          <p:cNvSpPr txBox="1"/>
+          <p:nvPr/>
+        </p:nvSpPr>
+        <p:spPr>
+          <a:xfrm>
+            <a:off x="2862308" y="2284029"/>
+            <a:ext cx="736104" cy="646331"/>
+          </a:xfrm>
+          <a:prstGeom prst="rect">
+            <a:avLst/>
+          </a:prstGeom>
+          <a:noFill/>
+        </p:spPr>
+        <p:txBody>
+          <a:bodyPr wrap="square" rtlCol="0">
+            <a:spAutoFit/>
+          </a:bodyPr>
+          <a:lstStyle/>
+          <a:p>
+            <a:r>
+              <a:rPr lang="ko-KR" altLang="en-US" dirty="0"/>
+              <a:t>전송타입</a:t>
+            </a:r>
+          </a:p>
+        </p:txBody>
+      </p:sp>
+      <p:sp>
+        <p:nvSpPr>
+          <p:cNvPr id="54" name="TextBox 53"/>
+          <p:cNvSpPr txBox="1"/>
+          <p:nvPr/>
+        </p:nvSpPr>
+        <p:spPr>
+          <a:xfrm>
+            <a:off x="9221674" y="2422528"/>
+            <a:ext cx="3082775" cy="369332"/>
+          </a:xfrm>
+          <a:prstGeom prst="rect">
+            <a:avLst/>
+          </a:prstGeom>
+          <a:noFill/>
+        </p:spPr>
+        <p:txBody>
+          <a:bodyPr wrap="square" rtlCol="0">
+            <a:spAutoFit/>
+          </a:bodyPr>
+          <a:lstStyle/>
+          <a:p>
+            <a:r>
+              <a:rPr lang="ko-KR" altLang="en-US" dirty="0"/>
+              <a:t>네트워크</a:t>
+            </a:r>
+            <a:r>
+              <a:rPr lang="en-US" altLang="ko-KR" dirty="0"/>
+              <a:t>ID </a:t>
+            </a:r>
+            <a:r>
+              <a:rPr lang="ko-KR" altLang="en-US" dirty="0"/>
+              <a:t>할당 긍정 응답</a:t>
+            </a:r>
+            <a:endParaRPr lang="en-US" altLang="ko-KR" dirty="0"/>
+          </a:p>
+        </p:txBody>
+      </p:sp>
+      <p:sp>
+        <p:nvSpPr>
+          <p:cNvPr id="70" name="직사각형 69"/>
+          <p:cNvSpPr/>
+          <p:nvPr/>
+        </p:nvSpPr>
+        <p:spPr>
+          <a:xfrm>
+            <a:off x="754600" y="5330971"/>
+            <a:ext cx="7389183" cy="1473694"/>
+          </a:xfrm>
+          <a:prstGeom prst="rect">
+            <a:avLst/>
+          </a:prstGeom>
+        </p:spPr>
+        <p:style>
+          <a:lnRef idx="2">
+            <a:schemeClr val="accent1">
+              <a:shade val="50000"/>
+            </a:schemeClr>
+          </a:lnRef>
+          <a:fillRef idx="1">
+            <a:schemeClr val="accent1"/>
+          </a:fillRef>
+          <a:effectRef idx="0">
+            <a:schemeClr val="accent1"/>
+          </a:effectRef>
+          <a:fontRef idx="minor">
+            <a:schemeClr val="lt1"/>
+          </a:fontRef>
+        </p:style>
+        <p:txBody>
+          <a:bodyPr rtlCol="0" anchor="ctr"/>
+          <a:lstStyle/>
+          <a:p>
+            <a:pPr algn="ctr"/>
+            <a:endParaRPr lang="ko-KR" altLang="en-US"/>
+          </a:p>
+        </p:txBody>
+      </p:sp>
+      <p:cxnSp>
+        <p:nvCxnSpPr>
+          <p:cNvPr id="71" name="직선 연결선 70"/>
+          <p:cNvCxnSpPr>
+            <a:cxnSpLocks/>
+          </p:cNvCxnSpPr>
+          <p:nvPr/>
+        </p:nvCxnSpPr>
+        <p:spPr>
+          <a:xfrm>
+            <a:off x="1535836" y="5330971"/>
+            <a:ext cx="0" cy="1473694"/>
+          </a:xfrm>
+          <a:prstGeom prst="line">
+            <a:avLst/>
+          </a:prstGeom>
+          <a:ln w="38100">
+            <a:solidFill>
+              <a:schemeClr val="tx1"/>
+            </a:solidFill>
+          </a:ln>
+        </p:spPr>
+        <p:style>
+          <a:lnRef idx="1">
+            <a:schemeClr val="accent1"/>
+          </a:lnRef>
+          <a:fillRef idx="0">
+            <a:schemeClr val="accent1"/>
+          </a:fillRef>
+          <a:effectRef idx="0">
+            <a:schemeClr val="accent1"/>
+          </a:effectRef>
+          <a:fontRef idx="minor">
+            <a:schemeClr val="tx1"/>
+          </a:fontRef>
+        </p:style>
+      </p:cxnSp>
+      <p:sp>
+        <p:nvSpPr>
+          <p:cNvPr id="72" name="TextBox 71"/>
+          <p:cNvSpPr txBox="1"/>
+          <p:nvPr/>
+        </p:nvSpPr>
+        <p:spPr>
+          <a:xfrm>
+            <a:off x="843378" y="5615057"/>
+            <a:ext cx="692458" cy="646331"/>
+          </a:xfrm>
+          <a:prstGeom prst="rect">
+            <a:avLst/>
+          </a:prstGeom>
+          <a:noFill/>
+        </p:spPr>
+        <p:txBody>
+          <a:bodyPr wrap="square" rtlCol="0">
+            <a:spAutoFit/>
+          </a:bodyPr>
+          <a:lstStyle/>
+          <a:p>
+            <a:r>
+              <a:rPr lang="ko-KR" altLang="en-US"/>
+              <a:t>패킷크기</a:t>
+            </a:r>
+            <a:endParaRPr lang="ko-KR" altLang="en-US" dirty="0"/>
+          </a:p>
+        </p:txBody>
+      </p:sp>
+      <p:sp>
+        <p:nvSpPr>
+          <p:cNvPr id="73" name="TextBox 72"/>
+          <p:cNvSpPr txBox="1"/>
+          <p:nvPr/>
+        </p:nvSpPr>
+        <p:spPr>
+          <a:xfrm>
+            <a:off x="1535836" y="5615057"/>
+            <a:ext cx="1136341" cy="646331"/>
+          </a:xfrm>
+          <a:prstGeom prst="rect">
+            <a:avLst/>
+          </a:prstGeom>
+          <a:noFill/>
+        </p:spPr>
+        <p:txBody>
+          <a:bodyPr wrap="square" rtlCol="0">
+            <a:spAutoFit/>
+          </a:bodyPr>
+          <a:lstStyle/>
+          <a:p>
+            <a:r>
+              <a:rPr lang="ko-KR" altLang="en-US" dirty="0"/>
+              <a:t>프로토콜 </a:t>
+            </a:r>
+            <a:endParaRPr lang="en-US" altLang="ko-KR" dirty="0"/>
+          </a:p>
+          <a:p>
+            <a:r>
+              <a:rPr lang="ko-KR" altLang="en-US" dirty="0"/>
+              <a:t>타입</a:t>
+            </a:r>
+          </a:p>
+        </p:txBody>
+      </p:sp>
+      <p:cxnSp>
+        <p:nvCxnSpPr>
+          <p:cNvPr id="74" name="직선 연결선 73"/>
+          <p:cNvCxnSpPr>
+            <a:cxnSpLocks/>
+          </p:cNvCxnSpPr>
+          <p:nvPr/>
+        </p:nvCxnSpPr>
+        <p:spPr>
+          <a:xfrm>
+            <a:off x="2672177" y="5330971"/>
+            <a:ext cx="0" cy="1473694"/>
+          </a:xfrm>
+          <a:prstGeom prst="line">
+            <a:avLst/>
+          </a:prstGeom>
+          <a:ln w="38100">
+            <a:solidFill>
+              <a:schemeClr val="tx1"/>
+            </a:solidFill>
+          </a:ln>
+        </p:spPr>
+        <p:style>
+          <a:lnRef idx="1">
+            <a:schemeClr val="accent1"/>
+          </a:lnRef>
+          <a:fillRef idx="0">
+            <a:schemeClr val="accent1"/>
+          </a:fillRef>
+          <a:effectRef idx="0">
+            <a:schemeClr val="accent1"/>
+          </a:effectRef>
+          <a:fontRef idx="minor">
+            <a:schemeClr val="tx1"/>
+          </a:fontRef>
+        </p:style>
+      </p:cxnSp>
+      <p:cxnSp>
+        <p:nvCxnSpPr>
+          <p:cNvPr id="75" name="직선 연결선 74"/>
+          <p:cNvCxnSpPr>
+            <a:cxnSpLocks/>
+          </p:cNvCxnSpPr>
+          <p:nvPr/>
+        </p:nvCxnSpPr>
+        <p:spPr>
+          <a:xfrm>
+            <a:off x="3703466" y="5336020"/>
+            <a:ext cx="0" cy="1473694"/>
+          </a:xfrm>
+          <a:prstGeom prst="line">
+            <a:avLst/>
+          </a:prstGeom>
+          <a:ln w="38100">
+            <a:solidFill>
+              <a:schemeClr val="tx1"/>
+            </a:solidFill>
+          </a:ln>
+        </p:spPr>
+        <p:style>
+          <a:lnRef idx="1">
+            <a:schemeClr val="accent1"/>
+          </a:lnRef>
+          <a:fillRef idx="0">
+            <a:schemeClr val="accent1"/>
+          </a:fillRef>
+          <a:effectRef idx="0">
+            <a:schemeClr val="accent1"/>
+          </a:effectRef>
+          <a:fontRef idx="minor">
+            <a:schemeClr val="tx1"/>
+          </a:fontRef>
+        </p:style>
+      </p:cxnSp>
+      <p:cxnSp>
+        <p:nvCxnSpPr>
+          <p:cNvPr id="76" name="직선 연결선 75"/>
+          <p:cNvCxnSpPr>
+            <a:cxnSpLocks/>
+          </p:cNvCxnSpPr>
+          <p:nvPr/>
+        </p:nvCxnSpPr>
+        <p:spPr>
+          <a:xfrm>
+            <a:off x="4743633" y="5326883"/>
+            <a:ext cx="0" cy="1473694"/>
+          </a:xfrm>
+          <a:prstGeom prst="line">
+            <a:avLst/>
+          </a:prstGeom>
+          <a:ln w="38100">
+            <a:solidFill>
+              <a:schemeClr val="tx1"/>
+            </a:solidFill>
+          </a:ln>
+        </p:spPr>
+        <p:style>
+          <a:lnRef idx="1">
+            <a:schemeClr val="accent1"/>
+          </a:lnRef>
+          <a:fillRef idx="0">
+            <a:schemeClr val="accent1"/>
+          </a:fillRef>
+          <a:effectRef idx="0">
+            <a:schemeClr val="accent1"/>
+          </a:effectRef>
+          <a:fontRef idx="minor">
+            <a:schemeClr val="tx1"/>
+          </a:fontRef>
+        </p:style>
+      </p:cxnSp>
+      <p:sp>
+        <p:nvSpPr>
+          <p:cNvPr id="77" name="TextBox 76"/>
+          <p:cNvSpPr txBox="1"/>
+          <p:nvPr/>
+        </p:nvSpPr>
+        <p:spPr>
+          <a:xfrm>
+            <a:off x="3902474" y="5766762"/>
+            <a:ext cx="935115" cy="646331"/>
+          </a:xfrm>
+          <a:prstGeom prst="rect">
+            <a:avLst/>
+          </a:prstGeom>
+          <a:noFill/>
+        </p:spPr>
+        <p:txBody>
+          <a:bodyPr wrap="square" rtlCol="0">
+            <a:spAutoFit/>
+          </a:bodyPr>
+          <a:lstStyle/>
+          <a:p>
+            <a:r>
+              <a:rPr lang="ko-KR" altLang="en-US" dirty="0"/>
+              <a:t>문자열길이</a:t>
+            </a:r>
+          </a:p>
+        </p:txBody>
+      </p:sp>
+      <p:sp>
+        <p:nvSpPr>
+          <p:cNvPr id="78" name="TextBox 77"/>
+          <p:cNvSpPr txBox="1"/>
+          <p:nvPr/>
+        </p:nvSpPr>
+        <p:spPr>
+          <a:xfrm>
+            <a:off x="4691105" y="5761162"/>
+            <a:ext cx="1269507" cy="646331"/>
+          </a:xfrm>
+          <a:prstGeom prst="rect">
+            <a:avLst/>
+          </a:prstGeom>
+          <a:noFill/>
+        </p:spPr>
+        <p:txBody>
+          <a:bodyPr wrap="square" rtlCol="0">
+            <a:spAutoFit/>
+          </a:bodyPr>
+          <a:lstStyle/>
+          <a:p>
+            <a:r>
+              <a:rPr lang="ko-KR" altLang="en-US" dirty="0"/>
+              <a:t>네트워크</a:t>
+            </a:r>
+            <a:endParaRPr lang="en-US" altLang="ko-KR" dirty="0"/>
+          </a:p>
+          <a:p>
+            <a:r>
+              <a:rPr lang="en-US" altLang="ko-KR" dirty="0"/>
+              <a:t>ID</a:t>
+            </a:r>
+            <a:endParaRPr lang="ko-KR" altLang="en-US" dirty="0"/>
+          </a:p>
+        </p:txBody>
+      </p:sp>
+      <p:cxnSp>
+        <p:nvCxnSpPr>
+          <p:cNvPr id="79" name="직선 연결선 78"/>
+          <p:cNvCxnSpPr>
+            <a:cxnSpLocks/>
+          </p:cNvCxnSpPr>
+          <p:nvPr/>
+        </p:nvCxnSpPr>
+        <p:spPr>
+          <a:xfrm>
+            <a:off x="5722395" y="5325371"/>
+            <a:ext cx="0" cy="1473694"/>
+          </a:xfrm>
+          <a:prstGeom prst="line">
+            <a:avLst/>
+          </a:prstGeom>
+          <a:ln w="38100">
+            <a:solidFill>
+              <a:schemeClr val="tx1"/>
+            </a:solidFill>
+          </a:ln>
+        </p:spPr>
+        <p:style>
+          <a:lnRef idx="1">
+            <a:schemeClr val="accent1"/>
+          </a:lnRef>
+          <a:fillRef idx="0">
+            <a:schemeClr val="accent1"/>
+          </a:fillRef>
+          <a:effectRef idx="0">
+            <a:schemeClr val="accent1"/>
+          </a:effectRef>
+          <a:fontRef idx="minor">
+            <a:schemeClr val="tx1"/>
+          </a:fontRef>
+        </p:style>
+      </p:cxnSp>
+      <p:cxnSp>
+        <p:nvCxnSpPr>
+          <p:cNvPr id="80" name="직선 연결선 79"/>
+          <p:cNvCxnSpPr>
+            <a:cxnSpLocks/>
+          </p:cNvCxnSpPr>
+          <p:nvPr/>
+        </p:nvCxnSpPr>
+        <p:spPr>
+          <a:xfrm>
+            <a:off x="6762562" y="5316234"/>
+            <a:ext cx="0" cy="1473694"/>
+          </a:xfrm>
+          <a:prstGeom prst="line">
+            <a:avLst/>
+          </a:prstGeom>
+          <a:ln w="38100">
+            <a:solidFill>
+              <a:schemeClr val="tx1"/>
+            </a:solidFill>
+          </a:ln>
+        </p:spPr>
+        <p:style>
+          <a:lnRef idx="1">
+            <a:schemeClr val="accent1"/>
+          </a:lnRef>
+          <a:fillRef idx="0">
+            <a:schemeClr val="accent1"/>
+          </a:fillRef>
+          <a:effectRef idx="0">
+            <a:schemeClr val="accent1"/>
+          </a:effectRef>
+          <a:fontRef idx="minor">
+            <a:schemeClr val="tx1"/>
+          </a:fontRef>
+        </p:style>
+      </p:cxnSp>
+      <p:sp>
+        <p:nvSpPr>
+          <p:cNvPr id="81" name="TextBox 80"/>
+          <p:cNvSpPr txBox="1"/>
+          <p:nvPr/>
+        </p:nvSpPr>
+        <p:spPr>
+          <a:xfrm>
+            <a:off x="5877014" y="5766762"/>
+            <a:ext cx="935115" cy="646331"/>
+          </a:xfrm>
+          <a:prstGeom prst="rect">
+            <a:avLst/>
+          </a:prstGeom>
+          <a:noFill/>
+        </p:spPr>
+        <p:txBody>
+          <a:bodyPr wrap="square" rtlCol="0">
+            <a:spAutoFit/>
+          </a:bodyPr>
+          <a:lstStyle/>
+          <a:p>
+            <a:r>
+              <a:rPr lang="ko-KR" altLang="en-US" dirty="0"/>
+              <a:t>문자열길이</a:t>
+            </a:r>
+          </a:p>
+        </p:txBody>
+      </p:sp>
+      <p:sp>
+        <p:nvSpPr>
+          <p:cNvPr id="82" name="TextBox 81"/>
+          <p:cNvSpPr txBox="1"/>
+          <p:nvPr/>
+        </p:nvSpPr>
+        <p:spPr>
+          <a:xfrm>
+            <a:off x="6874276" y="5878913"/>
+            <a:ext cx="1269507" cy="369332"/>
+          </a:xfrm>
+          <a:prstGeom prst="rect">
+            <a:avLst/>
+          </a:prstGeom>
+          <a:noFill/>
+        </p:spPr>
+        <p:txBody>
+          <a:bodyPr wrap="square" rtlCol="0">
+            <a:spAutoFit/>
+          </a:bodyPr>
+          <a:lstStyle/>
+          <a:p>
+            <a:r>
+              <a:rPr lang="ko-KR" altLang="en-US" dirty="0"/>
+              <a:t>객체 </a:t>
+            </a:r>
+            <a:r>
+              <a:rPr lang="en-US" altLang="ko-KR" dirty="0"/>
+              <a:t>tag</a:t>
+            </a:r>
+            <a:endParaRPr lang="ko-KR" altLang="en-US" dirty="0"/>
+          </a:p>
+        </p:txBody>
+      </p:sp>
+      <p:cxnSp>
+        <p:nvCxnSpPr>
+          <p:cNvPr id="83" name="직선 연결선 82"/>
+          <p:cNvCxnSpPr>
+            <a:cxnSpLocks/>
+          </p:cNvCxnSpPr>
+          <p:nvPr/>
+        </p:nvCxnSpPr>
+        <p:spPr>
+          <a:xfrm>
+            <a:off x="8113448" y="5336020"/>
+            <a:ext cx="0" cy="1473694"/>
+          </a:xfrm>
+          <a:prstGeom prst="line">
+            <a:avLst/>
+          </a:prstGeom>
+          <a:ln w="38100">
+            <a:solidFill>
+              <a:schemeClr val="tx1"/>
+            </a:solidFill>
+          </a:ln>
+        </p:spPr>
+        <p:style>
+          <a:lnRef idx="1">
+            <a:schemeClr val="accent1"/>
+          </a:lnRef>
+          <a:fillRef idx="0">
+            <a:schemeClr val="accent1"/>
+          </a:fillRef>
+          <a:effectRef idx="0">
+            <a:schemeClr val="accent1"/>
+          </a:effectRef>
+          <a:fontRef idx="minor">
+            <a:schemeClr val="tx1"/>
+          </a:fontRef>
+        </p:style>
+      </p:cxnSp>
+      <p:sp>
+        <p:nvSpPr>
+          <p:cNvPr id="84" name="TextBox 83"/>
+          <p:cNvSpPr txBox="1"/>
+          <p:nvPr/>
+        </p:nvSpPr>
+        <p:spPr>
+          <a:xfrm>
+            <a:off x="2862308" y="5695701"/>
+            <a:ext cx="736104" cy="646331"/>
+          </a:xfrm>
+          <a:prstGeom prst="rect">
+            <a:avLst/>
+          </a:prstGeom>
+          <a:noFill/>
+        </p:spPr>
+        <p:txBody>
+          <a:bodyPr wrap="square" rtlCol="0">
+            <a:spAutoFit/>
+          </a:bodyPr>
+          <a:lstStyle/>
+          <a:p>
+            <a:r>
+              <a:rPr lang="ko-KR" altLang="en-US" dirty="0"/>
+              <a:t>전송타입</a:t>
+            </a:r>
+          </a:p>
+        </p:txBody>
+      </p:sp>
+      <p:sp>
+        <p:nvSpPr>
+          <p:cNvPr id="85" name="TextBox 84"/>
+          <p:cNvSpPr txBox="1"/>
+          <p:nvPr/>
+        </p:nvSpPr>
+        <p:spPr>
+          <a:xfrm>
+            <a:off x="9314891" y="5888201"/>
+            <a:ext cx="2574524" cy="369332"/>
+          </a:xfrm>
+          <a:prstGeom prst="rect">
+            <a:avLst/>
+          </a:prstGeom>
+          <a:noFill/>
+        </p:spPr>
+        <p:txBody>
+          <a:bodyPr wrap="square" rtlCol="0">
+            <a:spAutoFit/>
+          </a:bodyPr>
+          <a:lstStyle/>
+          <a:p>
+            <a:r>
+              <a:rPr lang="ko-KR" altLang="en-US" dirty="0"/>
+              <a:t>객체생성</a:t>
+            </a:r>
+            <a:r>
+              <a:rPr lang="en-US" altLang="ko-KR" dirty="0"/>
+              <a:t> </a:t>
+            </a:r>
+            <a:r>
+              <a:rPr lang="ko-KR" altLang="en-US" dirty="0"/>
+              <a:t>긍정 응답</a:t>
+            </a:r>
+            <a:endParaRPr lang="en-US" altLang="ko-KR" dirty="0"/>
+          </a:p>
+        </p:txBody>
+      </p:sp>
+    </p:spTree>
+    <p:extLst>
+      <p:ext uri="{BB962C8B-B14F-4D97-AF65-F5344CB8AC3E}">
+        <p14:creationId xmlns:p14="http://schemas.microsoft.com/office/powerpoint/2010/main" val="3634187241"/>
+      </p:ext>
+    </p:extLst>
+  </p:cSld>
+  <p:clrMapOvr>
+    <a:masterClrMapping/>
+  </p:clrMapOvr>
+</p:sld>
+</file>
+
+<file path=ppt/slides/slide7.xml><?xml version="1.0" encoding="utf-8"?>
+<p:sld xmlns:a="http://schemas.openxmlformats.org/drawingml/2006/main" xmlns:r="http://schemas.openxmlformats.org/officeDocument/2006/relationships" xmlns:p="http://schemas.openxmlformats.org/presentationml/2006/main">
+  <p:cSld>
+    <p:spTree>
+      <p:nvGrpSpPr>
+        <p:cNvPr id="1" name=""/>
+        <p:cNvGrpSpPr/>
+        <p:nvPr/>
+      </p:nvGrpSpPr>
+      <p:grpSpPr>
+        <a:xfrm>
+          <a:off x="0" y="0"/>
+          <a:ext cx="0" cy="0"/>
+          <a:chOff x="0" y="0"/>
+          <a:chExt cx="0" cy="0"/>
+        </a:xfrm>
+      </p:grpSpPr>
+      <p:sp>
+        <p:nvSpPr>
+          <p:cNvPr id="4" name="TextBox 3"/>
+          <p:cNvSpPr txBox="1"/>
+          <p:nvPr/>
+        </p:nvSpPr>
+        <p:spPr>
+          <a:xfrm>
+            <a:off x="606272" y="159773"/>
+            <a:ext cx="4660776" cy="369332"/>
+          </a:xfrm>
+          <a:prstGeom prst="rect">
+            <a:avLst/>
+          </a:prstGeom>
+          <a:noFill/>
+        </p:spPr>
+        <p:txBody>
+          <a:bodyPr wrap="square" rtlCol="0">
+            <a:spAutoFit/>
+          </a:bodyPr>
+          <a:lstStyle/>
+          <a:p>
+            <a:r>
+              <a:rPr lang="ko-KR" altLang="en-US"/>
+              <a:t>객체 생성시 상황</a:t>
+            </a:r>
+          </a:p>
+        </p:txBody>
+      </p:sp>
+      <p:sp>
+        <p:nvSpPr>
+          <p:cNvPr id="5" name="TextBox 4"/>
+          <p:cNvSpPr txBox="1"/>
+          <p:nvPr/>
+        </p:nvSpPr>
+        <p:spPr>
+          <a:xfrm>
+            <a:off x="1411549" y="6331205"/>
+            <a:ext cx="2272684" cy="369332"/>
+          </a:xfrm>
+          <a:prstGeom prst="rect">
+            <a:avLst/>
+          </a:prstGeom>
+          <a:noFill/>
+        </p:spPr>
+        <p:txBody>
+          <a:bodyPr wrap="square" rtlCol="0">
+            <a:spAutoFit/>
+          </a:bodyPr>
+          <a:lstStyle/>
+          <a:p>
+            <a:r>
+              <a:rPr lang="ko-KR" altLang="en-US" dirty="0" err="1"/>
+              <a:t>클라</a:t>
+            </a:r>
+            <a:endParaRPr lang="ko-KR" altLang="en-US" dirty="0"/>
+          </a:p>
+        </p:txBody>
+      </p:sp>
+      <p:sp>
+        <p:nvSpPr>
+          <p:cNvPr id="6" name="TextBox 5"/>
+          <p:cNvSpPr txBox="1"/>
+          <p:nvPr/>
+        </p:nvSpPr>
+        <p:spPr>
+          <a:xfrm>
+            <a:off x="7769440" y="6137271"/>
+            <a:ext cx="2272684" cy="369332"/>
+          </a:xfrm>
+          <a:prstGeom prst="rect">
+            <a:avLst/>
+          </a:prstGeom>
+          <a:noFill/>
+        </p:spPr>
+        <p:txBody>
+          <a:bodyPr wrap="square" rtlCol="0">
+            <a:spAutoFit/>
+          </a:bodyPr>
+          <a:lstStyle/>
+          <a:p>
+            <a:r>
+              <a:rPr lang="ko-KR" altLang="en-US" dirty="0"/>
+              <a:t>서버</a:t>
+            </a:r>
+          </a:p>
+        </p:txBody>
+      </p:sp>
+      <p:cxnSp>
+        <p:nvCxnSpPr>
+          <p:cNvPr id="8" name="직선 연결선 7"/>
+          <p:cNvCxnSpPr>
+            <a:cxnSpLocks/>
+          </p:cNvCxnSpPr>
+          <p:nvPr/>
+        </p:nvCxnSpPr>
+        <p:spPr>
+          <a:xfrm>
+            <a:off x="3284738" y="1287262"/>
+            <a:ext cx="0" cy="5413275"/>
+          </a:xfrm>
+          <a:prstGeom prst="line">
+            <a:avLst/>
+          </a:prstGeom>
+        </p:spPr>
+        <p:style>
+          <a:lnRef idx="1">
+            <a:schemeClr val="accent1"/>
+          </a:lnRef>
+          <a:fillRef idx="0">
+            <a:schemeClr val="accent1"/>
+          </a:fillRef>
+          <a:effectRef idx="0">
+            <a:schemeClr val="accent1"/>
+          </a:effectRef>
+          <a:fontRef idx="minor">
+            <a:schemeClr val="tx1"/>
+          </a:fontRef>
+        </p:style>
+      </p:cxnSp>
+      <p:cxnSp>
+        <p:nvCxnSpPr>
+          <p:cNvPr id="10" name="직선 연결선 9"/>
+          <p:cNvCxnSpPr>
+            <a:cxnSpLocks/>
+          </p:cNvCxnSpPr>
+          <p:nvPr/>
+        </p:nvCxnSpPr>
+        <p:spPr>
+          <a:xfrm>
+            <a:off x="6997084" y="1199965"/>
+            <a:ext cx="0" cy="5402603"/>
+          </a:xfrm>
+          <a:prstGeom prst="line">
+            <a:avLst/>
+          </a:prstGeom>
+        </p:spPr>
+        <p:style>
+          <a:lnRef idx="1">
+            <a:schemeClr val="accent1"/>
+          </a:lnRef>
+          <a:fillRef idx="0">
+            <a:schemeClr val="accent1"/>
+          </a:fillRef>
+          <a:effectRef idx="0">
+            <a:schemeClr val="accent1"/>
+          </a:effectRef>
+          <a:fontRef idx="minor">
+            <a:schemeClr val="tx1"/>
+          </a:fontRef>
+        </p:style>
+      </p:cxnSp>
+      <p:cxnSp>
+        <p:nvCxnSpPr>
+          <p:cNvPr id="12" name="직선 화살표 연결선 11"/>
+          <p:cNvCxnSpPr>
+            <a:cxnSpLocks/>
+          </p:cNvCxnSpPr>
+          <p:nvPr/>
+        </p:nvCxnSpPr>
+        <p:spPr>
+          <a:xfrm>
+            <a:off x="3373515" y="1287262"/>
+            <a:ext cx="3497802" cy="461665"/>
+          </a:xfrm>
+          <a:prstGeom prst="straightConnector1">
+            <a:avLst/>
+          </a:prstGeom>
+          <a:ln>
+            <a:tailEnd type="triangle"/>
+          </a:ln>
+        </p:spPr>
+        <p:style>
+          <a:lnRef idx="1">
+            <a:schemeClr val="accent1"/>
+          </a:lnRef>
+          <a:fillRef idx="0">
+            <a:schemeClr val="accent1"/>
+          </a:fillRef>
+          <a:effectRef idx="0">
+            <a:schemeClr val="accent1"/>
+          </a:effectRef>
+          <a:fontRef idx="minor">
+            <a:schemeClr val="tx1"/>
+          </a:fontRef>
+        </p:style>
+      </p:cxnSp>
+      <p:sp>
+        <p:nvSpPr>
+          <p:cNvPr id="13" name="TextBox 12"/>
+          <p:cNvSpPr txBox="1"/>
+          <p:nvPr/>
+        </p:nvSpPr>
+        <p:spPr>
+          <a:xfrm>
+            <a:off x="4305670" y="893115"/>
+            <a:ext cx="2246051" cy="646331"/>
+          </a:xfrm>
+          <a:prstGeom prst="rect">
+            <a:avLst/>
+          </a:prstGeom>
+          <a:noFill/>
+        </p:spPr>
+        <p:txBody>
+          <a:bodyPr wrap="square" rtlCol="0">
+            <a:spAutoFit/>
+          </a:bodyPr>
+          <a:lstStyle/>
+          <a:p>
+            <a:r>
+              <a:rPr lang="ko-KR" altLang="en-US" dirty="0"/>
+              <a:t>객체 고유 식별번호 부여 요청</a:t>
+            </a:r>
+          </a:p>
+        </p:txBody>
+      </p:sp>
+      <p:cxnSp>
+        <p:nvCxnSpPr>
+          <p:cNvPr id="16" name="직선 화살표 연결선 15"/>
+          <p:cNvCxnSpPr/>
+          <p:nvPr/>
+        </p:nvCxnSpPr>
+        <p:spPr>
+          <a:xfrm flipH="1">
+            <a:off x="3444536" y="2095130"/>
+            <a:ext cx="3426781" cy="452761"/>
+          </a:xfrm>
+          <a:prstGeom prst="straightConnector1">
+            <a:avLst/>
+          </a:prstGeom>
+          <a:ln>
+            <a:tailEnd type="triangle"/>
+          </a:ln>
+        </p:spPr>
+        <p:style>
+          <a:lnRef idx="1">
+            <a:schemeClr val="accent1"/>
+          </a:lnRef>
+          <a:fillRef idx="0">
+            <a:schemeClr val="accent1"/>
+          </a:fillRef>
+          <a:effectRef idx="0">
+            <a:schemeClr val="accent1"/>
+          </a:effectRef>
+          <a:fontRef idx="minor">
+            <a:schemeClr val="tx1"/>
+          </a:fontRef>
+        </p:style>
+      </p:cxnSp>
+      <p:sp>
+        <p:nvSpPr>
+          <p:cNvPr id="17" name="TextBox 16"/>
+          <p:cNvSpPr txBox="1"/>
+          <p:nvPr/>
+        </p:nvSpPr>
+        <p:spPr>
+          <a:xfrm>
+            <a:off x="4390748" y="1797754"/>
+            <a:ext cx="1752600" cy="369332"/>
+          </a:xfrm>
+          <a:prstGeom prst="rect">
+            <a:avLst/>
+          </a:prstGeom>
+          <a:noFill/>
+        </p:spPr>
+        <p:txBody>
+          <a:bodyPr wrap="square" rtlCol="0">
+            <a:spAutoFit/>
+          </a:bodyPr>
+          <a:lstStyle/>
+          <a:p>
+            <a:r>
+              <a:rPr lang="ko-KR" altLang="en-US" dirty="0"/>
+              <a:t>식별번호 부여</a:t>
+            </a:r>
+          </a:p>
+        </p:txBody>
+      </p:sp>
+      <p:cxnSp>
+        <p:nvCxnSpPr>
+          <p:cNvPr id="19" name="직선 화살표 연결선 18"/>
+          <p:cNvCxnSpPr/>
+          <p:nvPr/>
+        </p:nvCxnSpPr>
+        <p:spPr>
+          <a:xfrm>
+            <a:off x="3586579" y="3394931"/>
+            <a:ext cx="3071674" cy="390618"/>
+          </a:xfrm>
+          <a:prstGeom prst="straightConnector1">
+            <a:avLst/>
+          </a:prstGeom>
+          <a:ln>
+            <a:tailEnd type="triangle"/>
+          </a:ln>
+        </p:spPr>
+        <p:style>
+          <a:lnRef idx="1">
+            <a:schemeClr val="accent1"/>
+          </a:lnRef>
+          <a:fillRef idx="0">
+            <a:schemeClr val="accent1"/>
+          </a:fillRef>
+          <a:effectRef idx="0">
+            <a:schemeClr val="accent1"/>
+          </a:effectRef>
+          <a:fontRef idx="minor">
+            <a:schemeClr val="tx1"/>
+          </a:fontRef>
+        </p:style>
+      </p:cxnSp>
+      <p:sp>
+        <p:nvSpPr>
+          <p:cNvPr id="20" name="TextBox 19"/>
+          <p:cNvSpPr txBox="1"/>
+          <p:nvPr/>
+        </p:nvSpPr>
+        <p:spPr>
+          <a:xfrm>
+            <a:off x="4813179" y="2666910"/>
+            <a:ext cx="1740023" cy="923330"/>
+          </a:xfrm>
+          <a:prstGeom prst="rect">
+            <a:avLst/>
+          </a:prstGeom>
+          <a:noFill/>
+        </p:spPr>
+        <p:txBody>
+          <a:bodyPr wrap="square" rtlCol="0">
+            <a:spAutoFit/>
+          </a:bodyPr>
+          <a:lstStyle/>
+          <a:p>
+            <a:r>
+              <a:rPr lang="ko-KR" altLang="en-US" dirty="0"/>
+              <a:t>받은 식별번호와 대응될 </a:t>
+            </a:r>
+            <a:endParaRPr lang="en-US" altLang="ko-KR" dirty="0"/>
+          </a:p>
+          <a:p>
+            <a:r>
+              <a:rPr lang="ko-KR" altLang="en-US" dirty="0"/>
+              <a:t>객체생성 요청</a:t>
+            </a:r>
+          </a:p>
+        </p:txBody>
+      </p:sp>
+      <p:cxnSp>
+        <p:nvCxnSpPr>
+          <p:cNvPr id="22" name="직선 화살표 연결선 21"/>
+          <p:cNvCxnSpPr/>
+          <p:nvPr/>
+        </p:nvCxnSpPr>
+        <p:spPr>
+          <a:xfrm flipH="1">
+            <a:off x="3605075" y="6105418"/>
+            <a:ext cx="3169328" cy="497150"/>
+          </a:xfrm>
+          <a:prstGeom prst="straightConnector1">
+            <a:avLst/>
+          </a:prstGeom>
+          <a:ln>
+            <a:tailEnd type="triangle"/>
+          </a:ln>
+        </p:spPr>
+        <p:style>
+          <a:lnRef idx="1">
+            <a:schemeClr val="accent1"/>
+          </a:lnRef>
+          <a:fillRef idx="0">
+            <a:schemeClr val="accent1"/>
+          </a:fillRef>
+          <a:effectRef idx="0">
+            <a:schemeClr val="accent1"/>
+          </a:effectRef>
+          <a:fontRef idx="minor">
+            <a:schemeClr val="tx1"/>
+          </a:fontRef>
+        </p:style>
+      </p:cxnSp>
+      <p:sp>
+        <p:nvSpPr>
+          <p:cNvPr id="23" name="TextBox 22"/>
+          <p:cNvSpPr txBox="1"/>
+          <p:nvPr/>
+        </p:nvSpPr>
+        <p:spPr>
+          <a:xfrm>
+            <a:off x="7304839" y="3925357"/>
+            <a:ext cx="3034681" cy="923330"/>
+          </a:xfrm>
+          <a:prstGeom prst="rect">
+            <a:avLst/>
+          </a:prstGeom>
+          <a:noFill/>
+        </p:spPr>
+        <p:txBody>
+          <a:bodyPr wrap="square" rtlCol="0">
+            <a:spAutoFit/>
+          </a:bodyPr>
+          <a:lstStyle/>
+          <a:p>
+            <a:r>
+              <a:rPr lang="ko-KR" altLang="en-US" dirty="0"/>
+              <a:t>서버의 </a:t>
+            </a:r>
+            <a:r>
+              <a:rPr lang="en-US" altLang="ko-KR" dirty="0" err="1"/>
+              <a:t>GameObject</a:t>
+            </a:r>
+            <a:r>
+              <a:rPr lang="ko-KR" altLang="en-US" dirty="0"/>
+              <a:t>리스트에 해당 식별번호와 객체를 대응시켜 저장</a:t>
+            </a:r>
+          </a:p>
+        </p:txBody>
+      </p:sp>
+      <p:cxnSp>
+        <p:nvCxnSpPr>
+          <p:cNvPr id="27" name="직선 연결선 26"/>
+          <p:cNvCxnSpPr>
+            <a:cxnSpLocks/>
+          </p:cNvCxnSpPr>
+          <p:nvPr/>
+        </p:nvCxnSpPr>
+        <p:spPr>
+          <a:xfrm>
+            <a:off x="1731146" y="3925357"/>
+            <a:ext cx="8504807" cy="0"/>
+          </a:xfrm>
+          <a:prstGeom prst="line">
+            <a:avLst/>
+          </a:prstGeom>
+          <a:ln>
+            <a:prstDash val="lgDash"/>
+          </a:ln>
+        </p:spPr>
+        <p:style>
+          <a:lnRef idx="1">
+            <a:schemeClr val="accent1"/>
+          </a:lnRef>
+          <a:fillRef idx="0">
+            <a:schemeClr val="accent1"/>
+          </a:fillRef>
+          <a:effectRef idx="0">
+            <a:schemeClr val="accent1"/>
+          </a:effectRef>
+          <a:fontRef idx="minor">
+            <a:schemeClr val="tx1"/>
+          </a:fontRef>
+        </p:style>
+      </p:cxnSp>
+      <p:cxnSp>
+        <p:nvCxnSpPr>
+          <p:cNvPr id="29" name="직선 연결선 28"/>
+          <p:cNvCxnSpPr>
+            <a:cxnSpLocks/>
+          </p:cNvCxnSpPr>
+          <p:nvPr/>
+        </p:nvCxnSpPr>
+        <p:spPr>
+          <a:xfrm>
+            <a:off x="1731145" y="4848687"/>
+            <a:ext cx="8504807" cy="0"/>
+          </a:xfrm>
+          <a:prstGeom prst="line">
+            <a:avLst/>
+          </a:prstGeom>
+          <a:ln>
+            <a:prstDash val="lgDash"/>
+          </a:ln>
+        </p:spPr>
+        <p:style>
+          <a:lnRef idx="1">
+            <a:schemeClr val="accent1"/>
+          </a:lnRef>
+          <a:fillRef idx="0">
+            <a:schemeClr val="accent1"/>
+          </a:fillRef>
+          <a:effectRef idx="0">
+            <a:schemeClr val="accent1"/>
+          </a:effectRef>
+          <a:fontRef idx="minor">
+            <a:schemeClr val="tx1"/>
+          </a:fontRef>
+        </p:style>
+      </p:cxnSp>
+      <p:sp>
+        <p:nvSpPr>
+          <p:cNvPr id="30" name="TextBox 29"/>
+          <p:cNvSpPr txBox="1"/>
+          <p:nvPr/>
+        </p:nvSpPr>
+        <p:spPr>
+          <a:xfrm>
+            <a:off x="4305670" y="4935984"/>
+            <a:ext cx="2383660" cy="1200329"/>
+          </a:xfrm>
+          <a:prstGeom prst="rect">
+            <a:avLst/>
+          </a:prstGeom>
+          <a:noFill/>
+        </p:spPr>
+        <p:txBody>
+          <a:bodyPr wrap="square" rtlCol="0">
+            <a:spAutoFit/>
+          </a:bodyPr>
+          <a:lstStyle/>
+          <a:p>
+            <a:r>
+              <a:rPr lang="ko-KR" altLang="en-US" dirty="0"/>
+              <a:t>모든 클라이언트에게 </a:t>
+            </a:r>
+            <a:r>
+              <a:rPr lang="ko-KR" altLang="en-US" dirty="0" err="1"/>
+              <a:t>생성되어야할</a:t>
+            </a:r>
+            <a:r>
+              <a:rPr lang="ko-KR" altLang="en-US" dirty="0"/>
+              <a:t> 객체의 식별번호와 객체의 </a:t>
+            </a:r>
+            <a:r>
+              <a:rPr lang="en-US" altLang="ko-KR" dirty="0"/>
+              <a:t>tag </a:t>
+            </a:r>
+            <a:r>
+              <a:rPr lang="ko-KR" altLang="en-US" dirty="0" err="1"/>
+              <a:t>브로드캐스팅</a:t>
+            </a:r>
+            <a:r>
+              <a:rPr lang="ko-KR" altLang="en-US" dirty="0"/>
+              <a:t> </a:t>
+            </a:r>
+          </a:p>
+        </p:txBody>
+      </p:sp>
+    </p:spTree>
+    <p:extLst>
+      <p:ext uri="{BB962C8B-B14F-4D97-AF65-F5344CB8AC3E}">
+        <p14:creationId xmlns:p14="http://schemas.microsoft.com/office/powerpoint/2010/main" val="245786694"/>
+      </p:ext>
+    </p:extLst>
+  </p:cSld>
+  <p:clrMapOvr>
+    <a:masterClrMapping/>
+  </p:clrMapOvr>
+</p:sld>
+</file>
+
+<file path=ppt/slides/slide8.xml><?xml version="1.0" encoding="utf-8"?>
+<p:sld xmlns:a="http://schemas.openxmlformats.org/drawingml/2006/main" xmlns:r="http://schemas.openxmlformats.org/officeDocument/2006/relationships" xmlns:p="http://schemas.openxmlformats.org/presentationml/2006/main">
+  <p:cSld>
+    <p:spTree>
+      <p:nvGrpSpPr>
+        <p:cNvPr id="1" name=""/>
+        <p:cNvGrpSpPr/>
+        <p:nvPr/>
+      </p:nvGrpSpPr>
+      <p:grpSpPr>
+        <a:xfrm>
+          <a:off x="0" y="0"/>
+          <a:ext cx="0" cy="0"/>
+          <a:chOff x="0" y="0"/>
+          <a:chExt cx="0" cy="0"/>
+        </a:xfrm>
+      </p:grpSpPr>
+      <p:sp>
+        <p:nvSpPr>
+          <p:cNvPr id="4" name="TextBox 3"/>
+          <p:cNvSpPr txBox="1"/>
+          <p:nvPr/>
+        </p:nvSpPr>
+        <p:spPr>
+          <a:xfrm>
+            <a:off x="630315" y="310718"/>
+            <a:ext cx="3515557" cy="369332"/>
+          </a:xfrm>
+          <a:prstGeom prst="rect">
+            <a:avLst/>
+          </a:prstGeom>
+          <a:noFill/>
+        </p:spPr>
+        <p:txBody>
+          <a:bodyPr wrap="square" rtlCol="0">
+            <a:spAutoFit/>
+          </a:bodyPr>
+          <a:lstStyle/>
+          <a:p>
+            <a:r>
+              <a:rPr lang="ko-KR" altLang="en-US" dirty="0"/>
+              <a:t>위치 동기화시 상황</a:t>
+            </a:r>
+          </a:p>
+        </p:txBody>
+      </p:sp>
+      <p:sp>
+        <p:nvSpPr>
+          <p:cNvPr id="5" name="TextBox 4"/>
+          <p:cNvSpPr txBox="1"/>
+          <p:nvPr/>
+        </p:nvSpPr>
+        <p:spPr>
+          <a:xfrm>
+            <a:off x="1305017" y="5145465"/>
+            <a:ext cx="2272684" cy="369332"/>
+          </a:xfrm>
+          <a:prstGeom prst="rect">
+            <a:avLst/>
+          </a:prstGeom>
+          <a:noFill/>
+        </p:spPr>
+        <p:txBody>
+          <a:bodyPr wrap="square" rtlCol="0">
+            <a:spAutoFit/>
+          </a:bodyPr>
+          <a:lstStyle/>
+          <a:p>
+            <a:r>
+              <a:rPr lang="ko-KR" altLang="en-US" dirty="0" err="1"/>
+              <a:t>클라</a:t>
+            </a:r>
+            <a:endParaRPr lang="ko-KR" altLang="en-US" dirty="0"/>
+          </a:p>
+        </p:txBody>
+      </p:sp>
+      <p:sp>
+        <p:nvSpPr>
+          <p:cNvPr id="6" name="TextBox 5"/>
+          <p:cNvSpPr txBox="1"/>
+          <p:nvPr/>
+        </p:nvSpPr>
+        <p:spPr>
+          <a:xfrm>
+            <a:off x="7742807" y="5184559"/>
+            <a:ext cx="2272684" cy="369332"/>
+          </a:xfrm>
+          <a:prstGeom prst="rect">
+            <a:avLst/>
+          </a:prstGeom>
+          <a:noFill/>
+        </p:spPr>
+        <p:txBody>
+          <a:bodyPr wrap="square" rtlCol="0">
+            <a:spAutoFit/>
+          </a:bodyPr>
+          <a:lstStyle/>
+          <a:p>
+            <a:r>
+              <a:rPr lang="ko-KR" altLang="en-US" dirty="0"/>
+              <a:t>서버</a:t>
+            </a:r>
+          </a:p>
+        </p:txBody>
+      </p:sp>
+      <p:cxnSp>
+        <p:nvCxnSpPr>
+          <p:cNvPr id="7" name="직선 연결선 6"/>
+          <p:cNvCxnSpPr>
+            <a:cxnSpLocks/>
+          </p:cNvCxnSpPr>
+          <p:nvPr/>
+        </p:nvCxnSpPr>
+        <p:spPr>
+          <a:xfrm>
+            <a:off x="3284738" y="1287262"/>
+            <a:ext cx="0" cy="3648722"/>
+          </a:xfrm>
+          <a:prstGeom prst="line">
+            <a:avLst/>
+          </a:prstGeom>
+        </p:spPr>
+        <p:style>
+          <a:lnRef idx="1">
+            <a:schemeClr val="accent1"/>
+          </a:lnRef>
+          <a:fillRef idx="0">
+            <a:schemeClr val="accent1"/>
+          </a:fillRef>
+          <a:effectRef idx="0">
+            <a:schemeClr val="accent1"/>
+          </a:effectRef>
+          <a:fontRef idx="minor">
+            <a:schemeClr val="tx1"/>
+          </a:fontRef>
+        </p:style>
+      </p:cxnSp>
+      <p:cxnSp>
+        <p:nvCxnSpPr>
+          <p:cNvPr id="8" name="직선 연결선 7"/>
+          <p:cNvCxnSpPr>
+            <a:cxnSpLocks/>
+          </p:cNvCxnSpPr>
+          <p:nvPr/>
+        </p:nvCxnSpPr>
+        <p:spPr>
+          <a:xfrm>
+            <a:off x="6997084" y="1199965"/>
+            <a:ext cx="0" cy="3648722"/>
+          </a:xfrm>
+          <a:prstGeom prst="line">
+            <a:avLst/>
+          </a:prstGeom>
+        </p:spPr>
+        <p:style>
+          <a:lnRef idx="1">
+            <a:schemeClr val="accent1"/>
+          </a:lnRef>
+          <a:fillRef idx="0">
+            <a:schemeClr val="accent1"/>
+          </a:fillRef>
+          <a:effectRef idx="0">
+            <a:schemeClr val="accent1"/>
+          </a:effectRef>
+          <a:fontRef idx="minor">
+            <a:schemeClr val="tx1"/>
+          </a:fontRef>
+        </p:style>
+      </p:cxnSp>
+      <p:cxnSp>
+        <p:nvCxnSpPr>
+          <p:cNvPr id="9" name="직선 화살표 연결선 8"/>
+          <p:cNvCxnSpPr>
+            <a:cxnSpLocks/>
+          </p:cNvCxnSpPr>
+          <p:nvPr/>
+        </p:nvCxnSpPr>
+        <p:spPr>
+          <a:xfrm>
+            <a:off x="3373515" y="1287262"/>
+            <a:ext cx="3497802" cy="461665"/>
+          </a:xfrm>
+          <a:prstGeom prst="straightConnector1">
+            <a:avLst/>
+          </a:prstGeom>
+          <a:ln>
+            <a:tailEnd type="triangle"/>
+          </a:ln>
+        </p:spPr>
+        <p:style>
+          <a:lnRef idx="1">
+            <a:schemeClr val="accent1"/>
+          </a:lnRef>
+          <a:fillRef idx="0">
+            <a:schemeClr val="accent1"/>
+          </a:fillRef>
+          <a:effectRef idx="0">
+            <a:schemeClr val="accent1"/>
+          </a:effectRef>
+          <a:fontRef idx="minor">
+            <a:schemeClr val="tx1"/>
+          </a:fontRef>
+        </p:style>
+      </p:cxnSp>
+      <p:sp>
+        <p:nvSpPr>
+          <p:cNvPr id="10" name="TextBox 9"/>
+          <p:cNvSpPr txBox="1"/>
+          <p:nvPr/>
+        </p:nvSpPr>
+        <p:spPr>
+          <a:xfrm>
+            <a:off x="4092606" y="787412"/>
+            <a:ext cx="2565647" cy="646331"/>
+          </a:xfrm>
+          <a:prstGeom prst="rect">
+            <a:avLst/>
+          </a:prstGeom>
+          <a:noFill/>
+        </p:spPr>
+        <p:txBody>
+          <a:bodyPr wrap="square" rtlCol="0">
+            <a:spAutoFit/>
+          </a:bodyPr>
+          <a:lstStyle/>
+          <a:p>
+            <a:r>
+              <a:rPr lang="ko-KR" altLang="en-US"/>
+              <a:t>동기화할 객체의 식별번호와 함께 위치 전송 </a:t>
+            </a:r>
+            <a:endParaRPr lang="ko-KR" altLang="en-US" dirty="0"/>
+          </a:p>
+        </p:txBody>
+      </p:sp>
+      <p:cxnSp>
+        <p:nvCxnSpPr>
+          <p:cNvPr id="11" name="직선 화살표 연결선 10"/>
+          <p:cNvCxnSpPr/>
+          <p:nvPr/>
+        </p:nvCxnSpPr>
+        <p:spPr>
+          <a:xfrm flipH="1">
+            <a:off x="3410506" y="2298033"/>
+            <a:ext cx="3426781" cy="452761"/>
+          </a:xfrm>
+          <a:prstGeom prst="straightConnector1">
+            <a:avLst/>
+          </a:prstGeom>
+          <a:ln>
+            <a:tailEnd type="triangle"/>
+          </a:ln>
+        </p:spPr>
+        <p:style>
+          <a:lnRef idx="1">
+            <a:schemeClr val="accent1"/>
+          </a:lnRef>
+          <a:fillRef idx="0">
+            <a:schemeClr val="accent1"/>
+          </a:fillRef>
+          <a:effectRef idx="0">
+            <a:schemeClr val="accent1"/>
+          </a:effectRef>
+          <a:fontRef idx="minor">
+            <a:schemeClr val="tx1"/>
+          </a:fontRef>
+        </p:style>
+      </p:cxnSp>
+      <p:sp>
+        <p:nvSpPr>
+          <p:cNvPr id="12" name="TextBox 11"/>
+          <p:cNvSpPr txBox="1"/>
+          <p:nvPr/>
+        </p:nvSpPr>
+        <p:spPr>
+          <a:xfrm>
+            <a:off x="4272749" y="1763033"/>
+            <a:ext cx="2162454" cy="646331"/>
+          </a:xfrm>
+          <a:prstGeom prst="rect">
+            <a:avLst/>
+          </a:prstGeom>
+          <a:noFill/>
+        </p:spPr>
+        <p:txBody>
+          <a:bodyPr wrap="square" rtlCol="0">
+            <a:spAutoFit/>
+          </a:bodyPr>
+          <a:lstStyle/>
+          <a:p>
+            <a:r>
+              <a:rPr lang="ko-KR" altLang="en-US" dirty="0"/>
+              <a:t>모든 </a:t>
+            </a:r>
+            <a:r>
+              <a:rPr lang="ko-KR" altLang="en-US"/>
+              <a:t>클라이언트에게 </a:t>
+            </a:r>
+            <a:r>
+              <a:rPr lang="ko-KR" altLang="en-US" dirty="0" err="1"/>
+              <a:t>브로드캐스팅</a:t>
+            </a:r>
+            <a:endParaRPr lang="ko-KR" altLang="en-US" dirty="0"/>
+          </a:p>
+        </p:txBody>
+      </p:sp>
+      <p:sp>
+        <p:nvSpPr>
+          <p:cNvPr id="14" name="TextBox 13"/>
+          <p:cNvSpPr txBox="1"/>
+          <p:nvPr/>
+        </p:nvSpPr>
+        <p:spPr>
+          <a:xfrm>
+            <a:off x="1109709" y="2866659"/>
+            <a:ext cx="2005613" cy="923330"/>
+          </a:xfrm>
+          <a:prstGeom prst="rect">
+            <a:avLst/>
+          </a:prstGeom>
+          <a:noFill/>
+        </p:spPr>
+        <p:txBody>
+          <a:bodyPr wrap="square" rtlCol="0">
+            <a:spAutoFit/>
+          </a:bodyPr>
+          <a:lstStyle/>
+          <a:p>
+            <a:r>
+              <a:rPr lang="ko-KR" altLang="en-US" dirty="0"/>
+              <a:t>받은 </a:t>
+            </a:r>
+            <a:r>
+              <a:rPr lang="ko-KR" altLang="en-US"/>
+              <a:t>식별번호와 대응되는 </a:t>
+            </a:r>
+            <a:endParaRPr lang="en-US" altLang="ko-KR" dirty="0"/>
+          </a:p>
+          <a:p>
+            <a:r>
+              <a:rPr lang="ko-KR" altLang="en-US" dirty="0"/>
+              <a:t>객체 위치 동기화</a:t>
+            </a:r>
+          </a:p>
+        </p:txBody>
+      </p:sp>
+      <p:cxnSp>
+        <p:nvCxnSpPr>
+          <p:cNvPr id="17" name="직선 연결선 16"/>
+          <p:cNvCxnSpPr>
+            <a:cxnSpLocks/>
+          </p:cNvCxnSpPr>
+          <p:nvPr/>
+        </p:nvCxnSpPr>
+        <p:spPr>
+          <a:xfrm>
+            <a:off x="1420428" y="2839406"/>
+            <a:ext cx="8504807" cy="0"/>
+          </a:xfrm>
+          <a:prstGeom prst="line">
+            <a:avLst/>
+          </a:prstGeom>
+          <a:ln>
+            <a:prstDash val="lgDash"/>
+          </a:ln>
+        </p:spPr>
+        <p:style>
+          <a:lnRef idx="1">
+            <a:schemeClr val="accent1"/>
+          </a:lnRef>
+          <a:fillRef idx="0">
+            <a:schemeClr val="accent1"/>
+          </a:fillRef>
+          <a:effectRef idx="0">
+            <a:schemeClr val="accent1"/>
+          </a:effectRef>
+          <a:fontRef idx="minor">
+            <a:schemeClr val="tx1"/>
+          </a:fontRef>
+        </p:style>
+      </p:cxnSp>
+      <p:cxnSp>
+        <p:nvCxnSpPr>
+          <p:cNvPr id="18" name="직선 연결선 17"/>
+          <p:cNvCxnSpPr>
+            <a:cxnSpLocks/>
+          </p:cNvCxnSpPr>
+          <p:nvPr/>
+        </p:nvCxnSpPr>
+        <p:spPr>
+          <a:xfrm>
+            <a:off x="1420427" y="3932840"/>
+            <a:ext cx="8504807" cy="0"/>
+          </a:xfrm>
+          <a:prstGeom prst="line">
+            <a:avLst/>
+          </a:prstGeom>
+          <a:ln>
+            <a:prstDash val="lgDash"/>
+          </a:ln>
+        </p:spPr>
+        <p:style>
+          <a:lnRef idx="1">
+            <a:schemeClr val="accent1"/>
+          </a:lnRef>
+          <a:fillRef idx="0">
+            <a:schemeClr val="accent1"/>
+          </a:fillRef>
+          <a:effectRef idx="0">
+            <a:schemeClr val="accent1"/>
+          </a:effectRef>
+          <a:fontRef idx="minor">
+            <a:schemeClr val="tx1"/>
+          </a:fontRef>
+        </p:style>
+      </p:cxnSp>
+    </p:spTree>
+    <p:extLst>
+      <p:ext uri="{BB962C8B-B14F-4D97-AF65-F5344CB8AC3E}">
+        <p14:creationId xmlns:p14="http://schemas.microsoft.com/office/powerpoint/2010/main" val="316280395"/>
+      </p:ext>
+    </p:extLst>
+  </p:cSld>
+  <p:clrMapOvr>
+    <a:masterClrMapping/>
+  </p:clrMapOvr>
+</p:sld>
+</file>
+
+<file path=ppt/slides/slide9.xml><?xml version="1.0" encoding="utf-8"?>
+<p:sld xmlns:a="http://schemas.openxmlformats.org/drawingml/2006/main" xmlns:r="http://schemas.openxmlformats.org/officeDocument/2006/relationships" xmlns:p="http://schemas.openxmlformats.org/presentationml/2006/main">
+  <p:cSld>
+    <p:spTree>
+      <p:nvGrpSpPr>
+        <p:cNvPr id="1" name=""/>
+        <p:cNvGrpSpPr/>
+        <p:nvPr/>
+      </p:nvGrpSpPr>
+      <p:grpSpPr>
+        <a:xfrm>
+          <a:off x="0" y="0"/>
+          <a:ext cx="0" cy="0"/>
+          <a:chOff x="0" y="0"/>
+          <a:chExt cx="0" cy="0"/>
+        </a:xfrm>
+      </p:grpSpPr>
+      <p:sp>
+        <p:nvSpPr>
+          <p:cNvPr id="4" name="직사각형 3"/>
+          <p:cNvSpPr/>
+          <p:nvPr/>
+        </p:nvSpPr>
+        <p:spPr>
+          <a:xfrm>
+            <a:off x="452759" y="4146848"/>
+            <a:ext cx="8185211" cy="1473694"/>
+          </a:xfrm>
+          <a:prstGeom prst="rect">
+            <a:avLst/>
+          </a:prstGeom>
+        </p:spPr>
+        <p:style>
+          <a:lnRef idx="2">
+            <a:schemeClr val="accent1">
+              <a:shade val="50000"/>
+            </a:schemeClr>
+          </a:lnRef>
+          <a:fillRef idx="1">
+            <a:schemeClr val="accent1"/>
+          </a:fillRef>
+          <a:effectRef idx="0">
+            <a:schemeClr val="accent1"/>
+          </a:effectRef>
+          <a:fontRef idx="minor">
+            <a:schemeClr val="lt1"/>
+          </a:fontRef>
+        </p:style>
+        <p:txBody>
+          <a:bodyPr rtlCol="0" anchor="ctr"/>
+          <a:lstStyle/>
+          <a:p>
+            <a:pPr algn="ctr"/>
+            <a:endParaRPr lang="ko-KR" altLang="en-US"/>
+          </a:p>
+        </p:txBody>
+      </p:sp>
+      <p:cxnSp>
+        <p:nvCxnSpPr>
+          <p:cNvPr id="5" name="직선 연결선 4"/>
+          <p:cNvCxnSpPr>
+            <a:cxnSpLocks/>
+          </p:cNvCxnSpPr>
+          <p:nvPr/>
+        </p:nvCxnSpPr>
+        <p:spPr>
+          <a:xfrm>
+            <a:off x="1233995" y="4146848"/>
+            <a:ext cx="0" cy="1473694"/>
+          </a:xfrm>
+          <a:prstGeom prst="line">
+            <a:avLst/>
+          </a:prstGeom>
+          <a:ln w="38100">
+            <a:solidFill>
+              <a:schemeClr val="tx1"/>
+            </a:solidFill>
+          </a:ln>
+        </p:spPr>
+        <p:style>
+          <a:lnRef idx="1">
+            <a:schemeClr val="accent1"/>
+          </a:lnRef>
+          <a:fillRef idx="0">
+            <a:schemeClr val="accent1"/>
+          </a:fillRef>
+          <a:effectRef idx="0">
+            <a:schemeClr val="accent1"/>
+          </a:effectRef>
+          <a:fontRef idx="minor">
+            <a:schemeClr val="tx1"/>
+          </a:fontRef>
+        </p:style>
+      </p:cxnSp>
+      <p:sp>
+        <p:nvSpPr>
+          <p:cNvPr id="6" name="TextBox 5"/>
+          <p:cNvSpPr txBox="1"/>
+          <p:nvPr/>
+        </p:nvSpPr>
+        <p:spPr>
+          <a:xfrm>
+            <a:off x="541537" y="4430934"/>
+            <a:ext cx="692458" cy="646331"/>
+          </a:xfrm>
+          <a:prstGeom prst="rect">
+            <a:avLst/>
+          </a:prstGeom>
+          <a:noFill/>
+        </p:spPr>
+        <p:txBody>
+          <a:bodyPr wrap="square" rtlCol="0">
+            <a:spAutoFit/>
+          </a:bodyPr>
+          <a:lstStyle/>
+          <a:p>
+            <a:r>
+              <a:rPr lang="ko-KR" altLang="en-US"/>
+              <a:t>패킷크기</a:t>
+            </a:r>
+            <a:endParaRPr lang="ko-KR" altLang="en-US" dirty="0"/>
+          </a:p>
+        </p:txBody>
+      </p:sp>
+      <p:sp>
+        <p:nvSpPr>
+          <p:cNvPr id="7" name="TextBox 6"/>
+          <p:cNvSpPr txBox="1"/>
+          <p:nvPr/>
+        </p:nvSpPr>
+        <p:spPr>
+          <a:xfrm>
+            <a:off x="1233995" y="4430934"/>
+            <a:ext cx="1136341" cy="646331"/>
+          </a:xfrm>
+          <a:prstGeom prst="rect">
+            <a:avLst/>
+          </a:prstGeom>
+          <a:noFill/>
+        </p:spPr>
+        <p:txBody>
+          <a:bodyPr wrap="square" rtlCol="0">
+            <a:spAutoFit/>
+          </a:bodyPr>
+          <a:lstStyle/>
+          <a:p>
+            <a:r>
+              <a:rPr lang="ko-KR" altLang="en-US" dirty="0"/>
+              <a:t>프로토콜 </a:t>
+            </a:r>
+            <a:endParaRPr lang="en-US" altLang="ko-KR" dirty="0"/>
+          </a:p>
+          <a:p>
+            <a:r>
+              <a:rPr lang="ko-KR" altLang="en-US" dirty="0"/>
+              <a:t>타입</a:t>
+            </a:r>
+          </a:p>
+        </p:txBody>
+      </p:sp>
+      <p:cxnSp>
+        <p:nvCxnSpPr>
+          <p:cNvPr id="8" name="직선 연결선 7"/>
+          <p:cNvCxnSpPr>
+            <a:cxnSpLocks/>
+          </p:cNvCxnSpPr>
+          <p:nvPr/>
+        </p:nvCxnSpPr>
+        <p:spPr>
+          <a:xfrm>
+            <a:off x="2370336" y="4146848"/>
+            <a:ext cx="0" cy="1473694"/>
+          </a:xfrm>
+          <a:prstGeom prst="line">
+            <a:avLst/>
+          </a:prstGeom>
+          <a:ln w="38100">
+            <a:solidFill>
+              <a:schemeClr val="tx1"/>
+            </a:solidFill>
+          </a:ln>
+        </p:spPr>
+        <p:style>
+          <a:lnRef idx="1">
+            <a:schemeClr val="accent1"/>
+          </a:lnRef>
+          <a:fillRef idx="0">
+            <a:schemeClr val="accent1"/>
+          </a:fillRef>
+          <a:effectRef idx="0">
+            <a:schemeClr val="accent1"/>
+          </a:effectRef>
+          <a:fontRef idx="minor">
+            <a:schemeClr val="tx1"/>
+          </a:fontRef>
+        </p:style>
+      </p:cxnSp>
+      <p:cxnSp>
+        <p:nvCxnSpPr>
+          <p:cNvPr id="9" name="직선 연결선 8"/>
+          <p:cNvCxnSpPr>
+            <a:cxnSpLocks/>
+          </p:cNvCxnSpPr>
+          <p:nvPr/>
+        </p:nvCxnSpPr>
+        <p:spPr>
+          <a:xfrm>
+            <a:off x="3401625" y="4151897"/>
+            <a:ext cx="0" cy="1473694"/>
+          </a:xfrm>
+          <a:prstGeom prst="line">
+            <a:avLst/>
+          </a:prstGeom>
+          <a:ln w="38100">
+            <a:solidFill>
+              <a:schemeClr val="tx1"/>
+            </a:solidFill>
+          </a:ln>
+        </p:spPr>
+        <p:style>
+          <a:lnRef idx="1">
+            <a:schemeClr val="accent1"/>
+          </a:lnRef>
+          <a:fillRef idx="0">
+            <a:schemeClr val="accent1"/>
+          </a:fillRef>
+          <a:effectRef idx="0">
+            <a:schemeClr val="accent1"/>
+          </a:effectRef>
+          <a:fontRef idx="minor">
+            <a:schemeClr val="tx1"/>
+          </a:fontRef>
+        </p:style>
+      </p:cxnSp>
+      <p:cxnSp>
+        <p:nvCxnSpPr>
+          <p:cNvPr id="10" name="직선 연결선 9"/>
+          <p:cNvCxnSpPr>
+            <a:cxnSpLocks/>
+          </p:cNvCxnSpPr>
+          <p:nvPr/>
+        </p:nvCxnSpPr>
+        <p:spPr>
+          <a:xfrm>
+            <a:off x="4441792" y="4142760"/>
+            <a:ext cx="0" cy="1473694"/>
+          </a:xfrm>
+          <a:prstGeom prst="line">
+            <a:avLst/>
+          </a:prstGeom>
+          <a:ln w="38100">
+            <a:solidFill>
+              <a:schemeClr val="tx1"/>
+            </a:solidFill>
+          </a:ln>
+        </p:spPr>
+        <p:style>
+          <a:lnRef idx="1">
+            <a:schemeClr val="accent1"/>
+          </a:lnRef>
+          <a:fillRef idx="0">
+            <a:schemeClr val="accent1"/>
+          </a:fillRef>
+          <a:effectRef idx="0">
+            <a:schemeClr val="accent1"/>
+          </a:effectRef>
+          <a:fontRef idx="minor">
+            <a:schemeClr val="tx1"/>
+          </a:fontRef>
+        </p:style>
+      </p:cxnSp>
+      <p:sp>
+        <p:nvSpPr>
+          <p:cNvPr id="11" name="TextBox 10"/>
+          <p:cNvSpPr txBox="1"/>
+          <p:nvPr/>
+        </p:nvSpPr>
+        <p:spPr>
+          <a:xfrm>
+            <a:off x="3600633" y="4582639"/>
+            <a:ext cx="935115" cy="646331"/>
+          </a:xfrm>
+          <a:prstGeom prst="rect">
+            <a:avLst/>
+          </a:prstGeom>
+          <a:noFill/>
+        </p:spPr>
+        <p:txBody>
+          <a:bodyPr wrap="square" rtlCol="0">
+            <a:spAutoFit/>
+          </a:bodyPr>
+          <a:lstStyle/>
+          <a:p>
+            <a:r>
+              <a:rPr lang="ko-KR" altLang="en-US" dirty="0"/>
+              <a:t>문자열길이</a:t>
+            </a:r>
+          </a:p>
+        </p:txBody>
+      </p:sp>
+      <p:sp>
+        <p:nvSpPr>
+          <p:cNvPr id="12" name="TextBox 11"/>
+          <p:cNvSpPr txBox="1"/>
+          <p:nvPr/>
+        </p:nvSpPr>
+        <p:spPr>
+          <a:xfrm>
+            <a:off x="4588274" y="4721138"/>
+            <a:ext cx="1269507" cy="369332"/>
+          </a:xfrm>
+          <a:prstGeom prst="rect">
+            <a:avLst/>
+          </a:prstGeom>
+          <a:noFill/>
+        </p:spPr>
+        <p:txBody>
+          <a:bodyPr wrap="square" rtlCol="0">
+            <a:spAutoFit/>
+          </a:bodyPr>
+          <a:lstStyle/>
+          <a:p>
+            <a:r>
+              <a:rPr lang="ko-KR" altLang="en-US" dirty="0"/>
+              <a:t>아이디</a:t>
+            </a:r>
+          </a:p>
+        </p:txBody>
+      </p:sp>
+      <p:sp>
+        <p:nvSpPr>
+          <p:cNvPr id="13" name="TextBox 12"/>
+          <p:cNvSpPr txBox="1"/>
+          <p:nvPr/>
+        </p:nvSpPr>
+        <p:spPr>
+          <a:xfrm>
+            <a:off x="7933676" y="4650078"/>
+            <a:ext cx="1269507" cy="369332"/>
+          </a:xfrm>
+          <a:prstGeom prst="rect">
+            <a:avLst/>
+          </a:prstGeom>
+          <a:noFill/>
+        </p:spPr>
+        <p:txBody>
+          <a:bodyPr wrap="square" rtlCol="0">
+            <a:spAutoFit/>
+          </a:bodyPr>
+          <a:lstStyle/>
+          <a:p>
+            <a:r>
+              <a:rPr lang="en-US" altLang="ko-KR" dirty="0"/>
+              <a:t>…</a:t>
+            </a:r>
+            <a:endParaRPr lang="ko-KR" altLang="en-US" dirty="0"/>
+          </a:p>
+        </p:txBody>
+      </p:sp>
+      <p:cxnSp>
+        <p:nvCxnSpPr>
+          <p:cNvPr id="14" name="직선 연결선 13"/>
+          <p:cNvCxnSpPr>
+            <a:cxnSpLocks/>
+          </p:cNvCxnSpPr>
+          <p:nvPr/>
+        </p:nvCxnSpPr>
+        <p:spPr>
+          <a:xfrm>
+            <a:off x="5420554" y="4141248"/>
+            <a:ext cx="0" cy="1473694"/>
+          </a:xfrm>
+          <a:prstGeom prst="line">
+            <a:avLst/>
+          </a:prstGeom>
+          <a:ln w="38100">
+            <a:solidFill>
+              <a:schemeClr val="tx1"/>
+            </a:solidFill>
+          </a:ln>
+        </p:spPr>
+        <p:style>
+          <a:lnRef idx="1">
+            <a:schemeClr val="accent1"/>
+          </a:lnRef>
+          <a:fillRef idx="0">
+            <a:schemeClr val="accent1"/>
+          </a:fillRef>
+          <a:effectRef idx="0">
+            <a:schemeClr val="accent1"/>
+          </a:effectRef>
+          <a:fontRef idx="minor">
+            <a:schemeClr val="tx1"/>
+          </a:fontRef>
+        </p:style>
+      </p:cxnSp>
+      <p:cxnSp>
+        <p:nvCxnSpPr>
+          <p:cNvPr id="15" name="직선 연결선 14"/>
+          <p:cNvCxnSpPr>
+            <a:cxnSpLocks/>
+          </p:cNvCxnSpPr>
+          <p:nvPr/>
+        </p:nvCxnSpPr>
+        <p:spPr>
+          <a:xfrm>
+            <a:off x="6460721" y="4132111"/>
+            <a:ext cx="0" cy="1473694"/>
+          </a:xfrm>
+          <a:prstGeom prst="line">
+            <a:avLst/>
+          </a:prstGeom>
+          <a:ln w="38100">
+            <a:solidFill>
+              <a:schemeClr val="tx1"/>
+            </a:solidFill>
+          </a:ln>
+        </p:spPr>
+        <p:style>
+          <a:lnRef idx="1">
+            <a:schemeClr val="accent1"/>
+          </a:lnRef>
+          <a:fillRef idx="0">
+            <a:schemeClr val="accent1"/>
+          </a:fillRef>
+          <a:effectRef idx="0">
+            <a:schemeClr val="accent1"/>
+          </a:effectRef>
+          <a:fontRef idx="minor">
+            <a:schemeClr val="tx1"/>
+          </a:fontRef>
+        </p:style>
+      </p:cxnSp>
+      <p:sp>
+        <p:nvSpPr>
+          <p:cNvPr id="16" name="TextBox 15"/>
+          <p:cNvSpPr txBox="1"/>
+          <p:nvPr/>
+        </p:nvSpPr>
+        <p:spPr>
+          <a:xfrm>
+            <a:off x="5575173" y="4582639"/>
+            <a:ext cx="935115" cy="646331"/>
+          </a:xfrm>
+          <a:prstGeom prst="rect">
+            <a:avLst/>
+          </a:prstGeom>
+          <a:noFill/>
+        </p:spPr>
+        <p:txBody>
+          <a:bodyPr wrap="square" rtlCol="0">
+            <a:spAutoFit/>
+          </a:bodyPr>
+          <a:lstStyle/>
+          <a:p>
+            <a:r>
+              <a:rPr lang="ko-KR" altLang="en-US" dirty="0"/>
+              <a:t>문자열길이</a:t>
+            </a:r>
+          </a:p>
+        </p:txBody>
+      </p:sp>
+      <p:sp>
+        <p:nvSpPr>
+          <p:cNvPr id="17" name="TextBox 16"/>
+          <p:cNvSpPr txBox="1"/>
+          <p:nvPr/>
+        </p:nvSpPr>
+        <p:spPr>
+          <a:xfrm>
+            <a:off x="6572435" y="4694790"/>
+            <a:ext cx="1269507" cy="369332"/>
+          </a:xfrm>
+          <a:prstGeom prst="rect">
+            <a:avLst/>
+          </a:prstGeom>
+          <a:noFill/>
+        </p:spPr>
+        <p:txBody>
+          <a:bodyPr wrap="square" rtlCol="0">
+            <a:spAutoFit/>
+          </a:bodyPr>
+          <a:lstStyle/>
+          <a:p>
+            <a:r>
+              <a:rPr lang="ko-KR" altLang="en-US" dirty="0"/>
+              <a:t>비밀번호</a:t>
+            </a:r>
+          </a:p>
+        </p:txBody>
+      </p:sp>
+      <p:cxnSp>
+        <p:nvCxnSpPr>
+          <p:cNvPr id="18" name="직선 연결선 17"/>
+          <p:cNvCxnSpPr>
+            <a:cxnSpLocks/>
+          </p:cNvCxnSpPr>
+          <p:nvPr/>
+        </p:nvCxnSpPr>
+        <p:spPr>
+          <a:xfrm>
+            <a:off x="7811607" y="4151897"/>
+            <a:ext cx="0" cy="1473694"/>
+          </a:xfrm>
+          <a:prstGeom prst="line">
+            <a:avLst/>
+          </a:prstGeom>
+          <a:ln w="38100">
+            <a:solidFill>
+              <a:schemeClr val="tx1"/>
+            </a:solidFill>
+          </a:ln>
+        </p:spPr>
+        <p:style>
+          <a:lnRef idx="1">
+            <a:schemeClr val="accent1"/>
+          </a:lnRef>
+          <a:fillRef idx="0">
+            <a:schemeClr val="accent1"/>
+          </a:fillRef>
+          <a:effectRef idx="0">
+            <a:schemeClr val="accent1"/>
+          </a:effectRef>
+          <a:fontRef idx="minor">
+            <a:schemeClr val="tx1"/>
+          </a:fontRef>
+        </p:style>
+      </p:cxnSp>
+      <p:sp>
+        <p:nvSpPr>
+          <p:cNvPr id="19" name="TextBox 18"/>
+          <p:cNvSpPr txBox="1"/>
+          <p:nvPr/>
+        </p:nvSpPr>
+        <p:spPr>
+          <a:xfrm>
+            <a:off x="2560467" y="4511578"/>
+            <a:ext cx="736104" cy="646331"/>
+          </a:xfrm>
+          <a:prstGeom prst="rect">
+            <a:avLst/>
+          </a:prstGeom>
+          <a:noFill/>
+        </p:spPr>
+        <p:txBody>
+          <a:bodyPr wrap="square" rtlCol="0">
+            <a:spAutoFit/>
+          </a:bodyPr>
+          <a:lstStyle/>
+          <a:p>
+            <a:r>
+              <a:rPr lang="ko-KR" altLang="en-US" dirty="0"/>
+              <a:t>전송타입</a:t>
+            </a:r>
+          </a:p>
+        </p:txBody>
+      </p:sp>
+    </p:spTree>
+    <p:extLst>
+      <p:ext uri="{BB962C8B-B14F-4D97-AF65-F5344CB8AC3E}">
+        <p14:creationId xmlns:p14="http://schemas.microsoft.com/office/powerpoint/2010/main" val="4256778825"/>
       </p:ext>
     </p:extLst>
   </p:cSld>

--- a/분산서버 구조 및 송수신데이터.pptx
+++ b/분산서버 구조 및 송수신데이터.pptx
@@ -13,10 +13,11 @@
     <p:sldId id="261" r:id="rId7"/>
     <p:sldId id="266" r:id="rId8"/>
     <p:sldId id="267" r:id="rId9"/>
-    <p:sldId id="262" r:id="rId10"/>
-    <p:sldId id="263" r:id="rId11"/>
-    <p:sldId id="264" r:id="rId12"/>
-    <p:sldId id="265" r:id="rId13"/>
+    <p:sldId id="268" r:id="rId10"/>
+    <p:sldId id="262" r:id="rId11"/>
+    <p:sldId id="263" r:id="rId12"/>
+    <p:sldId id="264" r:id="rId13"/>
+    <p:sldId id="265" r:id="rId14"/>
   </p:sldIdLst>
   <p:sldSz cx="12192000" cy="6858000"/>
   <p:notesSz cx="6858000" cy="9144000"/>
@@ -256,7 +257,7 @@
           <a:p>
             <a:fld id="{B9232A80-340B-44ED-9BDE-3E914145B5BC}" type="datetimeFigureOut">
               <a:rPr lang="ko-KR" altLang="en-US" smtClean="0"/>
-              <a:t>2017-05-03</a:t>
+              <a:t>2017-05-04</a:t>
             </a:fld>
             <a:endParaRPr lang="ko-KR" altLang="en-US"/>
           </a:p>
@@ -424,7 +425,7 @@
           <a:p>
             <a:fld id="{B9232A80-340B-44ED-9BDE-3E914145B5BC}" type="datetimeFigureOut">
               <a:rPr lang="ko-KR" altLang="en-US" smtClean="0"/>
-              <a:t>2017-05-03</a:t>
+              <a:t>2017-05-04</a:t>
             </a:fld>
             <a:endParaRPr lang="ko-KR" altLang="en-US"/>
           </a:p>
@@ -602,7 +603,7 @@
           <a:p>
             <a:fld id="{B9232A80-340B-44ED-9BDE-3E914145B5BC}" type="datetimeFigureOut">
               <a:rPr lang="ko-KR" altLang="en-US" smtClean="0"/>
-              <a:t>2017-05-03</a:t>
+              <a:t>2017-05-04</a:t>
             </a:fld>
             <a:endParaRPr lang="ko-KR" altLang="en-US"/>
           </a:p>
@@ -770,7 +771,7 @@
           <a:p>
             <a:fld id="{B9232A80-340B-44ED-9BDE-3E914145B5BC}" type="datetimeFigureOut">
               <a:rPr lang="ko-KR" altLang="en-US" smtClean="0"/>
-              <a:t>2017-05-03</a:t>
+              <a:t>2017-05-04</a:t>
             </a:fld>
             <a:endParaRPr lang="ko-KR" altLang="en-US"/>
           </a:p>
@@ -1015,7 +1016,7 @@
           <a:p>
             <a:fld id="{B9232A80-340B-44ED-9BDE-3E914145B5BC}" type="datetimeFigureOut">
               <a:rPr lang="ko-KR" altLang="en-US" smtClean="0"/>
-              <a:t>2017-05-03</a:t>
+              <a:t>2017-05-04</a:t>
             </a:fld>
             <a:endParaRPr lang="ko-KR" altLang="en-US"/>
           </a:p>
@@ -1244,7 +1245,7 @@
           <a:p>
             <a:fld id="{B9232A80-340B-44ED-9BDE-3E914145B5BC}" type="datetimeFigureOut">
               <a:rPr lang="ko-KR" altLang="en-US" smtClean="0"/>
-              <a:t>2017-05-03</a:t>
+              <a:t>2017-05-04</a:t>
             </a:fld>
             <a:endParaRPr lang="ko-KR" altLang="en-US"/>
           </a:p>
@@ -1608,7 +1609,7 @@
           <a:p>
             <a:fld id="{B9232A80-340B-44ED-9BDE-3E914145B5BC}" type="datetimeFigureOut">
               <a:rPr lang="ko-KR" altLang="en-US" smtClean="0"/>
-              <a:t>2017-05-03</a:t>
+              <a:t>2017-05-04</a:t>
             </a:fld>
             <a:endParaRPr lang="ko-KR" altLang="en-US"/>
           </a:p>
@@ -1725,7 +1726,7 @@
           <a:p>
             <a:fld id="{B9232A80-340B-44ED-9BDE-3E914145B5BC}" type="datetimeFigureOut">
               <a:rPr lang="ko-KR" altLang="en-US" smtClean="0"/>
-              <a:t>2017-05-03</a:t>
+              <a:t>2017-05-04</a:t>
             </a:fld>
             <a:endParaRPr lang="ko-KR" altLang="en-US"/>
           </a:p>
@@ -1820,7 +1821,7 @@
           <a:p>
             <a:fld id="{B9232A80-340B-44ED-9BDE-3E914145B5BC}" type="datetimeFigureOut">
               <a:rPr lang="ko-KR" altLang="en-US" smtClean="0"/>
-              <a:t>2017-05-03</a:t>
+              <a:t>2017-05-04</a:t>
             </a:fld>
             <a:endParaRPr lang="ko-KR" altLang="en-US"/>
           </a:p>
@@ -2095,7 +2096,7 @@
           <a:p>
             <a:fld id="{B9232A80-340B-44ED-9BDE-3E914145B5BC}" type="datetimeFigureOut">
               <a:rPr lang="ko-KR" altLang="en-US" smtClean="0"/>
-              <a:t>2017-05-03</a:t>
+              <a:t>2017-05-04</a:t>
             </a:fld>
             <a:endParaRPr lang="ko-KR" altLang="en-US"/>
           </a:p>
@@ -2347,7 +2348,7 @@
           <a:p>
             <a:fld id="{B9232A80-340B-44ED-9BDE-3E914145B5BC}" type="datetimeFigureOut">
               <a:rPr lang="ko-KR" altLang="en-US" smtClean="0"/>
-              <a:t>2017-05-03</a:t>
+              <a:t>2017-05-04</a:t>
             </a:fld>
             <a:endParaRPr lang="ko-KR" altLang="en-US"/>
           </a:p>
@@ -2558,7 +2559,7 @@
           <a:p>
             <a:fld id="{B9232A80-340B-44ED-9BDE-3E914145B5BC}" type="datetimeFigureOut">
               <a:rPr lang="ko-KR" altLang="en-US" smtClean="0"/>
-              <a:t>2017-05-03</a:t>
+              <a:t>2017-05-04</a:t>
             </a:fld>
             <a:endParaRPr lang="ko-KR" altLang="en-US"/>
           </a:p>
@@ -4533,7 +4534,7 @@
     </p:spTree>
     <p:extLst>
       <p:ext uri="{BB962C8B-B14F-4D97-AF65-F5344CB8AC3E}">
-        <p14:creationId xmlns:p14="http://schemas.microsoft.com/office/powerpoint/2010/main" val="491847009"/>
+        <p14:creationId xmlns:p14="http://schemas.microsoft.com/office/powerpoint/2010/main" val="4256778825"/>
       </p:ext>
     </p:extLst>
   </p:cSld>
@@ -5103,6 +5104,576 @@
     </p:spTree>
     <p:extLst>
       <p:ext uri="{BB962C8B-B14F-4D97-AF65-F5344CB8AC3E}">
+        <p14:creationId xmlns:p14="http://schemas.microsoft.com/office/powerpoint/2010/main" val="491847009"/>
+      </p:ext>
+    </p:extLst>
+  </p:cSld>
+  <p:clrMapOvr>
+    <a:masterClrMapping/>
+  </p:clrMapOvr>
+</p:sld>
+</file>
+
+<file path=ppt/slides/slide12.xml><?xml version="1.0" encoding="utf-8"?>
+<p:sld xmlns:a="http://schemas.openxmlformats.org/drawingml/2006/main" xmlns:r="http://schemas.openxmlformats.org/officeDocument/2006/relationships" xmlns:p="http://schemas.openxmlformats.org/presentationml/2006/main">
+  <p:cSld>
+    <p:spTree>
+      <p:nvGrpSpPr>
+        <p:cNvPr id="1" name=""/>
+        <p:cNvGrpSpPr/>
+        <p:nvPr/>
+      </p:nvGrpSpPr>
+      <p:grpSpPr>
+        <a:xfrm>
+          <a:off x="0" y="0"/>
+          <a:ext cx="0" cy="0"/>
+          <a:chOff x="0" y="0"/>
+          <a:chExt cx="0" cy="0"/>
+        </a:xfrm>
+      </p:grpSpPr>
+      <p:sp>
+        <p:nvSpPr>
+          <p:cNvPr id="4" name="직사각형 3"/>
+          <p:cNvSpPr/>
+          <p:nvPr/>
+        </p:nvSpPr>
+        <p:spPr>
+          <a:xfrm>
+            <a:off x="452759" y="4146848"/>
+            <a:ext cx="8185211" cy="1473694"/>
+          </a:xfrm>
+          <a:prstGeom prst="rect">
+            <a:avLst/>
+          </a:prstGeom>
+        </p:spPr>
+        <p:style>
+          <a:lnRef idx="2">
+            <a:schemeClr val="accent1">
+              <a:shade val="50000"/>
+            </a:schemeClr>
+          </a:lnRef>
+          <a:fillRef idx="1">
+            <a:schemeClr val="accent1"/>
+          </a:fillRef>
+          <a:effectRef idx="0">
+            <a:schemeClr val="accent1"/>
+          </a:effectRef>
+          <a:fontRef idx="minor">
+            <a:schemeClr val="lt1"/>
+          </a:fontRef>
+        </p:style>
+        <p:txBody>
+          <a:bodyPr rtlCol="0" anchor="ctr"/>
+          <a:lstStyle/>
+          <a:p>
+            <a:pPr algn="ctr"/>
+            <a:endParaRPr lang="ko-KR" altLang="en-US"/>
+          </a:p>
+        </p:txBody>
+      </p:sp>
+      <p:cxnSp>
+        <p:nvCxnSpPr>
+          <p:cNvPr id="5" name="직선 연결선 4"/>
+          <p:cNvCxnSpPr>
+            <a:cxnSpLocks/>
+          </p:cNvCxnSpPr>
+          <p:nvPr/>
+        </p:nvCxnSpPr>
+        <p:spPr>
+          <a:xfrm>
+            <a:off x="1233995" y="4146848"/>
+            <a:ext cx="0" cy="1473694"/>
+          </a:xfrm>
+          <a:prstGeom prst="line">
+            <a:avLst/>
+          </a:prstGeom>
+          <a:ln w="38100">
+            <a:solidFill>
+              <a:schemeClr val="tx1"/>
+            </a:solidFill>
+          </a:ln>
+        </p:spPr>
+        <p:style>
+          <a:lnRef idx="1">
+            <a:schemeClr val="accent1"/>
+          </a:lnRef>
+          <a:fillRef idx="0">
+            <a:schemeClr val="accent1"/>
+          </a:fillRef>
+          <a:effectRef idx="0">
+            <a:schemeClr val="accent1"/>
+          </a:effectRef>
+          <a:fontRef idx="minor">
+            <a:schemeClr val="tx1"/>
+          </a:fontRef>
+        </p:style>
+      </p:cxnSp>
+      <p:sp>
+        <p:nvSpPr>
+          <p:cNvPr id="6" name="TextBox 5"/>
+          <p:cNvSpPr txBox="1"/>
+          <p:nvPr/>
+        </p:nvSpPr>
+        <p:spPr>
+          <a:xfrm>
+            <a:off x="541537" y="4430934"/>
+            <a:ext cx="692458" cy="646331"/>
+          </a:xfrm>
+          <a:prstGeom prst="rect">
+            <a:avLst/>
+          </a:prstGeom>
+          <a:noFill/>
+        </p:spPr>
+        <p:txBody>
+          <a:bodyPr wrap="square" rtlCol="0">
+            <a:spAutoFit/>
+          </a:bodyPr>
+          <a:lstStyle/>
+          <a:p>
+            <a:r>
+              <a:rPr lang="ko-KR" altLang="en-US"/>
+              <a:t>패킷크기</a:t>
+            </a:r>
+            <a:endParaRPr lang="ko-KR" altLang="en-US" dirty="0"/>
+          </a:p>
+        </p:txBody>
+      </p:sp>
+      <p:sp>
+        <p:nvSpPr>
+          <p:cNvPr id="7" name="TextBox 6"/>
+          <p:cNvSpPr txBox="1"/>
+          <p:nvPr/>
+        </p:nvSpPr>
+        <p:spPr>
+          <a:xfrm>
+            <a:off x="1233995" y="4430934"/>
+            <a:ext cx="1136341" cy="646331"/>
+          </a:xfrm>
+          <a:prstGeom prst="rect">
+            <a:avLst/>
+          </a:prstGeom>
+          <a:noFill/>
+        </p:spPr>
+        <p:txBody>
+          <a:bodyPr wrap="square" rtlCol="0">
+            <a:spAutoFit/>
+          </a:bodyPr>
+          <a:lstStyle/>
+          <a:p>
+            <a:r>
+              <a:rPr lang="ko-KR" altLang="en-US" dirty="0"/>
+              <a:t>프로토콜 </a:t>
+            </a:r>
+            <a:endParaRPr lang="en-US" altLang="ko-KR" dirty="0"/>
+          </a:p>
+          <a:p>
+            <a:r>
+              <a:rPr lang="ko-KR" altLang="en-US" dirty="0"/>
+              <a:t>타입</a:t>
+            </a:r>
+          </a:p>
+        </p:txBody>
+      </p:sp>
+      <p:cxnSp>
+        <p:nvCxnSpPr>
+          <p:cNvPr id="8" name="직선 연결선 7"/>
+          <p:cNvCxnSpPr>
+            <a:cxnSpLocks/>
+          </p:cNvCxnSpPr>
+          <p:nvPr/>
+        </p:nvCxnSpPr>
+        <p:spPr>
+          <a:xfrm>
+            <a:off x="2370336" y="4146848"/>
+            <a:ext cx="0" cy="1473694"/>
+          </a:xfrm>
+          <a:prstGeom prst="line">
+            <a:avLst/>
+          </a:prstGeom>
+          <a:ln w="38100">
+            <a:solidFill>
+              <a:schemeClr val="tx1"/>
+            </a:solidFill>
+          </a:ln>
+        </p:spPr>
+        <p:style>
+          <a:lnRef idx="1">
+            <a:schemeClr val="accent1"/>
+          </a:lnRef>
+          <a:fillRef idx="0">
+            <a:schemeClr val="accent1"/>
+          </a:fillRef>
+          <a:effectRef idx="0">
+            <a:schemeClr val="accent1"/>
+          </a:effectRef>
+          <a:fontRef idx="minor">
+            <a:schemeClr val="tx1"/>
+          </a:fontRef>
+        </p:style>
+      </p:cxnSp>
+      <p:cxnSp>
+        <p:nvCxnSpPr>
+          <p:cNvPr id="9" name="직선 연결선 8"/>
+          <p:cNvCxnSpPr>
+            <a:cxnSpLocks/>
+          </p:cNvCxnSpPr>
+          <p:nvPr/>
+        </p:nvCxnSpPr>
+        <p:spPr>
+          <a:xfrm>
+            <a:off x="3401625" y="4151897"/>
+            <a:ext cx="0" cy="1473694"/>
+          </a:xfrm>
+          <a:prstGeom prst="line">
+            <a:avLst/>
+          </a:prstGeom>
+          <a:ln w="38100">
+            <a:solidFill>
+              <a:schemeClr val="tx1"/>
+            </a:solidFill>
+          </a:ln>
+        </p:spPr>
+        <p:style>
+          <a:lnRef idx="1">
+            <a:schemeClr val="accent1"/>
+          </a:lnRef>
+          <a:fillRef idx="0">
+            <a:schemeClr val="accent1"/>
+          </a:fillRef>
+          <a:effectRef idx="0">
+            <a:schemeClr val="accent1"/>
+          </a:effectRef>
+          <a:fontRef idx="minor">
+            <a:schemeClr val="tx1"/>
+          </a:fontRef>
+        </p:style>
+      </p:cxnSp>
+      <p:cxnSp>
+        <p:nvCxnSpPr>
+          <p:cNvPr id="10" name="직선 연결선 9"/>
+          <p:cNvCxnSpPr>
+            <a:cxnSpLocks/>
+          </p:cNvCxnSpPr>
+          <p:nvPr/>
+        </p:nvCxnSpPr>
+        <p:spPr>
+          <a:xfrm>
+            <a:off x="4441792" y="4142760"/>
+            <a:ext cx="0" cy="1473694"/>
+          </a:xfrm>
+          <a:prstGeom prst="line">
+            <a:avLst/>
+          </a:prstGeom>
+          <a:ln w="38100">
+            <a:solidFill>
+              <a:schemeClr val="tx1"/>
+            </a:solidFill>
+          </a:ln>
+        </p:spPr>
+        <p:style>
+          <a:lnRef idx="1">
+            <a:schemeClr val="accent1"/>
+          </a:lnRef>
+          <a:fillRef idx="0">
+            <a:schemeClr val="accent1"/>
+          </a:fillRef>
+          <a:effectRef idx="0">
+            <a:schemeClr val="accent1"/>
+          </a:effectRef>
+          <a:fontRef idx="minor">
+            <a:schemeClr val="tx1"/>
+          </a:fontRef>
+        </p:style>
+      </p:cxnSp>
+      <p:sp>
+        <p:nvSpPr>
+          <p:cNvPr id="11" name="TextBox 10"/>
+          <p:cNvSpPr txBox="1"/>
+          <p:nvPr/>
+        </p:nvSpPr>
+        <p:spPr>
+          <a:xfrm>
+            <a:off x="3600633" y="4582639"/>
+            <a:ext cx="935115" cy="646331"/>
+          </a:xfrm>
+          <a:prstGeom prst="rect">
+            <a:avLst/>
+          </a:prstGeom>
+          <a:noFill/>
+        </p:spPr>
+        <p:txBody>
+          <a:bodyPr wrap="square" rtlCol="0">
+            <a:spAutoFit/>
+          </a:bodyPr>
+          <a:lstStyle/>
+          <a:p>
+            <a:r>
+              <a:rPr lang="ko-KR" altLang="en-US" dirty="0"/>
+              <a:t>문자열길이</a:t>
+            </a:r>
+          </a:p>
+        </p:txBody>
+      </p:sp>
+      <p:sp>
+        <p:nvSpPr>
+          <p:cNvPr id="12" name="TextBox 11"/>
+          <p:cNvSpPr txBox="1"/>
+          <p:nvPr/>
+        </p:nvSpPr>
+        <p:spPr>
+          <a:xfrm>
+            <a:off x="4588274" y="4721138"/>
+            <a:ext cx="1269507" cy="369332"/>
+          </a:xfrm>
+          <a:prstGeom prst="rect">
+            <a:avLst/>
+          </a:prstGeom>
+          <a:noFill/>
+        </p:spPr>
+        <p:txBody>
+          <a:bodyPr wrap="square" rtlCol="0">
+            <a:spAutoFit/>
+          </a:bodyPr>
+          <a:lstStyle/>
+          <a:p>
+            <a:r>
+              <a:rPr lang="ko-KR" altLang="en-US" dirty="0"/>
+              <a:t>아이디</a:t>
+            </a:r>
+          </a:p>
+        </p:txBody>
+      </p:sp>
+      <p:sp>
+        <p:nvSpPr>
+          <p:cNvPr id="13" name="TextBox 12"/>
+          <p:cNvSpPr txBox="1"/>
+          <p:nvPr/>
+        </p:nvSpPr>
+        <p:spPr>
+          <a:xfrm>
+            <a:off x="7933676" y="4650078"/>
+            <a:ext cx="1269507" cy="369332"/>
+          </a:xfrm>
+          <a:prstGeom prst="rect">
+            <a:avLst/>
+          </a:prstGeom>
+          <a:noFill/>
+        </p:spPr>
+        <p:txBody>
+          <a:bodyPr wrap="square" rtlCol="0">
+            <a:spAutoFit/>
+          </a:bodyPr>
+          <a:lstStyle/>
+          <a:p>
+            <a:r>
+              <a:rPr lang="en-US" altLang="ko-KR" dirty="0"/>
+              <a:t>…</a:t>
+            </a:r>
+            <a:endParaRPr lang="ko-KR" altLang="en-US" dirty="0"/>
+          </a:p>
+        </p:txBody>
+      </p:sp>
+      <p:cxnSp>
+        <p:nvCxnSpPr>
+          <p:cNvPr id="14" name="직선 연결선 13"/>
+          <p:cNvCxnSpPr>
+            <a:cxnSpLocks/>
+          </p:cNvCxnSpPr>
+          <p:nvPr/>
+        </p:nvCxnSpPr>
+        <p:spPr>
+          <a:xfrm>
+            <a:off x="5420554" y="4141248"/>
+            <a:ext cx="0" cy="1473694"/>
+          </a:xfrm>
+          <a:prstGeom prst="line">
+            <a:avLst/>
+          </a:prstGeom>
+          <a:ln w="38100">
+            <a:solidFill>
+              <a:schemeClr val="tx1"/>
+            </a:solidFill>
+          </a:ln>
+        </p:spPr>
+        <p:style>
+          <a:lnRef idx="1">
+            <a:schemeClr val="accent1"/>
+          </a:lnRef>
+          <a:fillRef idx="0">
+            <a:schemeClr val="accent1"/>
+          </a:fillRef>
+          <a:effectRef idx="0">
+            <a:schemeClr val="accent1"/>
+          </a:effectRef>
+          <a:fontRef idx="minor">
+            <a:schemeClr val="tx1"/>
+          </a:fontRef>
+        </p:style>
+      </p:cxnSp>
+      <p:cxnSp>
+        <p:nvCxnSpPr>
+          <p:cNvPr id="15" name="직선 연결선 14"/>
+          <p:cNvCxnSpPr>
+            <a:cxnSpLocks/>
+          </p:cNvCxnSpPr>
+          <p:nvPr/>
+        </p:nvCxnSpPr>
+        <p:spPr>
+          <a:xfrm>
+            <a:off x="6460721" y="4132111"/>
+            <a:ext cx="0" cy="1473694"/>
+          </a:xfrm>
+          <a:prstGeom prst="line">
+            <a:avLst/>
+          </a:prstGeom>
+          <a:ln w="38100">
+            <a:solidFill>
+              <a:schemeClr val="tx1"/>
+            </a:solidFill>
+          </a:ln>
+        </p:spPr>
+        <p:style>
+          <a:lnRef idx="1">
+            <a:schemeClr val="accent1"/>
+          </a:lnRef>
+          <a:fillRef idx="0">
+            <a:schemeClr val="accent1"/>
+          </a:fillRef>
+          <a:effectRef idx="0">
+            <a:schemeClr val="accent1"/>
+          </a:effectRef>
+          <a:fontRef idx="minor">
+            <a:schemeClr val="tx1"/>
+          </a:fontRef>
+        </p:style>
+      </p:cxnSp>
+      <p:sp>
+        <p:nvSpPr>
+          <p:cNvPr id="16" name="TextBox 15"/>
+          <p:cNvSpPr txBox="1"/>
+          <p:nvPr/>
+        </p:nvSpPr>
+        <p:spPr>
+          <a:xfrm>
+            <a:off x="5575173" y="4582639"/>
+            <a:ext cx="935115" cy="646331"/>
+          </a:xfrm>
+          <a:prstGeom prst="rect">
+            <a:avLst/>
+          </a:prstGeom>
+          <a:noFill/>
+        </p:spPr>
+        <p:txBody>
+          <a:bodyPr wrap="square" rtlCol="0">
+            <a:spAutoFit/>
+          </a:bodyPr>
+          <a:lstStyle/>
+          <a:p>
+            <a:r>
+              <a:rPr lang="ko-KR" altLang="en-US" dirty="0"/>
+              <a:t>문자열길이</a:t>
+            </a:r>
+          </a:p>
+        </p:txBody>
+      </p:sp>
+      <p:sp>
+        <p:nvSpPr>
+          <p:cNvPr id="17" name="TextBox 16"/>
+          <p:cNvSpPr txBox="1"/>
+          <p:nvPr/>
+        </p:nvSpPr>
+        <p:spPr>
+          <a:xfrm>
+            <a:off x="6572435" y="4694790"/>
+            <a:ext cx="1269507" cy="369332"/>
+          </a:xfrm>
+          <a:prstGeom prst="rect">
+            <a:avLst/>
+          </a:prstGeom>
+          <a:noFill/>
+        </p:spPr>
+        <p:txBody>
+          <a:bodyPr wrap="square" rtlCol="0">
+            <a:spAutoFit/>
+          </a:bodyPr>
+          <a:lstStyle/>
+          <a:p>
+            <a:r>
+              <a:rPr lang="ko-KR" altLang="en-US" dirty="0"/>
+              <a:t>비밀번호</a:t>
+            </a:r>
+          </a:p>
+        </p:txBody>
+      </p:sp>
+      <p:cxnSp>
+        <p:nvCxnSpPr>
+          <p:cNvPr id="18" name="직선 연결선 17"/>
+          <p:cNvCxnSpPr>
+            <a:cxnSpLocks/>
+          </p:cNvCxnSpPr>
+          <p:nvPr/>
+        </p:nvCxnSpPr>
+        <p:spPr>
+          <a:xfrm>
+            <a:off x="7811607" y="4151897"/>
+            <a:ext cx="0" cy="1473694"/>
+          </a:xfrm>
+          <a:prstGeom prst="line">
+            <a:avLst/>
+          </a:prstGeom>
+          <a:ln w="38100">
+            <a:solidFill>
+              <a:schemeClr val="tx1"/>
+            </a:solidFill>
+          </a:ln>
+        </p:spPr>
+        <p:style>
+          <a:lnRef idx="1">
+            <a:schemeClr val="accent1"/>
+          </a:lnRef>
+          <a:fillRef idx="0">
+            <a:schemeClr val="accent1"/>
+          </a:fillRef>
+          <a:effectRef idx="0">
+            <a:schemeClr val="accent1"/>
+          </a:effectRef>
+          <a:fontRef idx="minor">
+            <a:schemeClr val="tx1"/>
+          </a:fontRef>
+        </p:style>
+      </p:cxnSp>
+      <p:sp>
+        <p:nvSpPr>
+          <p:cNvPr id="19" name="TextBox 18"/>
+          <p:cNvSpPr txBox="1"/>
+          <p:nvPr/>
+        </p:nvSpPr>
+        <p:spPr>
+          <a:xfrm>
+            <a:off x="2560467" y="4511578"/>
+            <a:ext cx="736104" cy="646331"/>
+          </a:xfrm>
+          <a:prstGeom prst="rect">
+            <a:avLst/>
+          </a:prstGeom>
+          <a:noFill/>
+        </p:spPr>
+        <p:txBody>
+          <a:bodyPr wrap="square" rtlCol="0">
+            <a:spAutoFit/>
+          </a:bodyPr>
+          <a:lstStyle/>
+          <a:p>
+            <a:r>
+              <a:rPr lang="ko-KR" altLang="en-US" dirty="0"/>
+              <a:t>전송타입</a:t>
+            </a:r>
+          </a:p>
+        </p:txBody>
+      </p:sp>
+    </p:spTree>
+    <p:extLst>
+      <p:ext uri="{BB962C8B-B14F-4D97-AF65-F5344CB8AC3E}">
         <p14:creationId xmlns:p14="http://schemas.microsoft.com/office/powerpoint/2010/main" val="2973067640"/>
       </p:ext>
     </p:extLst>
@@ -5113,7 +5684,7 @@
 </p:sld>
 </file>
 
-<file path=ppt/slides/slide12.xml><?xml version="1.0" encoding="utf-8"?>
+<file path=ppt/slides/slide13.xml><?xml version="1.0" encoding="utf-8"?>
 <p:sld xmlns:a="http://schemas.openxmlformats.org/drawingml/2006/main" xmlns:r="http://schemas.openxmlformats.org/officeDocument/2006/relationships" xmlns:p="http://schemas.openxmlformats.org/presentationml/2006/main">
   <p:cSld>
     <p:spTree>
@@ -12199,548 +12770,46 @@
       </p:grpSpPr>
       <p:sp>
         <p:nvSpPr>
-          <p:cNvPr id="4" name="직사각형 3"/>
-          <p:cNvSpPr/>
-          <p:nvPr/>
-        </p:nvSpPr>
-        <p:spPr>
-          <a:xfrm>
-            <a:off x="452759" y="4146848"/>
-            <a:ext cx="8185211" cy="1473694"/>
-          </a:xfrm>
-          <a:prstGeom prst="rect">
-            <a:avLst/>
-          </a:prstGeom>
-        </p:spPr>
-        <p:style>
-          <a:lnRef idx="2">
-            <a:schemeClr val="accent1">
-              <a:shade val="50000"/>
-            </a:schemeClr>
-          </a:lnRef>
-          <a:fillRef idx="1">
-            <a:schemeClr val="accent1"/>
-          </a:fillRef>
-          <a:effectRef idx="0">
-            <a:schemeClr val="accent1"/>
-          </a:effectRef>
-          <a:fontRef idx="minor">
-            <a:schemeClr val="lt1"/>
-          </a:fontRef>
-        </p:style>
-        <p:txBody>
-          <a:bodyPr rtlCol="0" anchor="ctr"/>
-          <a:lstStyle/>
-          <a:p>
-            <a:pPr algn="ctr"/>
+          <p:cNvPr id="2" name="제목 1"/>
+          <p:cNvSpPr>
+            <a:spLocks noGrp="1"/>
+          </p:cNvSpPr>
+          <p:nvPr>
+            <p:ph type="title"/>
+          </p:nvPr>
+        </p:nvSpPr>
+        <p:spPr/>
+        <p:txBody>
+          <a:bodyPr/>
+          <a:lstStyle/>
+          <a:p>
             <a:endParaRPr lang="ko-KR" altLang="en-US"/>
           </a:p>
         </p:txBody>
       </p:sp>
-      <p:cxnSp>
-        <p:nvCxnSpPr>
-          <p:cNvPr id="5" name="직선 연결선 4"/>
-          <p:cNvCxnSpPr>
-            <a:cxnSpLocks/>
-          </p:cNvCxnSpPr>
-          <p:nvPr/>
-        </p:nvCxnSpPr>
-        <p:spPr>
-          <a:xfrm>
-            <a:off x="1233995" y="4146848"/>
-            <a:ext cx="0" cy="1473694"/>
-          </a:xfrm>
-          <a:prstGeom prst="line">
-            <a:avLst/>
-          </a:prstGeom>
-          <a:ln w="38100">
-            <a:solidFill>
-              <a:schemeClr val="tx1"/>
-            </a:solidFill>
-          </a:ln>
-        </p:spPr>
-        <p:style>
-          <a:lnRef idx="1">
-            <a:schemeClr val="accent1"/>
-          </a:lnRef>
-          <a:fillRef idx="0">
-            <a:schemeClr val="accent1"/>
-          </a:fillRef>
-          <a:effectRef idx="0">
-            <a:schemeClr val="accent1"/>
-          </a:effectRef>
-          <a:fontRef idx="minor">
-            <a:schemeClr val="tx1"/>
-          </a:fontRef>
-        </p:style>
-      </p:cxnSp>
-      <p:sp>
-        <p:nvSpPr>
-          <p:cNvPr id="6" name="TextBox 5"/>
-          <p:cNvSpPr txBox="1"/>
-          <p:nvPr/>
-        </p:nvSpPr>
-        <p:spPr>
-          <a:xfrm>
-            <a:off x="541537" y="4430934"/>
-            <a:ext cx="692458" cy="646331"/>
-          </a:xfrm>
-          <a:prstGeom prst="rect">
-            <a:avLst/>
-          </a:prstGeom>
-          <a:noFill/>
-        </p:spPr>
-        <p:txBody>
-          <a:bodyPr wrap="square" rtlCol="0">
-            <a:spAutoFit/>
-          </a:bodyPr>
-          <a:lstStyle/>
-          <a:p>
-            <a:r>
-              <a:rPr lang="ko-KR" altLang="en-US"/>
-              <a:t>패킷크기</a:t>
-            </a:r>
+      <p:sp>
+        <p:nvSpPr>
+          <p:cNvPr id="3" name="내용 개체 틀 2"/>
+          <p:cNvSpPr>
+            <a:spLocks noGrp="1"/>
+          </p:cNvSpPr>
+          <p:nvPr>
+            <p:ph idx="1"/>
+          </p:nvPr>
+        </p:nvSpPr>
+        <p:spPr/>
+        <p:txBody>
+          <a:bodyPr/>
+          <a:lstStyle/>
+          <a:p>
             <a:endParaRPr lang="ko-KR" altLang="en-US" dirty="0"/>
-          </a:p>
-        </p:txBody>
-      </p:sp>
-      <p:sp>
-        <p:nvSpPr>
-          <p:cNvPr id="7" name="TextBox 6"/>
-          <p:cNvSpPr txBox="1"/>
-          <p:nvPr/>
-        </p:nvSpPr>
-        <p:spPr>
-          <a:xfrm>
-            <a:off x="1233995" y="4430934"/>
-            <a:ext cx="1136341" cy="646331"/>
-          </a:xfrm>
-          <a:prstGeom prst="rect">
-            <a:avLst/>
-          </a:prstGeom>
-          <a:noFill/>
-        </p:spPr>
-        <p:txBody>
-          <a:bodyPr wrap="square" rtlCol="0">
-            <a:spAutoFit/>
-          </a:bodyPr>
-          <a:lstStyle/>
-          <a:p>
-            <a:r>
-              <a:rPr lang="ko-KR" altLang="en-US" dirty="0"/>
-              <a:t>프로토콜 </a:t>
-            </a:r>
-            <a:endParaRPr lang="en-US" altLang="ko-KR" dirty="0"/>
-          </a:p>
-          <a:p>
-            <a:r>
-              <a:rPr lang="ko-KR" altLang="en-US" dirty="0"/>
-              <a:t>타입</a:t>
-            </a:r>
-          </a:p>
-        </p:txBody>
-      </p:sp>
-      <p:cxnSp>
-        <p:nvCxnSpPr>
-          <p:cNvPr id="8" name="직선 연결선 7"/>
-          <p:cNvCxnSpPr>
-            <a:cxnSpLocks/>
-          </p:cNvCxnSpPr>
-          <p:nvPr/>
-        </p:nvCxnSpPr>
-        <p:spPr>
-          <a:xfrm>
-            <a:off x="2370336" y="4146848"/>
-            <a:ext cx="0" cy="1473694"/>
-          </a:xfrm>
-          <a:prstGeom prst="line">
-            <a:avLst/>
-          </a:prstGeom>
-          <a:ln w="38100">
-            <a:solidFill>
-              <a:schemeClr val="tx1"/>
-            </a:solidFill>
-          </a:ln>
-        </p:spPr>
-        <p:style>
-          <a:lnRef idx="1">
-            <a:schemeClr val="accent1"/>
-          </a:lnRef>
-          <a:fillRef idx="0">
-            <a:schemeClr val="accent1"/>
-          </a:fillRef>
-          <a:effectRef idx="0">
-            <a:schemeClr val="accent1"/>
-          </a:effectRef>
-          <a:fontRef idx="minor">
-            <a:schemeClr val="tx1"/>
-          </a:fontRef>
-        </p:style>
-      </p:cxnSp>
-      <p:cxnSp>
-        <p:nvCxnSpPr>
-          <p:cNvPr id="9" name="직선 연결선 8"/>
-          <p:cNvCxnSpPr>
-            <a:cxnSpLocks/>
-          </p:cNvCxnSpPr>
-          <p:nvPr/>
-        </p:nvCxnSpPr>
-        <p:spPr>
-          <a:xfrm>
-            <a:off x="3401625" y="4151897"/>
-            <a:ext cx="0" cy="1473694"/>
-          </a:xfrm>
-          <a:prstGeom prst="line">
-            <a:avLst/>
-          </a:prstGeom>
-          <a:ln w="38100">
-            <a:solidFill>
-              <a:schemeClr val="tx1"/>
-            </a:solidFill>
-          </a:ln>
-        </p:spPr>
-        <p:style>
-          <a:lnRef idx="1">
-            <a:schemeClr val="accent1"/>
-          </a:lnRef>
-          <a:fillRef idx="0">
-            <a:schemeClr val="accent1"/>
-          </a:fillRef>
-          <a:effectRef idx="0">
-            <a:schemeClr val="accent1"/>
-          </a:effectRef>
-          <a:fontRef idx="minor">
-            <a:schemeClr val="tx1"/>
-          </a:fontRef>
-        </p:style>
-      </p:cxnSp>
-      <p:cxnSp>
-        <p:nvCxnSpPr>
-          <p:cNvPr id="10" name="직선 연결선 9"/>
-          <p:cNvCxnSpPr>
-            <a:cxnSpLocks/>
-          </p:cNvCxnSpPr>
-          <p:nvPr/>
-        </p:nvCxnSpPr>
-        <p:spPr>
-          <a:xfrm>
-            <a:off x="4441792" y="4142760"/>
-            <a:ext cx="0" cy="1473694"/>
-          </a:xfrm>
-          <a:prstGeom prst="line">
-            <a:avLst/>
-          </a:prstGeom>
-          <a:ln w="38100">
-            <a:solidFill>
-              <a:schemeClr val="tx1"/>
-            </a:solidFill>
-          </a:ln>
-        </p:spPr>
-        <p:style>
-          <a:lnRef idx="1">
-            <a:schemeClr val="accent1"/>
-          </a:lnRef>
-          <a:fillRef idx="0">
-            <a:schemeClr val="accent1"/>
-          </a:fillRef>
-          <a:effectRef idx="0">
-            <a:schemeClr val="accent1"/>
-          </a:effectRef>
-          <a:fontRef idx="minor">
-            <a:schemeClr val="tx1"/>
-          </a:fontRef>
-        </p:style>
-      </p:cxnSp>
-      <p:sp>
-        <p:nvSpPr>
-          <p:cNvPr id="11" name="TextBox 10"/>
-          <p:cNvSpPr txBox="1"/>
-          <p:nvPr/>
-        </p:nvSpPr>
-        <p:spPr>
-          <a:xfrm>
-            <a:off x="3600633" y="4582639"/>
-            <a:ext cx="935115" cy="646331"/>
-          </a:xfrm>
-          <a:prstGeom prst="rect">
-            <a:avLst/>
-          </a:prstGeom>
-          <a:noFill/>
-        </p:spPr>
-        <p:txBody>
-          <a:bodyPr wrap="square" rtlCol="0">
-            <a:spAutoFit/>
-          </a:bodyPr>
-          <a:lstStyle/>
-          <a:p>
-            <a:r>
-              <a:rPr lang="ko-KR" altLang="en-US" dirty="0"/>
-              <a:t>문자열길이</a:t>
-            </a:r>
-          </a:p>
-        </p:txBody>
-      </p:sp>
-      <p:sp>
-        <p:nvSpPr>
-          <p:cNvPr id="12" name="TextBox 11"/>
-          <p:cNvSpPr txBox="1"/>
-          <p:nvPr/>
-        </p:nvSpPr>
-        <p:spPr>
-          <a:xfrm>
-            <a:off x="4588274" y="4721138"/>
-            <a:ext cx="1269507" cy="369332"/>
-          </a:xfrm>
-          <a:prstGeom prst="rect">
-            <a:avLst/>
-          </a:prstGeom>
-          <a:noFill/>
-        </p:spPr>
-        <p:txBody>
-          <a:bodyPr wrap="square" rtlCol="0">
-            <a:spAutoFit/>
-          </a:bodyPr>
-          <a:lstStyle/>
-          <a:p>
-            <a:r>
-              <a:rPr lang="ko-KR" altLang="en-US" dirty="0"/>
-              <a:t>아이디</a:t>
-            </a:r>
-          </a:p>
-        </p:txBody>
-      </p:sp>
-      <p:sp>
-        <p:nvSpPr>
-          <p:cNvPr id="13" name="TextBox 12"/>
-          <p:cNvSpPr txBox="1"/>
-          <p:nvPr/>
-        </p:nvSpPr>
-        <p:spPr>
-          <a:xfrm>
-            <a:off x="7933676" y="4650078"/>
-            <a:ext cx="1269507" cy="369332"/>
-          </a:xfrm>
-          <a:prstGeom prst="rect">
-            <a:avLst/>
-          </a:prstGeom>
-          <a:noFill/>
-        </p:spPr>
-        <p:txBody>
-          <a:bodyPr wrap="square" rtlCol="0">
-            <a:spAutoFit/>
-          </a:bodyPr>
-          <a:lstStyle/>
-          <a:p>
-            <a:r>
-              <a:rPr lang="en-US" altLang="ko-KR" dirty="0"/>
-              <a:t>…</a:t>
-            </a:r>
-            <a:endParaRPr lang="ko-KR" altLang="en-US" dirty="0"/>
-          </a:p>
-        </p:txBody>
-      </p:sp>
-      <p:cxnSp>
-        <p:nvCxnSpPr>
-          <p:cNvPr id="14" name="직선 연결선 13"/>
-          <p:cNvCxnSpPr>
-            <a:cxnSpLocks/>
-          </p:cNvCxnSpPr>
-          <p:nvPr/>
-        </p:nvCxnSpPr>
-        <p:spPr>
-          <a:xfrm>
-            <a:off x="5420554" y="4141248"/>
-            <a:ext cx="0" cy="1473694"/>
-          </a:xfrm>
-          <a:prstGeom prst="line">
-            <a:avLst/>
-          </a:prstGeom>
-          <a:ln w="38100">
-            <a:solidFill>
-              <a:schemeClr val="tx1"/>
-            </a:solidFill>
-          </a:ln>
-        </p:spPr>
-        <p:style>
-          <a:lnRef idx="1">
-            <a:schemeClr val="accent1"/>
-          </a:lnRef>
-          <a:fillRef idx="0">
-            <a:schemeClr val="accent1"/>
-          </a:fillRef>
-          <a:effectRef idx="0">
-            <a:schemeClr val="accent1"/>
-          </a:effectRef>
-          <a:fontRef idx="minor">
-            <a:schemeClr val="tx1"/>
-          </a:fontRef>
-        </p:style>
-      </p:cxnSp>
-      <p:cxnSp>
-        <p:nvCxnSpPr>
-          <p:cNvPr id="15" name="직선 연결선 14"/>
-          <p:cNvCxnSpPr>
-            <a:cxnSpLocks/>
-          </p:cNvCxnSpPr>
-          <p:nvPr/>
-        </p:nvCxnSpPr>
-        <p:spPr>
-          <a:xfrm>
-            <a:off x="6460721" y="4132111"/>
-            <a:ext cx="0" cy="1473694"/>
-          </a:xfrm>
-          <a:prstGeom prst="line">
-            <a:avLst/>
-          </a:prstGeom>
-          <a:ln w="38100">
-            <a:solidFill>
-              <a:schemeClr val="tx1"/>
-            </a:solidFill>
-          </a:ln>
-        </p:spPr>
-        <p:style>
-          <a:lnRef idx="1">
-            <a:schemeClr val="accent1"/>
-          </a:lnRef>
-          <a:fillRef idx="0">
-            <a:schemeClr val="accent1"/>
-          </a:fillRef>
-          <a:effectRef idx="0">
-            <a:schemeClr val="accent1"/>
-          </a:effectRef>
-          <a:fontRef idx="minor">
-            <a:schemeClr val="tx1"/>
-          </a:fontRef>
-        </p:style>
-      </p:cxnSp>
-      <p:sp>
-        <p:nvSpPr>
-          <p:cNvPr id="16" name="TextBox 15"/>
-          <p:cNvSpPr txBox="1"/>
-          <p:nvPr/>
-        </p:nvSpPr>
-        <p:spPr>
-          <a:xfrm>
-            <a:off x="5575173" y="4582639"/>
-            <a:ext cx="935115" cy="646331"/>
-          </a:xfrm>
-          <a:prstGeom prst="rect">
-            <a:avLst/>
-          </a:prstGeom>
-          <a:noFill/>
-        </p:spPr>
-        <p:txBody>
-          <a:bodyPr wrap="square" rtlCol="0">
-            <a:spAutoFit/>
-          </a:bodyPr>
-          <a:lstStyle/>
-          <a:p>
-            <a:r>
-              <a:rPr lang="ko-KR" altLang="en-US" dirty="0"/>
-              <a:t>문자열길이</a:t>
-            </a:r>
-          </a:p>
-        </p:txBody>
-      </p:sp>
-      <p:sp>
-        <p:nvSpPr>
-          <p:cNvPr id="17" name="TextBox 16"/>
-          <p:cNvSpPr txBox="1"/>
-          <p:nvPr/>
-        </p:nvSpPr>
-        <p:spPr>
-          <a:xfrm>
-            <a:off x="6572435" y="4694790"/>
-            <a:ext cx="1269507" cy="369332"/>
-          </a:xfrm>
-          <a:prstGeom prst="rect">
-            <a:avLst/>
-          </a:prstGeom>
-          <a:noFill/>
-        </p:spPr>
-        <p:txBody>
-          <a:bodyPr wrap="square" rtlCol="0">
-            <a:spAutoFit/>
-          </a:bodyPr>
-          <a:lstStyle/>
-          <a:p>
-            <a:r>
-              <a:rPr lang="ko-KR" altLang="en-US" dirty="0"/>
-              <a:t>비밀번호</a:t>
-            </a:r>
-          </a:p>
-        </p:txBody>
-      </p:sp>
-      <p:cxnSp>
-        <p:nvCxnSpPr>
-          <p:cNvPr id="18" name="직선 연결선 17"/>
-          <p:cNvCxnSpPr>
-            <a:cxnSpLocks/>
-          </p:cNvCxnSpPr>
-          <p:nvPr/>
-        </p:nvCxnSpPr>
-        <p:spPr>
-          <a:xfrm>
-            <a:off x="7811607" y="4151897"/>
-            <a:ext cx="0" cy="1473694"/>
-          </a:xfrm>
-          <a:prstGeom prst="line">
-            <a:avLst/>
-          </a:prstGeom>
-          <a:ln w="38100">
-            <a:solidFill>
-              <a:schemeClr val="tx1"/>
-            </a:solidFill>
-          </a:ln>
-        </p:spPr>
-        <p:style>
-          <a:lnRef idx="1">
-            <a:schemeClr val="accent1"/>
-          </a:lnRef>
-          <a:fillRef idx="0">
-            <a:schemeClr val="accent1"/>
-          </a:fillRef>
-          <a:effectRef idx="0">
-            <a:schemeClr val="accent1"/>
-          </a:effectRef>
-          <a:fontRef idx="minor">
-            <a:schemeClr val="tx1"/>
-          </a:fontRef>
-        </p:style>
-      </p:cxnSp>
-      <p:sp>
-        <p:nvSpPr>
-          <p:cNvPr id="19" name="TextBox 18"/>
-          <p:cNvSpPr txBox="1"/>
-          <p:nvPr/>
-        </p:nvSpPr>
-        <p:spPr>
-          <a:xfrm>
-            <a:off x="2560467" y="4511578"/>
-            <a:ext cx="736104" cy="646331"/>
-          </a:xfrm>
-          <a:prstGeom prst="rect">
-            <a:avLst/>
-          </a:prstGeom>
-          <a:noFill/>
-        </p:spPr>
-        <p:txBody>
-          <a:bodyPr wrap="square" rtlCol="0">
-            <a:spAutoFit/>
-          </a:bodyPr>
-          <a:lstStyle/>
-          <a:p>
-            <a:r>
-              <a:rPr lang="ko-KR" altLang="en-US" dirty="0"/>
-              <a:t>전송타입</a:t>
-            </a:r>
           </a:p>
         </p:txBody>
       </p:sp>
     </p:spTree>
     <p:extLst>
       <p:ext uri="{BB962C8B-B14F-4D97-AF65-F5344CB8AC3E}">
-        <p14:creationId xmlns:p14="http://schemas.microsoft.com/office/powerpoint/2010/main" val="4256778825"/>
+        <p14:creationId xmlns:p14="http://schemas.microsoft.com/office/powerpoint/2010/main" val="4109798290"/>
       </p:ext>
     </p:extLst>
   </p:cSld>

--- a/분산서버 구조 및 송수신데이터.pptx
+++ b/분산서버 구조 및 송수신데이터.pptx
@@ -18,6 +18,7 @@
     <p:sldId id="263" r:id="rId12"/>
     <p:sldId id="264" r:id="rId13"/>
     <p:sldId id="265" r:id="rId14"/>
+    <p:sldId id="269" r:id="rId15"/>
   </p:sldIdLst>
   <p:sldSz cx="12192000" cy="6858000"/>
   <p:notesSz cx="6858000" cy="9144000"/>
@@ -257,7 +258,7 @@
           <a:p>
             <a:fld id="{B9232A80-340B-44ED-9BDE-3E914145B5BC}" type="datetimeFigureOut">
               <a:rPr lang="ko-KR" altLang="en-US" smtClean="0"/>
-              <a:t>2017-05-04</a:t>
+              <a:t>2017-05-17</a:t>
             </a:fld>
             <a:endParaRPr lang="ko-KR" altLang="en-US"/>
           </a:p>
@@ -425,7 +426,7 @@
           <a:p>
             <a:fld id="{B9232A80-340B-44ED-9BDE-3E914145B5BC}" type="datetimeFigureOut">
               <a:rPr lang="ko-KR" altLang="en-US" smtClean="0"/>
-              <a:t>2017-05-04</a:t>
+              <a:t>2017-05-17</a:t>
             </a:fld>
             <a:endParaRPr lang="ko-KR" altLang="en-US"/>
           </a:p>
@@ -603,7 +604,7 @@
           <a:p>
             <a:fld id="{B9232A80-340B-44ED-9BDE-3E914145B5BC}" type="datetimeFigureOut">
               <a:rPr lang="ko-KR" altLang="en-US" smtClean="0"/>
-              <a:t>2017-05-04</a:t>
+              <a:t>2017-05-17</a:t>
             </a:fld>
             <a:endParaRPr lang="ko-KR" altLang="en-US"/>
           </a:p>
@@ -771,7 +772,7 @@
           <a:p>
             <a:fld id="{B9232A80-340B-44ED-9BDE-3E914145B5BC}" type="datetimeFigureOut">
               <a:rPr lang="ko-KR" altLang="en-US" smtClean="0"/>
-              <a:t>2017-05-04</a:t>
+              <a:t>2017-05-17</a:t>
             </a:fld>
             <a:endParaRPr lang="ko-KR" altLang="en-US"/>
           </a:p>
@@ -1016,7 +1017,7 @@
           <a:p>
             <a:fld id="{B9232A80-340B-44ED-9BDE-3E914145B5BC}" type="datetimeFigureOut">
               <a:rPr lang="ko-KR" altLang="en-US" smtClean="0"/>
-              <a:t>2017-05-04</a:t>
+              <a:t>2017-05-17</a:t>
             </a:fld>
             <a:endParaRPr lang="ko-KR" altLang="en-US"/>
           </a:p>
@@ -1245,7 +1246,7 @@
           <a:p>
             <a:fld id="{B9232A80-340B-44ED-9BDE-3E914145B5BC}" type="datetimeFigureOut">
               <a:rPr lang="ko-KR" altLang="en-US" smtClean="0"/>
-              <a:t>2017-05-04</a:t>
+              <a:t>2017-05-17</a:t>
             </a:fld>
             <a:endParaRPr lang="ko-KR" altLang="en-US"/>
           </a:p>
@@ -1609,7 +1610,7 @@
           <a:p>
             <a:fld id="{B9232A80-340B-44ED-9BDE-3E914145B5BC}" type="datetimeFigureOut">
               <a:rPr lang="ko-KR" altLang="en-US" smtClean="0"/>
-              <a:t>2017-05-04</a:t>
+              <a:t>2017-05-17</a:t>
             </a:fld>
             <a:endParaRPr lang="ko-KR" altLang="en-US"/>
           </a:p>
@@ -1726,7 +1727,7 @@
           <a:p>
             <a:fld id="{B9232A80-340B-44ED-9BDE-3E914145B5BC}" type="datetimeFigureOut">
               <a:rPr lang="ko-KR" altLang="en-US" smtClean="0"/>
-              <a:t>2017-05-04</a:t>
+              <a:t>2017-05-17</a:t>
             </a:fld>
             <a:endParaRPr lang="ko-KR" altLang="en-US"/>
           </a:p>
@@ -1821,7 +1822,7 @@
           <a:p>
             <a:fld id="{B9232A80-340B-44ED-9BDE-3E914145B5BC}" type="datetimeFigureOut">
               <a:rPr lang="ko-KR" altLang="en-US" smtClean="0"/>
-              <a:t>2017-05-04</a:t>
+              <a:t>2017-05-17</a:t>
             </a:fld>
             <a:endParaRPr lang="ko-KR" altLang="en-US"/>
           </a:p>
@@ -2096,7 +2097,7 @@
           <a:p>
             <a:fld id="{B9232A80-340B-44ED-9BDE-3E914145B5BC}" type="datetimeFigureOut">
               <a:rPr lang="ko-KR" altLang="en-US" smtClean="0"/>
-              <a:t>2017-05-04</a:t>
+              <a:t>2017-05-17</a:t>
             </a:fld>
             <a:endParaRPr lang="ko-KR" altLang="en-US"/>
           </a:p>
@@ -2348,7 +2349,7 @@
           <a:p>
             <a:fld id="{B9232A80-340B-44ED-9BDE-3E914145B5BC}" type="datetimeFigureOut">
               <a:rPr lang="ko-KR" altLang="en-US" smtClean="0"/>
-              <a:t>2017-05-04</a:t>
+              <a:t>2017-05-17</a:t>
             </a:fld>
             <a:endParaRPr lang="ko-KR" altLang="en-US"/>
           </a:p>
@@ -2559,7 +2560,7 @@
           <a:p>
             <a:fld id="{B9232A80-340B-44ED-9BDE-3E914145B5BC}" type="datetimeFigureOut">
               <a:rPr lang="ko-KR" altLang="en-US" smtClean="0"/>
-              <a:t>2017-05-04</a:t>
+              <a:t>2017-05-17</a:t>
             </a:fld>
             <a:endParaRPr lang="ko-KR" altLang="en-US"/>
           </a:p>
@@ -6254,6 +6255,998 @@
 </p:sld>
 </file>
 
+<file path=ppt/slides/slide14.xml><?xml version="1.0" encoding="utf-8"?>
+<p:sld xmlns:a="http://schemas.openxmlformats.org/drawingml/2006/main" xmlns:r="http://schemas.openxmlformats.org/officeDocument/2006/relationships" xmlns:p="http://schemas.openxmlformats.org/presentationml/2006/main">
+  <p:cSld>
+    <p:spTree>
+      <p:nvGrpSpPr>
+        <p:cNvPr id="1" name=""/>
+        <p:cNvGrpSpPr/>
+        <p:nvPr/>
+      </p:nvGrpSpPr>
+      <p:grpSpPr>
+        <a:xfrm>
+          <a:off x="0" y="0"/>
+          <a:ext cx="0" cy="0"/>
+          <a:chOff x="0" y="0"/>
+          <a:chExt cx="0" cy="0"/>
+        </a:xfrm>
+      </p:grpSpPr>
+      <p:pic>
+        <p:nvPicPr>
+          <p:cNvPr id="1026" name="Picture 2" descr="관련 이미지"/>
+          <p:cNvPicPr>
+            <a:picLocks noChangeAspect="1" noChangeArrowheads="1"/>
+          </p:cNvPicPr>
+          <p:nvPr/>
+        </p:nvPicPr>
+        <p:blipFill>
+          <a:blip r:embed="rId2">
+            <a:extLst>
+              <a:ext uri="{28A0092B-C50C-407E-A947-70E740481C1C}">
+                <a14:useLocalDpi xmlns:a14="http://schemas.microsoft.com/office/drawing/2010/main" val="0"/>
+              </a:ext>
+            </a:extLst>
+          </a:blip>
+          <a:srcRect/>
+          <a:stretch>
+            <a:fillRect/>
+          </a:stretch>
+        </p:blipFill>
+        <p:spPr bwMode="auto">
+          <a:xfrm>
+            <a:off x="4930436" y="727599"/>
+            <a:ext cx="1257300" cy="1257300"/>
+          </a:xfrm>
+          <a:prstGeom prst="rect">
+            <a:avLst/>
+          </a:prstGeom>
+          <a:noFill/>
+          <a:extLst>
+            <a:ext uri="{909E8E84-426E-40DD-AFC4-6F175D3DCCD1}">
+              <a14:hiddenFill xmlns:a14="http://schemas.microsoft.com/office/drawing/2010/main">
+                <a:solidFill>
+                  <a:srgbClr val="FFFFFF"/>
+                </a:solidFill>
+              </a14:hiddenFill>
+            </a:ext>
+          </a:extLst>
+        </p:spPr>
+      </p:pic>
+      <p:sp>
+        <p:nvSpPr>
+          <p:cNvPr id="4" name="사각형: 둥근 모서리 3"/>
+          <p:cNvSpPr/>
+          <p:nvPr/>
+        </p:nvSpPr>
+        <p:spPr>
+          <a:xfrm>
+            <a:off x="843379" y="3586579"/>
+            <a:ext cx="2281561" cy="1455938"/>
+          </a:xfrm>
+          <a:prstGeom prst="roundRect">
+            <a:avLst/>
+          </a:prstGeom>
+        </p:spPr>
+        <p:style>
+          <a:lnRef idx="2">
+            <a:schemeClr val="accent1"/>
+          </a:lnRef>
+          <a:fillRef idx="1">
+            <a:schemeClr val="lt1"/>
+          </a:fillRef>
+          <a:effectRef idx="0">
+            <a:schemeClr val="accent1"/>
+          </a:effectRef>
+          <a:fontRef idx="minor">
+            <a:schemeClr val="dk1"/>
+          </a:fontRef>
+        </p:style>
+        <p:txBody>
+          <a:bodyPr rtlCol="0" anchor="ctr"/>
+          <a:lstStyle/>
+          <a:p>
+            <a:pPr algn="ctr"/>
+            <a:endParaRPr lang="ko-KR" altLang="en-US"/>
+          </a:p>
+        </p:txBody>
+      </p:sp>
+      <p:sp>
+        <p:nvSpPr>
+          <p:cNvPr id="5" name="TextBox 4"/>
+          <p:cNvSpPr txBox="1"/>
+          <p:nvPr/>
+        </p:nvSpPr>
+        <p:spPr>
+          <a:xfrm>
+            <a:off x="8496670" y="2646218"/>
+            <a:ext cx="2168371" cy="369332"/>
+          </a:xfrm>
+          <a:prstGeom prst="rect">
+            <a:avLst/>
+          </a:prstGeom>
+          <a:noFill/>
+        </p:spPr>
+        <p:txBody>
+          <a:bodyPr wrap="square" rtlCol="0">
+            <a:spAutoFit/>
+          </a:bodyPr>
+          <a:lstStyle/>
+          <a:p>
+            <a:r>
+              <a:rPr lang="en-US" altLang="ko-KR" dirty="0" err="1"/>
+              <a:t>Network_ID</a:t>
+            </a:r>
+            <a:r>
+              <a:rPr lang="en-US" altLang="ko-KR" dirty="0"/>
+              <a:t> : 103</a:t>
+            </a:r>
+            <a:endParaRPr lang="ko-KR" altLang="en-US" dirty="0"/>
+          </a:p>
+        </p:txBody>
+      </p:sp>
+      <p:cxnSp>
+        <p:nvCxnSpPr>
+          <p:cNvPr id="8" name="직선 연결선 7"/>
+          <p:cNvCxnSpPr>
+            <a:cxnSpLocks/>
+            <a:endCxn id="4" idx="0"/>
+          </p:cNvCxnSpPr>
+          <p:nvPr/>
+        </p:nvCxnSpPr>
+        <p:spPr>
+          <a:xfrm flipH="1">
+            <a:off x="1984160" y="1784412"/>
+            <a:ext cx="3031723" cy="1802167"/>
+          </a:xfrm>
+          <a:prstGeom prst="line">
+            <a:avLst/>
+          </a:prstGeom>
+        </p:spPr>
+        <p:style>
+          <a:lnRef idx="3">
+            <a:schemeClr val="accent1"/>
+          </a:lnRef>
+          <a:fillRef idx="0">
+            <a:schemeClr val="accent1"/>
+          </a:fillRef>
+          <a:effectRef idx="2">
+            <a:schemeClr val="accent1"/>
+          </a:effectRef>
+          <a:fontRef idx="minor">
+            <a:schemeClr val="tx1"/>
+          </a:fontRef>
+        </p:style>
+      </p:cxnSp>
+      <p:sp>
+        <p:nvSpPr>
+          <p:cNvPr id="11" name="사각형: 둥근 모서리 10"/>
+          <p:cNvSpPr/>
+          <p:nvPr/>
+        </p:nvSpPr>
+        <p:spPr>
+          <a:xfrm>
+            <a:off x="4595674" y="3586579"/>
+            <a:ext cx="2281561" cy="1455938"/>
+          </a:xfrm>
+          <a:prstGeom prst="roundRect">
+            <a:avLst/>
+          </a:prstGeom>
+        </p:spPr>
+        <p:style>
+          <a:lnRef idx="2">
+            <a:schemeClr val="accent6"/>
+          </a:lnRef>
+          <a:fillRef idx="1">
+            <a:schemeClr val="lt1"/>
+          </a:fillRef>
+          <a:effectRef idx="0">
+            <a:schemeClr val="accent6"/>
+          </a:effectRef>
+          <a:fontRef idx="minor">
+            <a:schemeClr val="dk1"/>
+          </a:fontRef>
+        </p:style>
+        <p:txBody>
+          <a:bodyPr rtlCol="0" anchor="ctr"/>
+          <a:lstStyle/>
+          <a:p>
+            <a:pPr algn="ctr"/>
+            <a:endParaRPr lang="ko-KR" altLang="en-US"/>
+          </a:p>
+        </p:txBody>
+      </p:sp>
+      <p:sp>
+        <p:nvSpPr>
+          <p:cNvPr id="12" name="사각형: 둥근 모서리 11"/>
+          <p:cNvSpPr/>
+          <p:nvPr/>
+        </p:nvSpPr>
+        <p:spPr>
+          <a:xfrm>
+            <a:off x="8383480" y="3586579"/>
+            <a:ext cx="2281561" cy="1455938"/>
+          </a:xfrm>
+          <a:prstGeom prst="roundRect">
+            <a:avLst/>
+          </a:prstGeom>
+        </p:spPr>
+        <p:style>
+          <a:lnRef idx="2">
+            <a:schemeClr val="accent2"/>
+          </a:lnRef>
+          <a:fillRef idx="1">
+            <a:schemeClr val="lt1"/>
+          </a:fillRef>
+          <a:effectRef idx="0">
+            <a:schemeClr val="accent2"/>
+          </a:effectRef>
+          <a:fontRef idx="minor">
+            <a:schemeClr val="dk1"/>
+          </a:fontRef>
+        </p:style>
+        <p:txBody>
+          <a:bodyPr rtlCol="0" anchor="ctr"/>
+          <a:lstStyle/>
+          <a:p>
+            <a:pPr algn="ctr"/>
+            <a:endParaRPr lang="ko-KR" altLang="en-US"/>
+          </a:p>
+        </p:txBody>
+      </p:sp>
+      <p:cxnSp>
+        <p:nvCxnSpPr>
+          <p:cNvPr id="13" name="직선 연결선 12"/>
+          <p:cNvCxnSpPr>
+            <a:stCxn id="1026" idx="2"/>
+            <a:endCxn id="11" idx="0"/>
+          </p:cNvCxnSpPr>
+          <p:nvPr/>
+        </p:nvCxnSpPr>
+        <p:spPr>
+          <a:xfrm>
+            <a:off x="5559086" y="1984899"/>
+            <a:ext cx="177369" cy="1601680"/>
+          </a:xfrm>
+          <a:prstGeom prst="line">
+            <a:avLst/>
+          </a:prstGeom>
+        </p:spPr>
+        <p:style>
+          <a:lnRef idx="3">
+            <a:schemeClr val="accent6"/>
+          </a:lnRef>
+          <a:fillRef idx="0">
+            <a:schemeClr val="accent6"/>
+          </a:fillRef>
+          <a:effectRef idx="2">
+            <a:schemeClr val="accent6"/>
+          </a:effectRef>
+          <a:fontRef idx="minor">
+            <a:schemeClr val="tx1"/>
+          </a:fontRef>
+        </p:style>
+      </p:cxnSp>
+      <p:cxnSp>
+        <p:nvCxnSpPr>
+          <p:cNvPr id="15" name="직선 연결선 14"/>
+          <p:cNvCxnSpPr>
+            <a:cxnSpLocks/>
+            <a:endCxn id="12" idx="0"/>
+          </p:cNvCxnSpPr>
+          <p:nvPr/>
+        </p:nvCxnSpPr>
+        <p:spPr>
+          <a:xfrm>
+            <a:off x="6071216" y="1500326"/>
+            <a:ext cx="3453045" cy="2086253"/>
+          </a:xfrm>
+          <a:prstGeom prst="line">
+            <a:avLst/>
+          </a:prstGeom>
+        </p:spPr>
+        <p:style>
+          <a:lnRef idx="3">
+            <a:schemeClr val="accent2"/>
+          </a:lnRef>
+          <a:fillRef idx="0">
+            <a:schemeClr val="accent2"/>
+          </a:fillRef>
+          <a:effectRef idx="2">
+            <a:schemeClr val="accent2"/>
+          </a:effectRef>
+          <a:fontRef idx="minor">
+            <a:schemeClr val="tx1"/>
+          </a:fontRef>
+        </p:style>
+      </p:cxnSp>
+      <p:sp>
+        <p:nvSpPr>
+          <p:cNvPr id="17" name="TextBox 16"/>
+          <p:cNvSpPr txBox="1"/>
+          <p:nvPr/>
+        </p:nvSpPr>
+        <p:spPr>
+          <a:xfrm>
+            <a:off x="1526959" y="2488992"/>
+            <a:ext cx="2175029" cy="369332"/>
+          </a:xfrm>
+          <a:prstGeom prst="rect">
+            <a:avLst/>
+          </a:prstGeom>
+          <a:noFill/>
+        </p:spPr>
+        <p:txBody>
+          <a:bodyPr wrap="square" rtlCol="0">
+            <a:spAutoFit/>
+          </a:bodyPr>
+          <a:lstStyle/>
+          <a:p>
+            <a:r>
+              <a:rPr lang="en-US" altLang="ko-KR" dirty="0" err="1"/>
+              <a:t>Network_ID</a:t>
+            </a:r>
+            <a:r>
+              <a:rPr lang="en-US" altLang="ko-KR" dirty="0"/>
+              <a:t> : 101</a:t>
+            </a:r>
+            <a:endParaRPr lang="ko-KR" altLang="en-US" dirty="0"/>
+          </a:p>
+        </p:txBody>
+      </p:sp>
+      <p:sp>
+        <p:nvSpPr>
+          <p:cNvPr id="18" name="TextBox 17"/>
+          <p:cNvSpPr txBox="1"/>
+          <p:nvPr/>
+        </p:nvSpPr>
+        <p:spPr>
+          <a:xfrm>
+            <a:off x="5570183" y="2673658"/>
+            <a:ext cx="2739316" cy="369332"/>
+          </a:xfrm>
+          <a:prstGeom prst="rect">
+            <a:avLst/>
+          </a:prstGeom>
+          <a:noFill/>
+        </p:spPr>
+        <p:txBody>
+          <a:bodyPr wrap="square" rtlCol="0">
+            <a:spAutoFit/>
+          </a:bodyPr>
+          <a:lstStyle/>
+          <a:p>
+            <a:r>
+              <a:rPr lang="en-US" altLang="ko-KR" dirty="0" err="1"/>
+              <a:t>Network_ID</a:t>
+            </a:r>
+            <a:r>
+              <a:rPr lang="en-US" altLang="ko-KR" dirty="0"/>
+              <a:t> : 102</a:t>
+            </a:r>
+            <a:endParaRPr lang="ko-KR" altLang="en-US" dirty="0"/>
+          </a:p>
+        </p:txBody>
+      </p:sp>
+      <p:sp>
+        <p:nvSpPr>
+          <p:cNvPr id="16" name="타원 15"/>
+          <p:cNvSpPr/>
+          <p:nvPr/>
+        </p:nvSpPr>
+        <p:spPr>
+          <a:xfrm>
+            <a:off x="1025370" y="3888418"/>
+            <a:ext cx="1003177" cy="426129"/>
+          </a:xfrm>
+          <a:prstGeom prst="ellipse">
+            <a:avLst/>
+          </a:prstGeom>
+        </p:spPr>
+        <p:style>
+          <a:lnRef idx="2">
+            <a:schemeClr val="accent1">
+              <a:shade val="50000"/>
+            </a:schemeClr>
+          </a:lnRef>
+          <a:fillRef idx="1">
+            <a:schemeClr val="accent1"/>
+          </a:fillRef>
+          <a:effectRef idx="0">
+            <a:schemeClr val="accent1"/>
+          </a:effectRef>
+          <a:fontRef idx="minor">
+            <a:schemeClr val="lt1"/>
+          </a:fontRef>
+        </p:style>
+        <p:txBody>
+          <a:bodyPr rtlCol="0" anchor="ctr"/>
+          <a:lstStyle/>
+          <a:p>
+            <a:pPr algn="ctr"/>
+            <a:r>
+              <a:rPr lang="en-US" altLang="ko-KR" sz="1200" dirty="0"/>
+              <a:t>Player_</a:t>
+            </a:r>
+          </a:p>
+          <a:p>
+            <a:pPr algn="ctr"/>
+            <a:r>
+              <a:rPr lang="en-US" altLang="ko-KR" sz="1200" dirty="0"/>
+              <a:t>2000</a:t>
+            </a:r>
+          </a:p>
+        </p:txBody>
+      </p:sp>
+      <p:sp>
+        <p:nvSpPr>
+          <p:cNvPr id="20" name="타원 19"/>
+          <p:cNvSpPr/>
+          <p:nvPr/>
+        </p:nvSpPr>
+        <p:spPr>
+          <a:xfrm>
+            <a:off x="1056442" y="4500977"/>
+            <a:ext cx="1003177" cy="426129"/>
+          </a:xfrm>
+          <a:prstGeom prst="ellipse">
+            <a:avLst/>
+          </a:prstGeom>
+          <a:solidFill>
+            <a:schemeClr val="accent6">
+              <a:lumMod val="75000"/>
+            </a:schemeClr>
+          </a:solidFill>
+        </p:spPr>
+        <p:style>
+          <a:lnRef idx="2">
+            <a:schemeClr val="accent1">
+              <a:shade val="50000"/>
+            </a:schemeClr>
+          </a:lnRef>
+          <a:fillRef idx="1">
+            <a:schemeClr val="accent1"/>
+          </a:fillRef>
+          <a:effectRef idx="0">
+            <a:schemeClr val="accent1"/>
+          </a:effectRef>
+          <a:fontRef idx="minor">
+            <a:schemeClr val="lt1"/>
+          </a:fontRef>
+        </p:style>
+        <p:txBody>
+          <a:bodyPr rtlCol="0" anchor="ctr"/>
+          <a:lstStyle/>
+          <a:p>
+            <a:pPr algn="ctr"/>
+            <a:r>
+              <a:rPr lang="en-US" altLang="ko-KR" sz="1200" dirty="0"/>
+              <a:t>Player_</a:t>
+            </a:r>
+          </a:p>
+          <a:p>
+            <a:pPr algn="ctr"/>
+            <a:r>
+              <a:rPr lang="en-US" altLang="ko-KR" sz="1200" dirty="0"/>
+              <a:t>2002</a:t>
+            </a:r>
+          </a:p>
+        </p:txBody>
+      </p:sp>
+      <p:sp>
+        <p:nvSpPr>
+          <p:cNvPr id="21" name="타원 20"/>
+          <p:cNvSpPr/>
+          <p:nvPr/>
+        </p:nvSpPr>
+        <p:spPr>
+          <a:xfrm>
+            <a:off x="2059619" y="3669720"/>
+            <a:ext cx="1003177" cy="426129"/>
+          </a:xfrm>
+          <a:prstGeom prst="ellipse">
+            <a:avLst/>
+          </a:prstGeom>
+          <a:solidFill>
+            <a:schemeClr val="accent2"/>
+          </a:solidFill>
+        </p:spPr>
+        <p:style>
+          <a:lnRef idx="2">
+            <a:schemeClr val="accent1">
+              <a:shade val="50000"/>
+            </a:schemeClr>
+          </a:lnRef>
+          <a:fillRef idx="1">
+            <a:schemeClr val="accent1"/>
+          </a:fillRef>
+          <a:effectRef idx="0">
+            <a:schemeClr val="accent1"/>
+          </a:effectRef>
+          <a:fontRef idx="minor">
+            <a:schemeClr val="lt1"/>
+          </a:fontRef>
+        </p:style>
+        <p:txBody>
+          <a:bodyPr rtlCol="0" anchor="ctr"/>
+          <a:lstStyle/>
+          <a:p>
+            <a:pPr algn="ctr"/>
+            <a:r>
+              <a:rPr lang="en-US" altLang="ko-KR" sz="1200" dirty="0"/>
+              <a:t>Player_</a:t>
+            </a:r>
+          </a:p>
+          <a:p>
+            <a:pPr algn="ctr"/>
+            <a:r>
+              <a:rPr lang="en-US" altLang="ko-KR" sz="1200" dirty="0"/>
+              <a:t>2001</a:t>
+            </a:r>
+          </a:p>
+        </p:txBody>
+      </p:sp>
+      <p:sp>
+        <p:nvSpPr>
+          <p:cNvPr id="22" name="타원 21"/>
+          <p:cNvSpPr/>
+          <p:nvPr/>
+        </p:nvSpPr>
+        <p:spPr>
+          <a:xfrm>
+            <a:off x="4733278" y="3888418"/>
+            <a:ext cx="1003177" cy="426129"/>
+          </a:xfrm>
+          <a:prstGeom prst="ellipse">
+            <a:avLst/>
+          </a:prstGeom>
+        </p:spPr>
+        <p:style>
+          <a:lnRef idx="2">
+            <a:schemeClr val="accent1">
+              <a:shade val="50000"/>
+            </a:schemeClr>
+          </a:lnRef>
+          <a:fillRef idx="1">
+            <a:schemeClr val="accent1"/>
+          </a:fillRef>
+          <a:effectRef idx="0">
+            <a:schemeClr val="accent1"/>
+          </a:effectRef>
+          <a:fontRef idx="minor">
+            <a:schemeClr val="lt1"/>
+          </a:fontRef>
+        </p:style>
+        <p:txBody>
+          <a:bodyPr rtlCol="0" anchor="ctr"/>
+          <a:lstStyle/>
+          <a:p>
+            <a:pPr algn="ctr"/>
+            <a:r>
+              <a:rPr lang="en-US" altLang="ko-KR" sz="1200" dirty="0"/>
+              <a:t>Player_</a:t>
+            </a:r>
+          </a:p>
+          <a:p>
+            <a:pPr algn="ctr"/>
+            <a:r>
+              <a:rPr lang="en-US" altLang="ko-KR" sz="1200" dirty="0"/>
+              <a:t>2000</a:t>
+            </a:r>
+          </a:p>
+        </p:txBody>
+      </p:sp>
+      <p:sp>
+        <p:nvSpPr>
+          <p:cNvPr id="23" name="타원 22"/>
+          <p:cNvSpPr/>
+          <p:nvPr/>
+        </p:nvSpPr>
+        <p:spPr>
+          <a:xfrm>
+            <a:off x="4764350" y="4500977"/>
+            <a:ext cx="1003177" cy="426129"/>
+          </a:xfrm>
+          <a:prstGeom prst="ellipse">
+            <a:avLst/>
+          </a:prstGeom>
+          <a:solidFill>
+            <a:schemeClr val="accent6">
+              <a:lumMod val="75000"/>
+            </a:schemeClr>
+          </a:solidFill>
+        </p:spPr>
+        <p:style>
+          <a:lnRef idx="2">
+            <a:schemeClr val="accent1">
+              <a:shade val="50000"/>
+            </a:schemeClr>
+          </a:lnRef>
+          <a:fillRef idx="1">
+            <a:schemeClr val="accent1"/>
+          </a:fillRef>
+          <a:effectRef idx="0">
+            <a:schemeClr val="accent1"/>
+          </a:effectRef>
+          <a:fontRef idx="minor">
+            <a:schemeClr val="lt1"/>
+          </a:fontRef>
+        </p:style>
+        <p:txBody>
+          <a:bodyPr rtlCol="0" anchor="ctr"/>
+          <a:lstStyle/>
+          <a:p>
+            <a:pPr algn="ctr"/>
+            <a:r>
+              <a:rPr lang="en-US" altLang="ko-KR" sz="1200" dirty="0"/>
+              <a:t>Player_</a:t>
+            </a:r>
+          </a:p>
+          <a:p>
+            <a:pPr algn="ctr"/>
+            <a:r>
+              <a:rPr lang="en-US" altLang="ko-KR" sz="1200" dirty="0"/>
+              <a:t>2002</a:t>
+            </a:r>
+          </a:p>
+        </p:txBody>
+      </p:sp>
+      <p:sp>
+        <p:nvSpPr>
+          <p:cNvPr id="24" name="타원 23"/>
+          <p:cNvSpPr/>
+          <p:nvPr/>
+        </p:nvSpPr>
+        <p:spPr>
+          <a:xfrm>
+            <a:off x="5767527" y="3669720"/>
+            <a:ext cx="1003177" cy="426129"/>
+          </a:xfrm>
+          <a:prstGeom prst="ellipse">
+            <a:avLst/>
+          </a:prstGeom>
+          <a:solidFill>
+            <a:schemeClr val="accent2"/>
+          </a:solidFill>
+        </p:spPr>
+        <p:style>
+          <a:lnRef idx="2">
+            <a:schemeClr val="accent1">
+              <a:shade val="50000"/>
+            </a:schemeClr>
+          </a:lnRef>
+          <a:fillRef idx="1">
+            <a:schemeClr val="accent1"/>
+          </a:fillRef>
+          <a:effectRef idx="0">
+            <a:schemeClr val="accent1"/>
+          </a:effectRef>
+          <a:fontRef idx="minor">
+            <a:schemeClr val="lt1"/>
+          </a:fontRef>
+        </p:style>
+        <p:txBody>
+          <a:bodyPr rtlCol="0" anchor="ctr"/>
+          <a:lstStyle/>
+          <a:p>
+            <a:pPr algn="ctr"/>
+            <a:r>
+              <a:rPr lang="en-US" altLang="ko-KR" sz="1200" dirty="0"/>
+              <a:t>Player_</a:t>
+            </a:r>
+          </a:p>
+          <a:p>
+            <a:pPr algn="ctr"/>
+            <a:r>
+              <a:rPr lang="en-US" altLang="ko-KR" sz="1200" dirty="0"/>
+              <a:t>2001</a:t>
+            </a:r>
+          </a:p>
+        </p:txBody>
+      </p:sp>
+      <p:sp>
+        <p:nvSpPr>
+          <p:cNvPr id="25" name="타원 24"/>
+          <p:cNvSpPr/>
+          <p:nvPr/>
+        </p:nvSpPr>
+        <p:spPr>
+          <a:xfrm>
+            <a:off x="8496670" y="3898919"/>
+            <a:ext cx="1003177" cy="426129"/>
+          </a:xfrm>
+          <a:prstGeom prst="ellipse">
+            <a:avLst/>
+          </a:prstGeom>
+        </p:spPr>
+        <p:style>
+          <a:lnRef idx="2">
+            <a:schemeClr val="accent1">
+              <a:shade val="50000"/>
+            </a:schemeClr>
+          </a:lnRef>
+          <a:fillRef idx="1">
+            <a:schemeClr val="accent1"/>
+          </a:fillRef>
+          <a:effectRef idx="0">
+            <a:schemeClr val="accent1"/>
+          </a:effectRef>
+          <a:fontRef idx="minor">
+            <a:schemeClr val="lt1"/>
+          </a:fontRef>
+        </p:style>
+        <p:txBody>
+          <a:bodyPr rtlCol="0" anchor="ctr"/>
+          <a:lstStyle/>
+          <a:p>
+            <a:pPr algn="ctr"/>
+            <a:r>
+              <a:rPr lang="en-US" altLang="ko-KR" sz="1200" dirty="0"/>
+              <a:t>Player_</a:t>
+            </a:r>
+          </a:p>
+          <a:p>
+            <a:pPr algn="ctr"/>
+            <a:r>
+              <a:rPr lang="en-US" altLang="ko-KR" sz="1200" dirty="0"/>
+              <a:t>2000</a:t>
+            </a:r>
+          </a:p>
+        </p:txBody>
+      </p:sp>
+      <p:sp>
+        <p:nvSpPr>
+          <p:cNvPr id="26" name="타원 25"/>
+          <p:cNvSpPr/>
+          <p:nvPr/>
+        </p:nvSpPr>
+        <p:spPr>
+          <a:xfrm>
+            <a:off x="8527742" y="4511478"/>
+            <a:ext cx="1003177" cy="426129"/>
+          </a:xfrm>
+          <a:prstGeom prst="ellipse">
+            <a:avLst/>
+          </a:prstGeom>
+          <a:solidFill>
+            <a:schemeClr val="accent6">
+              <a:lumMod val="75000"/>
+            </a:schemeClr>
+          </a:solidFill>
+        </p:spPr>
+        <p:style>
+          <a:lnRef idx="2">
+            <a:schemeClr val="accent1">
+              <a:shade val="50000"/>
+            </a:schemeClr>
+          </a:lnRef>
+          <a:fillRef idx="1">
+            <a:schemeClr val="accent1"/>
+          </a:fillRef>
+          <a:effectRef idx="0">
+            <a:schemeClr val="accent1"/>
+          </a:effectRef>
+          <a:fontRef idx="minor">
+            <a:schemeClr val="lt1"/>
+          </a:fontRef>
+        </p:style>
+        <p:txBody>
+          <a:bodyPr rtlCol="0" anchor="ctr"/>
+          <a:lstStyle/>
+          <a:p>
+            <a:pPr algn="ctr"/>
+            <a:r>
+              <a:rPr lang="en-US" altLang="ko-KR" sz="1200" dirty="0"/>
+              <a:t>Player_</a:t>
+            </a:r>
+          </a:p>
+          <a:p>
+            <a:pPr algn="ctr"/>
+            <a:r>
+              <a:rPr lang="en-US" altLang="ko-KR" sz="1200" dirty="0"/>
+              <a:t>2002</a:t>
+            </a:r>
+          </a:p>
+        </p:txBody>
+      </p:sp>
+      <p:sp>
+        <p:nvSpPr>
+          <p:cNvPr id="27" name="타원 26"/>
+          <p:cNvSpPr/>
+          <p:nvPr/>
+        </p:nvSpPr>
+        <p:spPr>
+          <a:xfrm>
+            <a:off x="9530919" y="3680221"/>
+            <a:ext cx="1003177" cy="426129"/>
+          </a:xfrm>
+          <a:prstGeom prst="ellipse">
+            <a:avLst/>
+          </a:prstGeom>
+          <a:solidFill>
+            <a:schemeClr val="accent2"/>
+          </a:solidFill>
+        </p:spPr>
+        <p:style>
+          <a:lnRef idx="2">
+            <a:schemeClr val="accent1">
+              <a:shade val="50000"/>
+            </a:schemeClr>
+          </a:lnRef>
+          <a:fillRef idx="1">
+            <a:schemeClr val="accent1"/>
+          </a:fillRef>
+          <a:effectRef idx="0">
+            <a:schemeClr val="accent1"/>
+          </a:effectRef>
+          <a:fontRef idx="minor">
+            <a:schemeClr val="lt1"/>
+          </a:fontRef>
+        </p:style>
+        <p:txBody>
+          <a:bodyPr rtlCol="0" anchor="ctr"/>
+          <a:lstStyle/>
+          <a:p>
+            <a:pPr algn="ctr"/>
+            <a:r>
+              <a:rPr lang="en-US" altLang="ko-KR" sz="1200" dirty="0"/>
+              <a:t>Player_</a:t>
+            </a:r>
+          </a:p>
+          <a:p>
+            <a:pPr algn="ctr"/>
+            <a:r>
+              <a:rPr lang="en-US" altLang="ko-KR" sz="1200" dirty="0"/>
+              <a:t>2001</a:t>
+            </a:r>
+          </a:p>
+        </p:txBody>
+      </p:sp>
+      <p:sp>
+        <p:nvSpPr>
+          <p:cNvPr id="28" name="오각형 27"/>
+          <p:cNvSpPr/>
+          <p:nvPr/>
+        </p:nvSpPr>
+        <p:spPr>
+          <a:xfrm>
+            <a:off x="2112515" y="4325048"/>
+            <a:ext cx="959529" cy="639192"/>
+          </a:xfrm>
+          <a:prstGeom prst="pentagon">
+            <a:avLst/>
+          </a:prstGeom>
+        </p:spPr>
+        <p:style>
+          <a:lnRef idx="2">
+            <a:schemeClr val="dk1">
+              <a:shade val="50000"/>
+            </a:schemeClr>
+          </a:lnRef>
+          <a:fillRef idx="1">
+            <a:schemeClr val="dk1"/>
+          </a:fillRef>
+          <a:effectRef idx="0">
+            <a:schemeClr val="dk1"/>
+          </a:effectRef>
+          <a:fontRef idx="minor">
+            <a:schemeClr val="lt1"/>
+          </a:fontRef>
+        </p:style>
+        <p:txBody>
+          <a:bodyPr rtlCol="0" anchor="ctr"/>
+          <a:lstStyle/>
+          <a:p>
+            <a:pPr algn="ctr"/>
+            <a:r>
+              <a:rPr lang="en-US" altLang="ko-KR" sz="1200"/>
+              <a:t>NPC_2003</a:t>
+            </a:r>
+            <a:endParaRPr lang="ko-KR" altLang="en-US" sz="1200" dirty="0"/>
+          </a:p>
+        </p:txBody>
+      </p:sp>
+      <p:sp>
+        <p:nvSpPr>
+          <p:cNvPr id="32" name="오각형 31"/>
+          <p:cNvSpPr/>
+          <p:nvPr/>
+        </p:nvSpPr>
+        <p:spPr>
+          <a:xfrm>
+            <a:off x="5811175" y="4301231"/>
+            <a:ext cx="959529" cy="639192"/>
+          </a:xfrm>
+          <a:prstGeom prst="pentagon">
+            <a:avLst/>
+          </a:prstGeom>
+        </p:spPr>
+        <p:style>
+          <a:lnRef idx="2">
+            <a:schemeClr val="dk1">
+              <a:shade val="50000"/>
+            </a:schemeClr>
+          </a:lnRef>
+          <a:fillRef idx="1">
+            <a:schemeClr val="dk1"/>
+          </a:fillRef>
+          <a:effectRef idx="0">
+            <a:schemeClr val="dk1"/>
+          </a:effectRef>
+          <a:fontRef idx="minor">
+            <a:schemeClr val="lt1"/>
+          </a:fontRef>
+        </p:style>
+        <p:txBody>
+          <a:bodyPr rtlCol="0" anchor="ctr"/>
+          <a:lstStyle/>
+          <a:p>
+            <a:pPr algn="ctr"/>
+            <a:r>
+              <a:rPr lang="en-US" altLang="ko-KR" sz="1200"/>
+              <a:t>NPC_2003</a:t>
+            </a:r>
+            <a:endParaRPr lang="ko-KR" altLang="en-US" sz="1200" dirty="0"/>
+          </a:p>
+        </p:txBody>
+      </p:sp>
+      <p:sp>
+        <p:nvSpPr>
+          <p:cNvPr id="33" name="오각형 32"/>
+          <p:cNvSpPr/>
+          <p:nvPr/>
+        </p:nvSpPr>
+        <p:spPr>
+          <a:xfrm>
+            <a:off x="9574567" y="4314547"/>
+            <a:ext cx="959529" cy="639192"/>
+          </a:xfrm>
+          <a:prstGeom prst="pentagon">
+            <a:avLst/>
+          </a:prstGeom>
+        </p:spPr>
+        <p:style>
+          <a:lnRef idx="2">
+            <a:schemeClr val="dk1">
+              <a:shade val="50000"/>
+            </a:schemeClr>
+          </a:lnRef>
+          <a:fillRef idx="1">
+            <a:schemeClr val="dk1"/>
+          </a:fillRef>
+          <a:effectRef idx="0">
+            <a:schemeClr val="dk1"/>
+          </a:effectRef>
+          <a:fontRef idx="minor">
+            <a:schemeClr val="lt1"/>
+          </a:fontRef>
+        </p:style>
+        <p:txBody>
+          <a:bodyPr rtlCol="0" anchor="ctr"/>
+          <a:lstStyle/>
+          <a:p>
+            <a:pPr algn="ctr"/>
+            <a:r>
+              <a:rPr lang="en-US" altLang="ko-KR" sz="1200"/>
+              <a:t>NPC_2003</a:t>
+            </a:r>
+            <a:endParaRPr lang="ko-KR" altLang="en-US" sz="1200" dirty="0"/>
+          </a:p>
+        </p:txBody>
+      </p:sp>
+    </p:spTree>
+    <p:extLst>
+      <p:ext uri="{BB962C8B-B14F-4D97-AF65-F5344CB8AC3E}">
+        <p14:creationId xmlns:p14="http://schemas.microsoft.com/office/powerpoint/2010/main" val="1060688762"/>
+      </p:ext>
+    </p:extLst>
+  </p:cSld>
+  <p:clrMapOvr>
+    <a:masterClrMapping/>
+  </p:clrMapOvr>
+</p:sld>
+</file>
+
 <file path=ppt/slides/slide2.xml><?xml version="1.0" encoding="utf-8"?>
 <p:sld xmlns:a="http://schemas.openxmlformats.org/drawingml/2006/main" xmlns:r="http://schemas.openxmlformats.org/officeDocument/2006/relationships" xmlns:p="http://schemas.openxmlformats.org/presentationml/2006/main">
   <p:cSld>
@@ -7292,7 +8285,7 @@
         </p:nvSpPr>
         <p:spPr>
           <a:xfrm>
-            <a:off x="426127" y="363984"/>
+            <a:off x="426127" y="328473"/>
             <a:ext cx="8256233" cy="1473694"/>
           </a:xfrm>
           <a:prstGeom prst="rect">
@@ -8332,6 +9325,733 @@
             <a:r>
               <a:rPr lang="ko-KR" altLang="en-US" dirty="0"/>
               <a:t>정수형 프로토콜</a:t>
+            </a:r>
+          </a:p>
+        </p:txBody>
+      </p:sp>
+      <p:sp>
+        <p:nvSpPr>
+          <p:cNvPr id="37" name="직사각형 36"/>
+          <p:cNvSpPr/>
+          <p:nvPr/>
+        </p:nvSpPr>
+        <p:spPr>
+          <a:xfrm>
+            <a:off x="1158165" y="4981853"/>
+            <a:ext cx="7503480" cy="1473694"/>
+          </a:xfrm>
+          <a:prstGeom prst="rect">
+            <a:avLst/>
+          </a:prstGeom>
+        </p:spPr>
+        <p:style>
+          <a:lnRef idx="2">
+            <a:schemeClr val="accent1">
+              <a:shade val="50000"/>
+            </a:schemeClr>
+          </a:lnRef>
+          <a:fillRef idx="1">
+            <a:schemeClr val="accent1"/>
+          </a:fillRef>
+          <a:effectRef idx="0">
+            <a:schemeClr val="accent1"/>
+          </a:effectRef>
+          <a:fontRef idx="minor">
+            <a:schemeClr val="lt1"/>
+          </a:fontRef>
+        </p:style>
+        <p:txBody>
+          <a:bodyPr rtlCol="0" anchor="ctr"/>
+          <a:lstStyle/>
+          <a:p>
+            <a:pPr algn="ctr"/>
+            <a:endParaRPr lang="ko-KR" altLang="en-US"/>
+          </a:p>
+        </p:txBody>
+      </p:sp>
+      <p:cxnSp>
+        <p:nvCxnSpPr>
+          <p:cNvPr id="38" name="직선 연결선 37"/>
+          <p:cNvCxnSpPr>
+            <a:cxnSpLocks/>
+          </p:cNvCxnSpPr>
+          <p:nvPr/>
+        </p:nvCxnSpPr>
+        <p:spPr>
+          <a:xfrm>
+            <a:off x="1186648" y="4990730"/>
+            <a:ext cx="0" cy="1473694"/>
+          </a:xfrm>
+          <a:prstGeom prst="line">
+            <a:avLst/>
+          </a:prstGeom>
+          <a:ln w="38100">
+            <a:solidFill>
+              <a:schemeClr val="tx1"/>
+            </a:solidFill>
+          </a:ln>
+        </p:spPr>
+        <p:style>
+          <a:lnRef idx="1">
+            <a:schemeClr val="accent1"/>
+          </a:lnRef>
+          <a:fillRef idx="0">
+            <a:schemeClr val="accent1"/>
+          </a:fillRef>
+          <a:effectRef idx="0">
+            <a:schemeClr val="accent1"/>
+          </a:effectRef>
+          <a:fontRef idx="minor">
+            <a:schemeClr val="tx1"/>
+          </a:fontRef>
+        </p:style>
+      </p:cxnSp>
+      <p:sp>
+        <p:nvSpPr>
+          <p:cNvPr id="39" name="TextBox 38"/>
+          <p:cNvSpPr txBox="1"/>
+          <p:nvPr/>
+        </p:nvSpPr>
+        <p:spPr>
+          <a:xfrm>
+            <a:off x="1437067" y="5406172"/>
+            <a:ext cx="692458" cy="646331"/>
+          </a:xfrm>
+          <a:prstGeom prst="rect">
+            <a:avLst/>
+          </a:prstGeom>
+          <a:noFill/>
+        </p:spPr>
+        <p:txBody>
+          <a:bodyPr wrap="square" rtlCol="0">
+            <a:spAutoFit/>
+          </a:bodyPr>
+          <a:lstStyle/>
+          <a:p>
+            <a:r>
+              <a:rPr lang="ko-KR" altLang="en-US" dirty="0" err="1"/>
+              <a:t>패킷크기</a:t>
+            </a:r>
+            <a:endParaRPr lang="ko-KR" altLang="en-US" dirty="0"/>
+          </a:p>
+        </p:txBody>
+      </p:sp>
+      <p:sp>
+        <p:nvSpPr>
+          <p:cNvPr id="40" name="TextBox 39"/>
+          <p:cNvSpPr txBox="1"/>
+          <p:nvPr/>
+        </p:nvSpPr>
+        <p:spPr>
+          <a:xfrm>
+            <a:off x="2381432" y="5362722"/>
+            <a:ext cx="1136341" cy="646331"/>
+          </a:xfrm>
+          <a:prstGeom prst="rect">
+            <a:avLst/>
+          </a:prstGeom>
+          <a:noFill/>
+        </p:spPr>
+        <p:txBody>
+          <a:bodyPr wrap="square" rtlCol="0">
+            <a:spAutoFit/>
+          </a:bodyPr>
+          <a:lstStyle/>
+          <a:p>
+            <a:r>
+              <a:rPr lang="ko-KR" altLang="en-US" dirty="0"/>
+              <a:t>프로토콜 </a:t>
+            </a:r>
+            <a:endParaRPr lang="en-US" altLang="ko-KR" dirty="0"/>
+          </a:p>
+          <a:p>
+            <a:r>
+              <a:rPr lang="ko-KR" altLang="en-US" dirty="0"/>
+              <a:t>타입</a:t>
+            </a:r>
+          </a:p>
+        </p:txBody>
+      </p:sp>
+      <p:cxnSp>
+        <p:nvCxnSpPr>
+          <p:cNvPr id="41" name="직선 연결선 40"/>
+          <p:cNvCxnSpPr>
+            <a:cxnSpLocks/>
+          </p:cNvCxnSpPr>
+          <p:nvPr/>
+        </p:nvCxnSpPr>
+        <p:spPr>
+          <a:xfrm>
+            <a:off x="2322989" y="4990730"/>
+            <a:ext cx="0" cy="1473694"/>
+          </a:xfrm>
+          <a:prstGeom prst="line">
+            <a:avLst/>
+          </a:prstGeom>
+          <a:ln w="38100">
+            <a:solidFill>
+              <a:schemeClr val="tx1"/>
+            </a:solidFill>
+          </a:ln>
+        </p:spPr>
+        <p:style>
+          <a:lnRef idx="1">
+            <a:schemeClr val="accent1"/>
+          </a:lnRef>
+          <a:fillRef idx="0">
+            <a:schemeClr val="accent1"/>
+          </a:fillRef>
+          <a:effectRef idx="0">
+            <a:schemeClr val="accent1"/>
+          </a:effectRef>
+          <a:fontRef idx="minor">
+            <a:schemeClr val="tx1"/>
+          </a:fontRef>
+        </p:style>
+      </p:cxnSp>
+      <p:cxnSp>
+        <p:nvCxnSpPr>
+          <p:cNvPr id="42" name="직선 연결선 41"/>
+          <p:cNvCxnSpPr>
+            <a:cxnSpLocks/>
+          </p:cNvCxnSpPr>
+          <p:nvPr/>
+        </p:nvCxnSpPr>
+        <p:spPr>
+          <a:xfrm>
+            <a:off x="4438093" y="4988636"/>
+            <a:ext cx="0" cy="1473694"/>
+          </a:xfrm>
+          <a:prstGeom prst="line">
+            <a:avLst/>
+          </a:prstGeom>
+          <a:ln w="38100">
+            <a:solidFill>
+              <a:schemeClr val="tx1"/>
+            </a:solidFill>
+          </a:ln>
+        </p:spPr>
+        <p:style>
+          <a:lnRef idx="1">
+            <a:schemeClr val="accent1"/>
+          </a:lnRef>
+          <a:fillRef idx="0">
+            <a:schemeClr val="accent1"/>
+          </a:fillRef>
+          <a:effectRef idx="0">
+            <a:schemeClr val="accent1"/>
+          </a:effectRef>
+          <a:fontRef idx="minor">
+            <a:schemeClr val="tx1"/>
+          </a:fontRef>
+        </p:style>
+      </p:cxnSp>
+      <p:cxnSp>
+        <p:nvCxnSpPr>
+          <p:cNvPr id="43" name="직선 연결선 42"/>
+          <p:cNvCxnSpPr>
+            <a:cxnSpLocks/>
+          </p:cNvCxnSpPr>
+          <p:nvPr/>
+        </p:nvCxnSpPr>
+        <p:spPr>
+          <a:xfrm>
+            <a:off x="5478260" y="4979499"/>
+            <a:ext cx="0" cy="1473694"/>
+          </a:xfrm>
+          <a:prstGeom prst="line">
+            <a:avLst/>
+          </a:prstGeom>
+          <a:ln w="38100">
+            <a:solidFill>
+              <a:schemeClr val="tx1"/>
+            </a:solidFill>
+          </a:ln>
+        </p:spPr>
+        <p:style>
+          <a:lnRef idx="1">
+            <a:schemeClr val="accent1"/>
+          </a:lnRef>
+          <a:fillRef idx="0">
+            <a:schemeClr val="accent1"/>
+          </a:fillRef>
+          <a:effectRef idx="0">
+            <a:schemeClr val="accent1"/>
+          </a:effectRef>
+          <a:fontRef idx="minor">
+            <a:schemeClr val="tx1"/>
+          </a:fontRef>
+        </p:style>
+      </p:cxnSp>
+      <p:sp>
+        <p:nvSpPr>
+          <p:cNvPr id="44" name="TextBox 43"/>
+          <p:cNvSpPr txBox="1"/>
+          <p:nvPr/>
+        </p:nvSpPr>
+        <p:spPr>
+          <a:xfrm>
+            <a:off x="3459329" y="5338733"/>
+            <a:ext cx="935115" cy="646331"/>
+          </a:xfrm>
+          <a:prstGeom prst="rect">
+            <a:avLst/>
+          </a:prstGeom>
+          <a:noFill/>
+        </p:spPr>
+        <p:txBody>
+          <a:bodyPr wrap="square" rtlCol="0">
+            <a:spAutoFit/>
+          </a:bodyPr>
+          <a:lstStyle/>
+          <a:p>
+            <a:r>
+              <a:rPr lang="ko-KR" altLang="en-US" dirty="0"/>
+              <a:t>문자열길이</a:t>
+            </a:r>
+          </a:p>
+        </p:txBody>
+      </p:sp>
+      <p:sp>
+        <p:nvSpPr>
+          <p:cNvPr id="45" name="TextBox 44"/>
+          <p:cNvSpPr txBox="1"/>
+          <p:nvPr/>
+        </p:nvSpPr>
+        <p:spPr>
+          <a:xfrm>
+            <a:off x="4543144" y="5477232"/>
+            <a:ext cx="1269507" cy="369332"/>
+          </a:xfrm>
+          <a:prstGeom prst="rect">
+            <a:avLst/>
+          </a:prstGeom>
+          <a:noFill/>
+        </p:spPr>
+        <p:txBody>
+          <a:bodyPr wrap="square" rtlCol="0">
+            <a:spAutoFit/>
+          </a:bodyPr>
+          <a:lstStyle/>
+          <a:p>
+            <a:r>
+              <a:rPr lang="ko-KR" altLang="en-US" dirty="0"/>
+              <a:t>문자열</a:t>
+            </a:r>
+          </a:p>
+        </p:txBody>
+      </p:sp>
+      <p:sp>
+        <p:nvSpPr>
+          <p:cNvPr id="46" name="TextBox 45"/>
+          <p:cNvSpPr txBox="1"/>
+          <p:nvPr/>
+        </p:nvSpPr>
+        <p:spPr>
+          <a:xfrm>
+            <a:off x="7792372" y="5406172"/>
+            <a:ext cx="1269507" cy="369332"/>
+          </a:xfrm>
+          <a:prstGeom prst="rect">
+            <a:avLst/>
+          </a:prstGeom>
+          <a:noFill/>
+        </p:spPr>
+        <p:txBody>
+          <a:bodyPr wrap="square" rtlCol="0">
+            <a:spAutoFit/>
+          </a:bodyPr>
+          <a:lstStyle/>
+          <a:p>
+            <a:r>
+              <a:rPr lang="en-US" altLang="ko-KR" dirty="0"/>
+              <a:t>…</a:t>
+            </a:r>
+            <a:endParaRPr lang="ko-KR" altLang="en-US" dirty="0"/>
+          </a:p>
+        </p:txBody>
+      </p:sp>
+      <p:cxnSp>
+        <p:nvCxnSpPr>
+          <p:cNvPr id="47" name="직선 연결선 46"/>
+          <p:cNvCxnSpPr>
+            <a:cxnSpLocks/>
+          </p:cNvCxnSpPr>
+          <p:nvPr/>
+        </p:nvCxnSpPr>
+        <p:spPr>
+          <a:xfrm>
+            <a:off x="6457022" y="4977987"/>
+            <a:ext cx="0" cy="1473694"/>
+          </a:xfrm>
+          <a:prstGeom prst="line">
+            <a:avLst/>
+          </a:prstGeom>
+          <a:ln w="38100">
+            <a:solidFill>
+              <a:schemeClr val="tx1"/>
+            </a:solidFill>
+          </a:ln>
+        </p:spPr>
+        <p:style>
+          <a:lnRef idx="1">
+            <a:schemeClr val="accent1"/>
+          </a:lnRef>
+          <a:fillRef idx="0">
+            <a:schemeClr val="accent1"/>
+          </a:fillRef>
+          <a:effectRef idx="0">
+            <a:schemeClr val="accent1"/>
+          </a:effectRef>
+          <a:fontRef idx="minor">
+            <a:schemeClr val="tx1"/>
+          </a:fontRef>
+        </p:style>
+      </p:cxnSp>
+      <p:cxnSp>
+        <p:nvCxnSpPr>
+          <p:cNvPr id="48" name="직선 연결선 47"/>
+          <p:cNvCxnSpPr>
+            <a:cxnSpLocks/>
+          </p:cNvCxnSpPr>
+          <p:nvPr/>
+        </p:nvCxnSpPr>
+        <p:spPr>
+          <a:xfrm>
+            <a:off x="7497189" y="4968850"/>
+            <a:ext cx="0" cy="1473694"/>
+          </a:xfrm>
+          <a:prstGeom prst="line">
+            <a:avLst/>
+          </a:prstGeom>
+          <a:ln w="38100">
+            <a:solidFill>
+              <a:schemeClr val="tx1"/>
+            </a:solidFill>
+          </a:ln>
+        </p:spPr>
+        <p:style>
+          <a:lnRef idx="1">
+            <a:schemeClr val="accent1"/>
+          </a:lnRef>
+          <a:fillRef idx="0">
+            <a:schemeClr val="accent1"/>
+          </a:fillRef>
+          <a:effectRef idx="0">
+            <a:schemeClr val="accent1"/>
+          </a:effectRef>
+          <a:fontRef idx="minor">
+            <a:schemeClr val="tx1"/>
+          </a:fontRef>
+        </p:style>
+      </p:cxnSp>
+      <p:sp>
+        <p:nvSpPr>
+          <p:cNvPr id="49" name="TextBox 48"/>
+          <p:cNvSpPr txBox="1"/>
+          <p:nvPr/>
+        </p:nvSpPr>
+        <p:spPr>
+          <a:xfrm>
+            <a:off x="5478258" y="5328084"/>
+            <a:ext cx="935115" cy="646331"/>
+          </a:xfrm>
+          <a:prstGeom prst="rect">
+            <a:avLst/>
+          </a:prstGeom>
+          <a:noFill/>
+        </p:spPr>
+        <p:txBody>
+          <a:bodyPr wrap="square" rtlCol="0">
+            <a:spAutoFit/>
+          </a:bodyPr>
+          <a:lstStyle/>
+          <a:p>
+            <a:r>
+              <a:rPr lang="ko-KR" altLang="en-US" dirty="0"/>
+              <a:t>문자열길이</a:t>
+            </a:r>
+          </a:p>
+        </p:txBody>
+      </p:sp>
+      <p:sp>
+        <p:nvSpPr>
+          <p:cNvPr id="50" name="TextBox 49"/>
+          <p:cNvSpPr txBox="1"/>
+          <p:nvPr/>
+        </p:nvSpPr>
+        <p:spPr>
+          <a:xfrm>
+            <a:off x="6562073" y="5466583"/>
+            <a:ext cx="1269507" cy="369332"/>
+          </a:xfrm>
+          <a:prstGeom prst="rect">
+            <a:avLst/>
+          </a:prstGeom>
+          <a:noFill/>
+        </p:spPr>
+        <p:txBody>
+          <a:bodyPr wrap="square" rtlCol="0">
+            <a:spAutoFit/>
+          </a:bodyPr>
+          <a:lstStyle/>
+          <a:p>
+            <a:r>
+              <a:rPr lang="ko-KR" altLang="en-US" dirty="0"/>
+              <a:t>문자열</a:t>
+            </a:r>
+          </a:p>
+        </p:txBody>
+      </p:sp>
+      <p:cxnSp>
+        <p:nvCxnSpPr>
+          <p:cNvPr id="51" name="직선 연결선 50"/>
+          <p:cNvCxnSpPr>
+            <a:cxnSpLocks/>
+          </p:cNvCxnSpPr>
+          <p:nvPr/>
+        </p:nvCxnSpPr>
+        <p:spPr>
+          <a:xfrm>
+            <a:off x="3418638" y="4988636"/>
+            <a:ext cx="0" cy="1473694"/>
+          </a:xfrm>
+          <a:prstGeom prst="line">
+            <a:avLst/>
+          </a:prstGeom>
+          <a:ln w="38100">
+            <a:solidFill>
+              <a:schemeClr val="tx1"/>
+            </a:solidFill>
+          </a:ln>
+        </p:spPr>
+        <p:style>
+          <a:lnRef idx="1">
+            <a:schemeClr val="accent1"/>
+          </a:lnRef>
+          <a:fillRef idx="0">
+            <a:schemeClr val="accent1"/>
+          </a:fillRef>
+          <a:effectRef idx="0">
+            <a:schemeClr val="accent1"/>
+          </a:effectRef>
+          <a:fontRef idx="minor">
+            <a:schemeClr val="tx1"/>
+          </a:fontRef>
+        </p:style>
+      </p:cxnSp>
+      <p:cxnSp>
+        <p:nvCxnSpPr>
+          <p:cNvPr id="4" name="직선 연결선 3"/>
+          <p:cNvCxnSpPr/>
+          <p:nvPr/>
+        </p:nvCxnSpPr>
+        <p:spPr>
+          <a:xfrm flipV="1">
+            <a:off x="1158165" y="4541837"/>
+            <a:ext cx="0" cy="450116"/>
+          </a:xfrm>
+          <a:prstGeom prst="line">
+            <a:avLst/>
+          </a:prstGeom>
+        </p:spPr>
+        <p:style>
+          <a:lnRef idx="1">
+            <a:schemeClr val="accent1"/>
+          </a:lnRef>
+          <a:fillRef idx="0">
+            <a:schemeClr val="accent1"/>
+          </a:fillRef>
+          <a:effectRef idx="0">
+            <a:schemeClr val="accent1"/>
+          </a:effectRef>
+          <a:fontRef idx="minor">
+            <a:schemeClr val="tx1"/>
+          </a:fontRef>
+        </p:style>
+      </p:cxnSp>
+      <p:cxnSp>
+        <p:nvCxnSpPr>
+          <p:cNvPr id="14" name="직선 연결선 13"/>
+          <p:cNvCxnSpPr>
+            <a:cxnSpLocks/>
+          </p:cNvCxnSpPr>
+          <p:nvPr/>
+        </p:nvCxnSpPr>
+        <p:spPr>
+          <a:xfrm flipV="1">
+            <a:off x="3418638" y="4527871"/>
+            <a:ext cx="1" cy="440351"/>
+          </a:xfrm>
+          <a:prstGeom prst="line">
+            <a:avLst/>
+          </a:prstGeom>
+        </p:spPr>
+        <p:style>
+          <a:lnRef idx="1">
+            <a:schemeClr val="accent1"/>
+          </a:lnRef>
+          <a:fillRef idx="0">
+            <a:schemeClr val="accent1"/>
+          </a:fillRef>
+          <a:effectRef idx="0">
+            <a:schemeClr val="accent1"/>
+          </a:effectRef>
+          <a:fontRef idx="minor">
+            <a:schemeClr val="tx1"/>
+          </a:fontRef>
+        </p:style>
+      </p:cxnSp>
+      <p:cxnSp>
+        <p:nvCxnSpPr>
+          <p:cNvPr id="53" name="직선 연결선 52"/>
+          <p:cNvCxnSpPr>
+            <a:cxnSpLocks/>
+          </p:cNvCxnSpPr>
+          <p:nvPr/>
+        </p:nvCxnSpPr>
+        <p:spPr>
+          <a:xfrm flipV="1">
+            <a:off x="1158165" y="4527871"/>
+            <a:ext cx="2269354" cy="13966"/>
+          </a:xfrm>
+          <a:prstGeom prst="line">
+            <a:avLst/>
+          </a:prstGeom>
+        </p:spPr>
+        <p:style>
+          <a:lnRef idx="1">
+            <a:schemeClr val="accent1"/>
+          </a:lnRef>
+          <a:fillRef idx="0">
+            <a:schemeClr val="accent1"/>
+          </a:fillRef>
+          <a:effectRef idx="0">
+            <a:schemeClr val="accent1"/>
+          </a:effectRef>
+          <a:fontRef idx="minor">
+            <a:schemeClr val="tx1"/>
+          </a:fontRef>
+        </p:style>
+      </p:cxnSp>
+      <p:sp>
+        <p:nvSpPr>
+          <p:cNvPr id="57" name="TextBox 56"/>
+          <p:cNvSpPr txBox="1"/>
+          <p:nvPr/>
+        </p:nvSpPr>
+        <p:spPr>
+          <a:xfrm>
+            <a:off x="1482571" y="4172505"/>
+            <a:ext cx="1358283" cy="369332"/>
+          </a:xfrm>
+          <a:prstGeom prst="rect">
+            <a:avLst/>
+          </a:prstGeom>
+          <a:noFill/>
+        </p:spPr>
+        <p:txBody>
+          <a:bodyPr wrap="square" rtlCol="0">
+            <a:spAutoFit/>
+          </a:bodyPr>
+          <a:lstStyle/>
+          <a:p>
+            <a:r>
+              <a:rPr lang="ko-KR" altLang="en-US"/>
+              <a:t>패킷 헤더</a:t>
+            </a:r>
+          </a:p>
+        </p:txBody>
+      </p:sp>
+      <p:cxnSp>
+        <p:nvCxnSpPr>
+          <p:cNvPr id="59" name="직선 연결선 58"/>
+          <p:cNvCxnSpPr>
+            <a:cxnSpLocks/>
+          </p:cNvCxnSpPr>
+          <p:nvPr/>
+        </p:nvCxnSpPr>
+        <p:spPr>
+          <a:xfrm>
+            <a:off x="3418638" y="4527871"/>
+            <a:ext cx="5263722" cy="0"/>
+          </a:xfrm>
+          <a:prstGeom prst="line">
+            <a:avLst/>
+          </a:prstGeom>
+        </p:spPr>
+        <p:style>
+          <a:lnRef idx="1">
+            <a:schemeClr val="accent1"/>
+          </a:lnRef>
+          <a:fillRef idx="0">
+            <a:schemeClr val="accent1"/>
+          </a:fillRef>
+          <a:effectRef idx="0">
+            <a:schemeClr val="accent1"/>
+          </a:effectRef>
+          <a:fontRef idx="minor">
+            <a:schemeClr val="tx1"/>
+          </a:fontRef>
+        </p:style>
+      </p:cxnSp>
+      <p:cxnSp>
+        <p:nvCxnSpPr>
+          <p:cNvPr id="61" name="직선 연결선 60"/>
+          <p:cNvCxnSpPr>
+            <a:cxnSpLocks/>
+          </p:cNvCxnSpPr>
+          <p:nvPr/>
+        </p:nvCxnSpPr>
+        <p:spPr>
+          <a:xfrm>
+            <a:off x="8661645" y="4527871"/>
+            <a:ext cx="0" cy="440351"/>
+          </a:xfrm>
+          <a:prstGeom prst="line">
+            <a:avLst/>
+          </a:prstGeom>
+        </p:spPr>
+        <p:style>
+          <a:lnRef idx="1">
+            <a:schemeClr val="accent1"/>
+          </a:lnRef>
+          <a:fillRef idx="0">
+            <a:schemeClr val="accent1"/>
+          </a:fillRef>
+          <a:effectRef idx="0">
+            <a:schemeClr val="accent1"/>
+          </a:effectRef>
+          <a:fontRef idx="minor">
+            <a:schemeClr val="tx1"/>
+          </a:fontRef>
+        </p:style>
+      </p:cxnSp>
+      <p:sp>
+        <p:nvSpPr>
+          <p:cNvPr id="64" name="TextBox 63"/>
+          <p:cNvSpPr txBox="1"/>
+          <p:nvPr/>
+        </p:nvSpPr>
+        <p:spPr>
+          <a:xfrm>
+            <a:off x="5131293" y="4172505"/>
+            <a:ext cx="1451495" cy="369332"/>
+          </a:xfrm>
+          <a:prstGeom prst="rect">
+            <a:avLst/>
+          </a:prstGeom>
+          <a:noFill/>
+        </p:spPr>
+        <p:txBody>
+          <a:bodyPr wrap="square" rtlCol="0">
+            <a:spAutoFit/>
+          </a:bodyPr>
+          <a:lstStyle/>
+          <a:p>
+            <a:r>
+              <a:rPr lang="ko-KR" altLang="en-US" dirty="0"/>
+              <a:t>패킷 데이터</a:t>
             </a:r>
           </a:p>
         </p:txBody>
@@ -9878,7 +11598,7 @@
           <a:p>
             <a:r>
               <a:rPr lang="en-US" altLang="ko-KR" dirty="0" err="1"/>
-              <a:t>networkID</a:t>
+              <a:t>Remote_ID</a:t>
             </a:r>
             <a:endParaRPr lang="ko-KR" altLang="en-US" dirty="0"/>
           </a:p>
